--- a/Get to know 4TU (day 2).pptx
+++ b/Get to know 4TU (day 2).pptx
@@ -2,15 +2,33 @@
 <file path=ppt/presentation.xml><?xml version="1.0" encoding="utf-8"?>
 <p:presentation xmlns:a="http://schemas.openxmlformats.org/drawingml/2006/main" xmlns:r="http://schemas.openxmlformats.org/officeDocument/2006/relationships" xmlns:p="http://schemas.openxmlformats.org/presentationml/2006/main" saveSubsetFonts="1">
   <p:sldMasterIdLst>
-    <p:sldMasterId id="2147483648" r:id="rId1"/>
+    <p:sldMasterId id="2147483662" r:id="rId1"/>
+    <p:sldMasterId id="2147483659" r:id="rId2"/>
   </p:sldMasterIdLst>
+  <p:notesMasterIdLst>
+    <p:notesMasterId r:id="rId23"/>
+  </p:notesMasterIdLst>
   <p:sldIdLst>
-    <p:sldId id="256" r:id="rId2"/>
-    <p:sldId id="258" r:id="rId3"/>
-    <p:sldId id="257" r:id="rId4"/>
-    <p:sldId id="259" r:id="rId5"/>
-    <p:sldId id="260" r:id="rId6"/>
-    <p:sldId id="261" r:id="rId7"/>
+    <p:sldId id="262" r:id="rId3"/>
+    <p:sldId id="263" r:id="rId4"/>
+    <p:sldId id="257" r:id="rId5"/>
+    <p:sldId id="258" r:id="rId6"/>
+    <p:sldId id="264" r:id="rId7"/>
+    <p:sldId id="276" r:id="rId8"/>
+    <p:sldId id="259" r:id="rId9"/>
+    <p:sldId id="266" r:id="rId10"/>
+    <p:sldId id="277" r:id="rId11"/>
+    <p:sldId id="267" r:id="rId12"/>
+    <p:sldId id="261" r:id="rId13"/>
+    <p:sldId id="268" r:id="rId14"/>
+    <p:sldId id="269" r:id="rId15"/>
+    <p:sldId id="270" r:id="rId16"/>
+    <p:sldId id="271" r:id="rId17"/>
+    <p:sldId id="272" r:id="rId18"/>
+    <p:sldId id="273" r:id="rId19"/>
+    <p:sldId id="274" r:id="rId20"/>
+    <p:sldId id="275" r:id="rId21"/>
+    <p:sldId id="278" r:id="rId22"/>
   </p:sldIdLst>
   <p:sldSz cx="12192000" cy="6858000"/>
   <p:notesSz cx="6858000" cy="9144000"/>
@@ -117,6 +135,2074 @@
 </p:presentation>
 </file>
 
+<file path=ppt/notesMasters/notesMaster1.xml><?xml version="1.0" encoding="utf-8"?>
+<p:notesMaster xmlns:a="http://schemas.openxmlformats.org/drawingml/2006/main" xmlns:r="http://schemas.openxmlformats.org/officeDocument/2006/relationships" xmlns:p="http://schemas.openxmlformats.org/presentationml/2006/main">
+  <p:cSld>
+    <p:bg>
+      <p:bgRef idx="1001">
+        <a:schemeClr val="bg1"/>
+      </p:bgRef>
+    </p:bg>
+    <p:spTree>
+      <p:nvGrpSpPr>
+        <p:cNvPr id="1" name=""/>
+        <p:cNvGrpSpPr/>
+        <p:nvPr/>
+      </p:nvGrpSpPr>
+      <p:grpSpPr>
+        <a:xfrm>
+          <a:off x="0" y="0"/>
+          <a:ext cx="0" cy="0"/>
+          <a:chOff x="0" y="0"/>
+          <a:chExt cx="0" cy="0"/>
+        </a:xfrm>
+      </p:grpSpPr>
+      <p:sp>
+        <p:nvSpPr>
+          <p:cNvPr id="2" name="Header Placeholder 1"/>
+          <p:cNvSpPr>
+            <a:spLocks noGrp="1"/>
+          </p:cNvSpPr>
+          <p:nvPr>
+            <p:ph type="hdr" sz="quarter"/>
+          </p:nvPr>
+        </p:nvSpPr>
+        <p:spPr>
+          <a:xfrm>
+            <a:off x="0" y="0"/>
+            <a:ext cx="2971800" cy="458788"/>
+          </a:xfrm>
+          <a:prstGeom prst="rect">
+            <a:avLst/>
+          </a:prstGeom>
+        </p:spPr>
+        <p:txBody>
+          <a:bodyPr vert="horz" lIns="91440" tIns="45720" rIns="91440" bIns="45720" rtlCol="0"/>
+          <a:lstStyle>
+            <a:lvl1pPr algn="l">
+              <a:defRPr sz="1200"/>
+            </a:lvl1pPr>
+          </a:lstStyle>
+          <a:p>
+            <a:endParaRPr lang="en-GB"/>
+          </a:p>
+        </p:txBody>
+      </p:sp>
+      <p:sp>
+        <p:nvSpPr>
+          <p:cNvPr id="3" name="Date Placeholder 2"/>
+          <p:cNvSpPr>
+            <a:spLocks noGrp="1"/>
+          </p:cNvSpPr>
+          <p:nvPr>
+            <p:ph type="dt" idx="1"/>
+          </p:nvPr>
+        </p:nvSpPr>
+        <p:spPr>
+          <a:xfrm>
+            <a:off x="3884613" y="0"/>
+            <a:ext cx="2971800" cy="458788"/>
+          </a:xfrm>
+          <a:prstGeom prst="rect">
+            <a:avLst/>
+          </a:prstGeom>
+        </p:spPr>
+        <p:txBody>
+          <a:bodyPr vert="horz" lIns="91440" tIns="45720" rIns="91440" bIns="45720" rtlCol="0"/>
+          <a:lstStyle>
+            <a:lvl1pPr algn="r">
+              <a:defRPr sz="1200"/>
+            </a:lvl1pPr>
+          </a:lstStyle>
+          <a:p>
+            <a:fld id="{C72E5348-1736-4861-B8B5-965F68D1D4D5}" type="datetimeFigureOut">
+              <a:rPr lang="en-GB" smtClean="0"/>
+              <a:t>12/02/2024</a:t>
+            </a:fld>
+            <a:endParaRPr lang="en-GB"/>
+          </a:p>
+        </p:txBody>
+      </p:sp>
+      <p:sp>
+        <p:nvSpPr>
+          <p:cNvPr id="4" name="Slide Image Placeholder 3"/>
+          <p:cNvSpPr>
+            <a:spLocks noGrp="1" noRot="1" noChangeAspect="1"/>
+          </p:cNvSpPr>
+          <p:nvPr>
+            <p:ph type="sldImg" idx="2"/>
+          </p:nvPr>
+        </p:nvSpPr>
+        <p:spPr>
+          <a:xfrm>
+            <a:off x="685800" y="1143000"/>
+            <a:ext cx="5486400" cy="3086100"/>
+          </a:xfrm>
+          <a:prstGeom prst="rect">
+            <a:avLst/>
+          </a:prstGeom>
+          <a:noFill/>
+          <a:ln w="12700">
+            <a:solidFill>
+              <a:prstClr val="black"/>
+            </a:solidFill>
+          </a:ln>
+        </p:spPr>
+        <p:txBody>
+          <a:bodyPr vert="horz" lIns="91440" tIns="45720" rIns="91440" bIns="45720" rtlCol="0" anchor="ctr"/>
+          <a:lstStyle/>
+          <a:p>
+            <a:endParaRPr lang="en-GB"/>
+          </a:p>
+        </p:txBody>
+      </p:sp>
+      <p:sp>
+        <p:nvSpPr>
+          <p:cNvPr id="5" name="Notes Placeholder 4"/>
+          <p:cNvSpPr>
+            <a:spLocks noGrp="1"/>
+          </p:cNvSpPr>
+          <p:nvPr>
+            <p:ph type="body" sz="quarter" idx="3"/>
+          </p:nvPr>
+        </p:nvSpPr>
+        <p:spPr>
+          <a:xfrm>
+            <a:off x="685800" y="4400550"/>
+            <a:ext cx="5486400" cy="3600450"/>
+          </a:xfrm>
+          <a:prstGeom prst="rect">
+            <a:avLst/>
+          </a:prstGeom>
+        </p:spPr>
+        <p:txBody>
+          <a:bodyPr vert="horz" lIns="91440" tIns="45720" rIns="91440" bIns="45720" rtlCol="0"/>
+          <a:lstStyle/>
+          <a:p>
+            <a:pPr lvl="0"/>
+            <a:r>
+              <a:rPr lang="en-US"/>
+              <a:t>Click to edit Master text styles</a:t>
+            </a:r>
+          </a:p>
+          <a:p>
+            <a:pPr lvl="1"/>
+            <a:r>
+              <a:rPr lang="en-US"/>
+              <a:t>Second level</a:t>
+            </a:r>
+          </a:p>
+          <a:p>
+            <a:pPr lvl="2"/>
+            <a:r>
+              <a:rPr lang="en-US"/>
+              <a:t>Third level</a:t>
+            </a:r>
+          </a:p>
+          <a:p>
+            <a:pPr lvl="3"/>
+            <a:r>
+              <a:rPr lang="en-US"/>
+              <a:t>Fourth level</a:t>
+            </a:r>
+          </a:p>
+          <a:p>
+            <a:pPr lvl="4"/>
+            <a:r>
+              <a:rPr lang="en-US"/>
+              <a:t>Fifth level</a:t>
+            </a:r>
+            <a:endParaRPr lang="en-GB"/>
+          </a:p>
+        </p:txBody>
+      </p:sp>
+      <p:sp>
+        <p:nvSpPr>
+          <p:cNvPr id="6" name="Footer Placeholder 5"/>
+          <p:cNvSpPr>
+            <a:spLocks noGrp="1"/>
+          </p:cNvSpPr>
+          <p:nvPr>
+            <p:ph type="ftr" sz="quarter" idx="4"/>
+          </p:nvPr>
+        </p:nvSpPr>
+        <p:spPr>
+          <a:xfrm>
+            <a:off x="0" y="8685213"/>
+            <a:ext cx="2971800" cy="458787"/>
+          </a:xfrm>
+          <a:prstGeom prst="rect">
+            <a:avLst/>
+          </a:prstGeom>
+        </p:spPr>
+        <p:txBody>
+          <a:bodyPr vert="horz" lIns="91440" tIns="45720" rIns="91440" bIns="45720" rtlCol="0" anchor="b"/>
+          <a:lstStyle>
+            <a:lvl1pPr algn="l">
+              <a:defRPr sz="1200"/>
+            </a:lvl1pPr>
+          </a:lstStyle>
+          <a:p>
+            <a:endParaRPr lang="en-GB"/>
+          </a:p>
+        </p:txBody>
+      </p:sp>
+      <p:sp>
+        <p:nvSpPr>
+          <p:cNvPr id="7" name="Slide Number Placeholder 6"/>
+          <p:cNvSpPr>
+            <a:spLocks noGrp="1"/>
+          </p:cNvSpPr>
+          <p:nvPr>
+            <p:ph type="sldNum" sz="quarter" idx="5"/>
+          </p:nvPr>
+        </p:nvSpPr>
+        <p:spPr>
+          <a:xfrm>
+            <a:off x="3884613" y="8685213"/>
+            <a:ext cx="2971800" cy="458787"/>
+          </a:xfrm>
+          <a:prstGeom prst="rect">
+            <a:avLst/>
+          </a:prstGeom>
+        </p:spPr>
+        <p:txBody>
+          <a:bodyPr vert="horz" lIns="91440" tIns="45720" rIns="91440" bIns="45720" rtlCol="0" anchor="b"/>
+          <a:lstStyle>
+            <a:lvl1pPr algn="r">
+              <a:defRPr sz="1200"/>
+            </a:lvl1pPr>
+          </a:lstStyle>
+          <a:p>
+            <a:fld id="{3ACF864E-B828-418E-A097-C392F7B8FA22}" type="slidenum">
+              <a:rPr lang="en-GB" smtClean="0"/>
+              <a:t>‹#›</a:t>
+            </a:fld>
+            <a:endParaRPr lang="en-GB"/>
+          </a:p>
+        </p:txBody>
+      </p:sp>
+    </p:spTree>
+    <p:extLst>
+      <p:ext uri="{BB962C8B-B14F-4D97-AF65-F5344CB8AC3E}">
+        <p14:creationId xmlns:p14="http://schemas.microsoft.com/office/powerpoint/2010/main" val="3798076800"/>
+      </p:ext>
+    </p:extLst>
+  </p:cSld>
+  <p:clrMap bg1="lt1" tx1="dk1" bg2="lt2" tx2="dk2" accent1="accent1" accent2="accent2" accent3="accent3" accent4="accent4" accent5="accent5" accent6="accent6" hlink="hlink" folHlink="folHlink"/>
+  <p:notesStyle>
+    <a:lvl1pPr marL="0" algn="l" defTabSz="914400" rtl="0" eaLnBrk="1" latinLnBrk="0" hangingPunct="1">
+      <a:defRPr sz="1200" kern="1200">
+        <a:solidFill>
+          <a:schemeClr val="tx1"/>
+        </a:solidFill>
+        <a:latin typeface="+mn-lt"/>
+        <a:ea typeface="+mn-ea"/>
+        <a:cs typeface="+mn-cs"/>
+      </a:defRPr>
+    </a:lvl1pPr>
+    <a:lvl2pPr marL="457200" algn="l" defTabSz="914400" rtl="0" eaLnBrk="1" latinLnBrk="0" hangingPunct="1">
+      <a:defRPr sz="1200" kern="1200">
+        <a:solidFill>
+          <a:schemeClr val="tx1"/>
+        </a:solidFill>
+        <a:latin typeface="+mn-lt"/>
+        <a:ea typeface="+mn-ea"/>
+        <a:cs typeface="+mn-cs"/>
+      </a:defRPr>
+    </a:lvl2pPr>
+    <a:lvl3pPr marL="914400" algn="l" defTabSz="914400" rtl="0" eaLnBrk="1" latinLnBrk="0" hangingPunct="1">
+      <a:defRPr sz="1200" kern="1200">
+        <a:solidFill>
+          <a:schemeClr val="tx1"/>
+        </a:solidFill>
+        <a:latin typeface="+mn-lt"/>
+        <a:ea typeface="+mn-ea"/>
+        <a:cs typeface="+mn-cs"/>
+      </a:defRPr>
+    </a:lvl3pPr>
+    <a:lvl4pPr marL="1371600" algn="l" defTabSz="914400" rtl="0" eaLnBrk="1" latinLnBrk="0" hangingPunct="1">
+      <a:defRPr sz="1200" kern="1200">
+        <a:solidFill>
+          <a:schemeClr val="tx1"/>
+        </a:solidFill>
+        <a:latin typeface="+mn-lt"/>
+        <a:ea typeface="+mn-ea"/>
+        <a:cs typeface="+mn-cs"/>
+      </a:defRPr>
+    </a:lvl4pPr>
+    <a:lvl5pPr marL="1828800" algn="l" defTabSz="914400" rtl="0" eaLnBrk="1" latinLnBrk="0" hangingPunct="1">
+      <a:defRPr sz="1200" kern="1200">
+        <a:solidFill>
+          <a:schemeClr val="tx1"/>
+        </a:solidFill>
+        <a:latin typeface="+mn-lt"/>
+        <a:ea typeface="+mn-ea"/>
+        <a:cs typeface="+mn-cs"/>
+      </a:defRPr>
+    </a:lvl5pPr>
+    <a:lvl6pPr marL="2286000" algn="l" defTabSz="914400" rtl="0" eaLnBrk="1" latinLnBrk="0" hangingPunct="1">
+      <a:defRPr sz="1200" kern="1200">
+        <a:solidFill>
+          <a:schemeClr val="tx1"/>
+        </a:solidFill>
+        <a:latin typeface="+mn-lt"/>
+        <a:ea typeface="+mn-ea"/>
+        <a:cs typeface="+mn-cs"/>
+      </a:defRPr>
+    </a:lvl6pPr>
+    <a:lvl7pPr marL="2743200" algn="l" defTabSz="914400" rtl="0" eaLnBrk="1" latinLnBrk="0" hangingPunct="1">
+      <a:defRPr sz="1200" kern="1200">
+        <a:solidFill>
+          <a:schemeClr val="tx1"/>
+        </a:solidFill>
+        <a:latin typeface="+mn-lt"/>
+        <a:ea typeface="+mn-ea"/>
+        <a:cs typeface="+mn-cs"/>
+      </a:defRPr>
+    </a:lvl7pPr>
+    <a:lvl8pPr marL="3200400" algn="l" defTabSz="914400" rtl="0" eaLnBrk="1" latinLnBrk="0" hangingPunct="1">
+      <a:defRPr sz="1200" kern="1200">
+        <a:solidFill>
+          <a:schemeClr val="tx1"/>
+        </a:solidFill>
+        <a:latin typeface="+mn-lt"/>
+        <a:ea typeface="+mn-ea"/>
+        <a:cs typeface="+mn-cs"/>
+      </a:defRPr>
+    </a:lvl8pPr>
+    <a:lvl9pPr marL="3657600" algn="l" defTabSz="914400" rtl="0" eaLnBrk="1" latinLnBrk="0" hangingPunct="1">
+      <a:defRPr sz="1200" kern="1200">
+        <a:solidFill>
+          <a:schemeClr val="tx1"/>
+        </a:solidFill>
+        <a:latin typeface="+mn-lt"/>
+        <a:ea typeface="+mn-ea"/>
+        <a:cs typeface="+mn-cs"/>
+      </a:defRPr>
+    </a:lvl9pPr>
+  </p:notesStyle>
+</p:notesMaster>
+</file>
+
+<file path=ppt/notesSlides/notesSlide1.xml><?xml version="1.0" encoding="utf-8"?>
+<p:notes xmlns:a="http://schemas.openxmlformats.org/drawingml/2006/main" xmlns:r="http://schemas.openxmlformats.org/officeDocument/2006/relationships" xmlns:p="http://schemas.openxmlformats.org/presentationml/2006/main" showMasterSp="0" showMasterPhAnim="0">
+  <p:cSld>
+    <p:spTree>
+      <p:nvGrpSpPr>
+        <p:cNvPr id="1" name="Shape 50"/>
+        <p:cNvGrpSpPr/>
+        <p:nvPr/>
+      </p:nvGrpSpPr>
+      <p:grpSpPr>
+        <a:xfrm>
+          <a:off x="0" y="0"/>
+          <a:ext cx="0" cy="0"/>
+          <a:chOff x="0" y="0"/>
+          <a:chExt cx="0" cy="0"/>
+        </a:xfrm>
+      </p:grpSpPr>
+      <p:sp>
+        <p:nvSpPr>
+          <p:cNvPr id="51" name="Google Shape;51;g18de7c0cce2_0_16:notes"/>
+          <p:cNvSpPr>
+            <a:spLocks noGrp="1" noRot="1" noChangeAspect="1"/>
+          </p:cNvSpPr>
+          <p:nvPr>
+            <p:ph type="sldImg" idx="2"/>
+          </p:nvPr>
+        </p:nvSpPr>
+        <p:spPr>
+          <a:xfrm>
+            <a:off x="381000" y="685800"/>
+            <a:ext cx="6096000" cy="3429000"/>
+          </a:xfrm>
+          <a:custGeom>
+            <a:avLst/>
+            <a:gdLst/>
+            <a:ahLst/>
+            <a:cxnLst/>
+            <a:rect l="l" t="t" r="r" b="b"/>
+            <a:pathLst>
+              <a:path w="120000" h="120000" extrusionOk="0">
+                <a:moveTo>
+                  <a:pt x="0" y="0"/>
+                </a:moveTo>
+                <a:lnTo>
+                  <a:pt x="120000" y="0"/>
+                </a:lnTo>
+                <a:lnTo>
+                  <a:pt x="120000" y="120000"/>
+                </a:lnTo>
+                <a:lnTo>
+                  <a:pt x="0" y="120000"/>
+                </a:lnTo>
+                <a:close/>
+              </a:path>
+            </a:pathLst>
+          </a:custGeom>
+        </p:spPr>
+      </p:sp>
+      <p:sp>
+        <p:nvSpPr>
+          <p:cNvPr id="52" name="Google Shape;52;g18de7c0cce2_0_16:notes"/>
+          <p:cNvSpPr txBox="1">
+            <a:spLocks noGrp="1"/>
+          </p:cNvSpPr>
+          <p:nvPr>
+            <p:ph type="body" idx="1"/>
+          </p:nvPr>
+        </p:nvSpPr>
+        <p:spPr>
+          <a:xfrm>
+            <a:off x="685800" y="4343400"/>
+            <a:ext cx="5486400" cy="4114800"/>
+          </a:xfrm>
+          <a:prstGeom prst="rect">
+            <a:avLst/>
+          </a:prstGeom>
+        </p:spPr>
+        <p:txBody>
+          <a:bodyPr spcFirstLastPara="1" wrap="square" lIns="91425" tIns="91425" rIns="91425" bIns="91425" anchor="t" anchorCtr="0">
+            <a:noAutofit/>
+          </a:bodyPr>
+          <a:lstStyle/>
+          <a:p>
+            <a:pPr marL="0" lvl="0" indent="0" algn="l" rtl="0">
+              <a:spcBef>
+                <a:spcPts val="0"/>
+              </a:spcBef>
+              <a:spcAft>
+                <a:spcPts val="0"/>
+              </a:spcAft>
+              <a:buNone/>
+            </a:pPr>
+            <a:endParaRPr/>
+          </a:p>
+        </p:txBody>
+      </p:sp>
+    </p:spTree>
+  </p:cSld>
+  <p:clrMapOvr>
+    <a:masterClrMapping/>
+  </p:clrMapOvr>
+</p:notes>
+</file>
+
+<file path=ppt/notesSlides/notesSlide10.xml><?xml version="1.0" encoding="utf-8"?>
+<p:notes xmlns:a="http://schemas.openxmlformats.org/drawingml/2006/main" xmlns:r="http://schemas.openxmlformats.org/officeDocument/2006/relationships" xmlns:p="http://schemas.openxmlformats.org/presentationml/2006/main">
+  <p:cSld>
+    <p:spTree>
+      <p:nvGrpSpPr>
+        <p:cNvPr id="1" name=""/>
+        <p:cNvGrpSpPr/>
+        <p:nvPr/>
+      </p:nvGrpSpPr>
+      <p:grpSpPr>
+        <a:xfrm>
+          <a:off x="0" y="0"/>
+          <a:ext cx="0" cy="0"/>
+          <a:chOff x="0" y="0"/>
+          <a:chExt cx="0" cy="0"/>
+        </a:xfrm>
+      </p:grpSpPr>
+      <p:sp>
+        <p:nvSpPr>
+          <p:cNvPr id="2" name="Slide Image Placeholder 1"/>
+          <p:cNvSpPr>
+            <a:spLocks noGrp="1" noRot="1" noChangeAspect="1"/>
+          </p:cNvSpPr>
+          <p:nvPr>
+            <p:ph type="sldImg"/>
+          </p:nvPr>
+        </p:nvSpPr>
+        <p:spPr/>
+      </p:sp>
+      <p:sp>
+        <p:nvSpPr>
+          <p:cNvPr id="3" name="Notes Placeholder 2"/>
+          <p:cNvSpPr>
+            <a:spLocks noGrp="1"/>
+          </p:cNvSpPr>
+          <p:nvPr>
+            <p:ph type="body" idx="1"/>
+          </p:nvPr>
+        </p:nvSpPr>
+        <p:spPr/>
+        <p:txBody>
+          <a:bodyPr/>
+          <a:lstStyle/>
+          <a:p>
+            <a:endParaRPr lang="en-GB" dirty="0"/>
+          </a:p>
+        </p:txBody>
+      </p:sp>
+      <p:sp>
+        <p:nvSpPr>
+          <p:cNvPr id="4" name="Slide Number Placeholder 3"/>
+          <p:cNvSpPr>
+            <a:spLocks noGrp="1"/>
+          </p:cNvSpPr>
+          <p:nvPr>
+            <p:ph type="sldNum" sz="quarter" idx="5"/>
+          </p:nvPr>
+        </p:nvSpPr>
+        <p:spPr/>
+        <p:txBody>
+          <a:bodyPr/>
+          <a:lstStyle/>
+          <a:p>
+            <a:fld id="{3ACF864E-B828-418E-A097-C392F7B8FA22}" type="slidenum">
+              <a:rPr lang="en-GB" smtClean="0"/>
+              <a:t>11</a:t>
+            </a:fld>
+            <a:endParaRPr lang="en-GB"/>
+          </a:p>
+        </p:txBody>
+      </p:sp>
+    </p:spTree>
+    <p:extLst>
+      <p:ext uri="{BB962C8B-B14F-4D97-AF65-F5344CB8AC3E}">
+        <p14:creationId xmlns:p14="http://schemas.microsoft.com/office/powerpoint/2010/main" val="2277581580"/>
+      </p:ext>
+    </p:extLst>
+  </p:cSld>
+  <p:clrMapOvr>
+    <a:masterClrMapping/>
+  </p:clrMapOvr>
+</p:notes>
+</file>
+
+<file path=ppt/notesSlides/notesSlide11.xml><?xml version="1.0" encoding="utf-8"?>
+<p:notes xmlns:a="http://schemas.openxmlformats.org/drawingml/2006/main" xmlns:r="http://schemas.openxmlformats.org/officeDocument/2006/relationships" xmlns:p="http://schemas.openxmlformats.org/presentationml/2006/main">
+  <p:cSld>
+    <p:spTree>
+      <p:nvGrpSpPr>
+        <p:cNvPr id="1" name=""/>
+        <p:cNvGrpSpPr/>
+        <p:nvPr/>
+      </p:nvGrpSpPr>
+      <p:grpSpPr>
+        <a:xfrm>
+          <a:off x="0" y="0"/>
+          <a:ext cx="0" cy="0"/>
+          <a:chOff x="0" y="0"/>
+          <a:chExt cx="0" cy="0"/>
+        </a:xfrm>
+      </p:grpSpPr>
+      <p:sp>
+        <p:nvSpPr>
+          <p:cNvPr id="2" name="Slide Image Placeholder 1"/>
+          <p:cNvSpPr>
+            <a:spLocks noGrp="1" noRot="1" noChangeAspect="1"/>
+          </p:cNvSpPr>
+          <p:nvPr>
+            <p:ph type="sldImg"/>
+          </p:nvPr>
+        </p:nvSpPr>
+        <p:spPr/>
+      </p:sp>
+      <p:sp>
+        <p:nvSpPr>
+          <p:cNvPr id="3" name="Notes Placeholder 2"/>
+          <p:cNvSpPr>
+            <a:spLocks noGrp="1"/>
+          </p:cNvSpPr>
+          <p:nvPr>
+            <p:ph type="body" idx="1"/>
+          </p:nvPr>
+        </p:nvSpPr>
+        <p:spPr/>
+        <p:txBody>
+          <a:bodyPr/>
+          <a:lstStyle/>
+          <a:p>
+            <a:endParaRPr lang="en-GB" dirty="0"/>
+          </a:p>
+        </p:txBody>
+      </p:sp>
+      <p:sp>
+        <p:nvSpPr>
+          <p:cNvPr id="4" name="Slide Number Placeholder 3"/>
+          <p:cNvSpPr>
+            <a:spLocks noGrp="1"/>
+          </p:cNvSpPr>
+          <p:nvPr>
+            <p:ph type="sldNum" sz="quarter" idx="5"/>
+          </p:nvPr>
+        </p:nvSpPr>
+        <p:spPr/>
+        <p:txBody>
+          <a:bodyPr/>
+          <a:lstStyle/>
+          <a:p>
+            <a:fld id="{3ACF864E-B828-418E-A097-C392F7B8FA22}" type="slidenum">
+              <a:rPr lang="en-GB" smtClean="0"/>
+              <a:t>12</a:t>
+            </a:fld>
+            <a:endParaRPr lang="en-GB"/>
+          </a:p>
+        </p:txBody>
+      </p:sp>
+    </p:spTree>
+    <p:extLst>
+      <p:ext uri="{BB962C8B-B14F-4D97-AF65-F5344CB8AC3E}">
+        <p14:creationId xmlns:p14="http://schemas.microsoft.com/office/powerpoint/2010/main" val="1060923301"/>
+      </p:ext>
+    </p:extLst>
+  </p:cSld>
+  <p:clrMapOvr>
+    <a:masterClrMapping/>
+  </p:clrMapOvr>
+</p:notes>
+</file>
+
+<file path=ppt/notesSlides/notesSlide12.xml><?xml version="1.0" encoding="utf-8"?>
+<p:notes xmlns:a="http://schemas.openxmlformats.org/drawingml/2006/main" xmlns:r="http://schemas.openxmlformats.org/officeDocument/2006/relationships" xmlns:p="http://schemas.openxmlformats.org/presentationml/2006/main">
+  <p:cSld>
+    <p:spTree>
+      <p:nvGrpSpPr>
+        <p:cNvPr id="1" name=""/>
+        <p:cNvGrpSpPr/>
+        <p:nvPr/>
+      </p:nvGrpSpPr>
+      <p:grpSpPr>
+        <a:xfrm>
+          <a:off x="0" y="0"/>
+          <a:ext cx="0" cy="0"/>
+          <a:chOff x="0" y="0"/>
+          <a:chExt cx="0" cy="0"/>
+        </a:xfrm>
+      </p:grpSpPr>
+      <p:sp>
+        <p:nvSpPr>
+          <p:cNvPr id="2" name="Slide Image Placeholder 1"/>
+          <p:cNvSpPr>
+            <a:spLocks noGrp="1" noRot="1" noChangeAspect="1"/>
+          </p:cNvSpPr>
+          <p:nvPr>
+            <p:ph type="sldImg"/>
+          </p:nvPr>
+        </p:nvSpPr>
+        <p:spPr/>
+      </p:sp>
+      <p:sp>
+        <p:nvSpPr>
+          <p:cNvPr id="3" name="Notes Placeholder 2"/>
+          <p:cNvSpPr>
+            <a:spLocks noGrp="1"/>
+          </p:cNvSpPr>
+          <p:nvPr>
+            <p:ph type="body" idx="1"/>
+          </p:nvPr>
+        </p:nvSpPr>
+        <p:spPr/>
+        <p:txBody>
+          <a:bodyPr/>
+          <a:lstStyle/>
+          <a:p>
+            <a:endParaRPr lang="en-GB" dirty="0"/>
+          </a:p>
+        </p:txBody>
+      </p:sp>
+      <p:sp>
+        <p:nvSpPr>
+          <p:cNvPr id="4" name="Slide Number Placeholder 3"/>
+          <p:cNvSpPr>
+            <a:spLocks noGrp="1"/>
+          </p:cNvSpPr>
+          <p:nvPr>
+            <p:ph type="sldNum" sz="quarter" idx="5"/>
+          </p:nvPr>
+        </p:nvSpPr>
+        <p:spPr/>
+        <p:txBody>
+          <a:bodyPr/>
+          <a:lstStyle/>
+          <a:p>
+            <a:fld id="{3ACF864E-B828-418E-A097-C392F7B8FA22}" type="slidenum">
+              <a:rPr lang="en-GB" smtClean="0"/>
+              <a:t>13</a:t>
+            </a:fld>
+            <a:endParaRPr lang="en-GB"/>
+          </a:p>
+        </p:txBody>
+      </p:sp>
+    </p:spTree>
+    <p:extLst>
+      <p:ext uri="{BB962C8B-B14F-4D97-AF65-F5344CB8AC3E}">
+        <p14:creationId xmlns:p14="http://schemas.microsoft.com/office/powerpoint/2010/main" val="1950520425"/>
+      </p:ext>
+    </p:extLst>
+  </p:cSld>
+  <p:clrMapOvr>
+    <a:masterClrMapping/>
+  </p:clrMapOvr>
+</p:notes>
+</file>
+
+<file path=ppt/notesSlides/notesSlide13.xml><?xml version="1.0" encoding="utf-8"?>
+<p:notes xmlns:a="http://schemas.openxmlformats.org/drawingml/2006/main" xmlns:r="http://schemas.openxmlformats.org/officeDocument/2006/relationships" xmlns:p="http://schemas.openxmlformats.org/presentationml/2006/main">
+  <p:cSld>
+    <p:spTree>
+      <p:nvGrpSpPr>
+        <p:cNvPr id="1" name=""/>
+        <p:cNvGrpSpPr/>
+        <p:nvPr/>
+      </p:nvGrpSpPr>
+      <p:grpSpPr>
+        <a:xfrm>
+          <a:off x="0" y="0"/>
+          <a:ext cx="0" cy="0"/>
+          <a:chOff x="0" y="0"/>
+          <a:chExt cx="0" cy="0"/>
+        </a:xfrm>
+      </p:grpSpPr>
+      <p:sp>
+        <p:nvSpPr>
+          <p:cNvPr id="2" name="Slide Image Placeholder 1"/>
+          <p:cNvSpPr>
+            <a:spLocks noGrp="1" noRot="1" noChangeAspect="1"/>
+          </p:cNvSpPr>
+          <p:nvPr>
+            <p:ph type="sldImg"/>
+          </p:nvPr>
+        </p:nvSpPr>
+        <p:spPr/>
+      </p:sp>
+      <p:sp>
+        <p:nvSpPr>
+          <p:cNvPr id="3" name="Notes Placeholder 2"/>
+          <p:cNvSpPr>
+            <a:spLocks noGrp="1"/>
+          </p:cNvSpPr>
+          <p:nvPr>
+            <p:ph type="body" idx="1"/>
+          </p:nvPr>
+        </p:nvSpPr>
+        <p:spPr/>
+        <p:txBody>
+          <a:bodyPr/>
+          <a:lstStyle/>
+          <a:p>
+            <a:endParaRPr lang="en-GB" dirty="0"/>
+          </a:p>
+        </p:txBody>
+      </p:sp>
+      <p:sp>
+        <p:nvSpPr>
+          <p:cNvPr id="4" name="Slide Number Placeholder 3"/>
+          <p:cNvSpPr>
+            <a:spLocks noGrp="1"/>
+          </p:cNvSpPr>
+          <p:nvPr>
+            <p:ph type="sldNum" sz="quarter" idx="5"/>
+          </p:nvPr>
+        </p:nvSpPr>
+        <p:spPr/>
+        <p:txBody>
+          <a:bodyPr/>
+          <a:lstStyle/>
+          <a:p>
+            <a:fld id="{3ACF864E-B828-418E-A097-C392F7B8FA22}" type="slidenum">
+              <a:rPr lang="en-GB" smtClean="0"/>
+              <a:t>14</a:t>
+            </a:fld>
+            <a:endParaRPr lang="en-GB"/>
+          </a:p>
+        </p:txBody>
+      </p:sp>
+    </p:spTree>
+    <p:extLst>
+      <p:ext uri="{BB962C8B-B14F-4D97-AF65-F5344CB8AC3E}">
+        <p14:creationId xmlns:p14="http://schemas.microsoft.com/office/powerpoint/2010/main" val="341477982"/>
+      </p:ext>
+    </p:extLst>
+  </p:cSld>
+  <p:clrMapOvr>
+    <a:masterClrMapping/>
+  </p:clrMapOvr>
+</p:notes>
+</file>
+
+<file path=ppt/notesSlides/notesSlide14.xml><?xml version="1.0" encoding="utf-8"?>
+<p:notes xmlns:a="http://schemas.openxmlformats.org/drawingml/2006/main" xmlns:r="http://schemas.openxmlformats.org/officeDocument/2006/relationships" xmlns:p="http://schemas.openxmlformats.org/presentationml/2006/main">
+  <p:cSld>
+    <p:spTree>
+      <p:nvGrpSpPr>
+        <p:cNvPr id="1" name=""/>
+        <p:cNvGrpSpPr/>
+        <p:nvPr/>
+      </p:nvGrpSpPr>
+      <p:grpSpPr>
+        <a:xfrm>
+          <a:off x="0" y="0"/>
+          <a:ext cx="0" cy="0"/>
+          <a:chOff x="0" y="0"/>
+          <a:chExt cx="0" cy="0"/>
+        </a:xfrm>
+      </p:grpSpPr>
+      <p:sp>
+        <p:nvSpPr>
+          <p:cNvPr id="2" name="Slide Image Placeholder 1"/>
+          <p:cNvSpPr>
+            <a:spLocks noGrp="1" noRot="1" noChangeAspect="1"/>
+          </p:cNvSpPr>
+          <p:nvPr>
+            <p:ph type="sldImg"/>
+          </p:nvPr>
+        </p:nvSpPr>
+        <p:spPr/>
+      </p:sp>
+      <p:sp>
+        <p:nvSpPr>
+          <p:cNvPr id="3" name="Notes Placeholder 2"/>
+          <p:cNvSpPr>
+            <a:spLocks noGrp="1"/>
+          </p:cNvSpPr>
+          <p:nvPr>
+            <p:ph type="body" idx="1"/>
+          </p:nvPr>
+        </p:nvSpPr>
+        <p:spPr/>
+        <p:txBody>
+          <a:bodyPr/>
+          <a:lstStyle/>
+          <a:p>
+            <a:endParaRPr lang="en-GB" dirty="0"/>
+          </a:p>
+        </p:txBody>
+      </p:sp>
+      <p:sp>
+        <p:nvSpPr>
+          <p:cNvPr id="4" name="Slide Number Placeholder 3"/>
+          <p:cNvSpPr>
+            <a:spLocks noGrp="1"/>
+          </p:cNvSpPr>
+          <p:nvPr>
+            <p:ph type="sldNum" sz="quarter" idx="5"/>
+          </p:nvPr>
+        </p:nvSpPr>
+        <p:spPr/>
+        <p:txBody>
+          <a:bodyPr/>
+          <a:lstStyle/>
+          <a:p>
+            <a:fld id="{3ACF864E-B828-418E-A097-C392F7B8FA22}" type="slidenum">
+              <a:rPr lang="en-GB" smtClean="0"/>
+              <a:t>15</a:t>
+            </a:fld>
+            <a:endParaRPr lang="en-GB"/>
+          </a:p>
+        </p:txBody>
+      </p:sp>
+    </p:spTree>
+    <p:extLst>
+      <p:ext uri="{BB962C8B-B14F-4D97-AF65-F5344CB8AC3E}">
+        <p14:creationId xmlns:p14="http://schemas.microsoft.com/office/powerpoint/2010/main" val="1445405270"/>
+      </p:ext>
+    </p:extLst>
+  </p:cSld>
+  <p:clrMapOvr>
+    <a:masterClrMapping/>
+  </p:clrMapOvr>
+</p:notes>
+</file>
+
+<file path=ppt/notesSlides/notesSlide15.xml><?xml version="1.0" encoding="utf-8"?>
+<p:notes xmlns:a="http://schemas.openxmlformats.org/drawingml/2006/main" xmlns:r="http://schemas.openxmlformats.org/officeDocument/2006/relationships" xmlns:p="http://schemas.openxmlformats.org/presentationml/2006/main">
+  <p:cSld>
+    <p:spTree>
+      <p:nvGrpSpPr>
+        <p:cNvPr id="1" name=""/>
+        <p:cNvGrpSpPr/>
+        <p:nvPr/>
+      </p:nvGrpSpPr>
+      <p:grpSpPr>
+        <a:xfrm>
+          <a:off x="0" y="0"/>
+          <a:ext cx="0" cy="0"/>
+          <a:chOff x="0" y="0"/>
+          <a:chExt cx="0" cy="0"/>
+        </a:xfrm>
+      </p:grpSpPr>
+      <p:sp>
+        <p:nvSpPr>
+          <p:cNvPr id="2" name="Slide Image Placeholder 1"/>
+          <p:cNvSpPr>
+            <a:spLocks noGrp="1" noRot="1" noChangeAspect="1"/>
+          </p:cNvSpPr>
+          <p:nvPr>
+            <p:ph type="sldImg"/>
+          </p:nvPr>
+        </p:nvSpPr>
+        <p:spPr/>
+      </p:sp>
+      <p:sp>
+        <p:nvSpPr>
+          <p:cNvPr id="3" name="Notes Placeholder 2"/>
+          <p:cNvSpPr>
+            <a:spLocks noGrp="1"/>
+          </p:cNvSpPr>
+          <p:nvPr>
+            <p:ph type="body" idx="1"/>
+          </p:nvPr>
+        </p:nvSpPr>
+        <p:spPr/>
+        <p:txBody>
+          <a:bodyPr/>
+          <a:lstStyle/>
+          <a:p>
+            <a:endParaRPr lang="en-GB" dirty="0"/>
+          </a:p>
+        </p:txBody>
+      </p:sp>
+      <p:sp>
+        <p:nvSpPr>
+          <p:cNvPr id="4" name="Slide Number Placeholder 3"/>
+          <p:cNvSpPr>
+            <a:spLocks noGrp="1"/>
+          </p:cNvSpPr>
+          <p:nvPr>
+            <p:ph type="sldNum" sz="quarter" idx="5"/>
+          </p:nvPr>
+        </p:nvSpPr>
+        <p:spPr/>
+        <p:txBody>
+          <a:bodyPr/>
+          <a:lstStyle/>
+          <a:p>
+            <a:fld id="{3ACF864E-B828-418E-A097-C392F7B8FA22}" type="slidenum">
+              <a:rPr lang="en-GB" smtClean="0"/>
+              <a:t>16</a:t>
+            </a:fld>
+            <a:endParaRPr lang="en-GB"/>
+          </a:p>
+        </p:txBody>
+      </p:sp>
+    </p:spTree>
+    <p:extLst>
+      <p:ext uri="{BB962C8B-B14F-4D97-AF65-F5344CB8AC3E}">
+        <p14:creationId xmlns:p14="http://schemas.microsoft.com/office/powerpoint/2010/main" val="2531561799"/>
+      </p:ext>
+    </p:extLst>
+  </p:cSld>
+  <p:clrMapOvr>
+    <a:masterClrMapping/>
+  </p:clrMapOvr>
+</p:notes>
+</file>
+
+<file path=ppt/notesSlides/notesSlide16.xml><?xml version="1.0" encoding="utf-8"?>
+<p:notes xmlns:a="http://schemas.openxmlformats.org/drawingml/2006/main" xmlns:r="http://schemas.openxmlformats.org/officeDocument/2006/relationships" xmlns:p="http://schemas.openxmlformats.org/presentationml/2006/main">
+  <p:cSld>
+    <p:spTree>
+      <p:nvGrpSpPr>
+        <p:cNvPr id="1" name=""/>
+        <p:cNvGrpSpPr/>
+        <p:nvPr/>
+      </p:nvGrpSpPr>
+      <p:grpSpPr>
+        <a:xfrm>
+          <a:off x="0" y="0"/>
+          <a:ext cx="0" cy="0"/>
+          <a:chOff x="0" y="0"/>
+          <a:chExt cx="0" cy="0"/>
+        </a:xfrm>
+      </p:grpSpPr>
+      <p:sp>
+        <p:nvSpPr>
+          <p:cNvPr id="2" name="Slide Image Placeholder 1"/>
+          <p:cNvSpPr>
+            <a:spLocks noGrp="1" noRot="1" noChangeAspect="1"/>
+          </p:cNvSpPr>
+          <p:nvPr>
+            <p:ph type="sldImg"/>
+          </p:nvPr>
+        </p:nvSpPr>
+        <p:spPr/>
+      </p:sp>
+      <p:sp>
+        <p:nvSpPr>
+          <p:cNvPr id="3" name="Notes Placeholder 2"/>
+          <p:cNvSpPr>
+            <a:spLocks noGrp="1"/>
+          </p:cNvSpPr>
+          <p:nvPr>
+            <p:ph type="body" idx="1"/>
+          </p:nvPr>
+        </p:nvSpPr>
+        <p:spPr/>
+        <p:txBody>
+          <a:bodyPr/>
+          <a:lstStyle/>
+          <a:p>
+            <a:endParaRPr lang="en-GB" dirty="0"/>
+          </a:p>
+        </p:txBody>
+      </p:sp>
+      <p:sp>
+        <p:nvSpPr>
+          <p:cNvPr id="4" name="Slide Number Placeholder 3"/>
+          <p:cNvSpPr>
+            <a:spLocks noGrp="1"/>
+          </p:cNvSpPr>
+          <p:nvPr>
+            <p:ph type="sldNum" sz="quarter" idx="5"/>
+          </p:nvPr>
+        </p:nvSpPr>
+        <p:spPr/>
+        <p:txBody>
+          <a:bodyPr/>
+          <a:lstStyle/>
+          <a:p>
+            <a:fld id="{3ACF864E-B828-418E-A097-C392F7B8FA22}" type="slidenum">
+              <a:rPr lang="en-GB" smtClean="0"/>
+              <a:t>17</a:t>
+            </a:fld>
+            <a:endParaRPr lang="en-GB"/>
+          </a:p>
+        </p:txBody>
+      </p:sp>
+    </p:spTree>
+    <p:extLst>
+      <p:ext uri="{BB962C8B-B14F-4D97-AF65-F5344CB8AC3E}">
+        <p14:creationId xmlns:p14="http://schemas.microsoft.com/office/powerpoint/2010/main" val="346214927"/>
+      </p:ext>
+    </p:extLst>
+  </p:cSld>
+  <p:clrMapOvr>
+    <a:masterClrMapping/>
+  </p:clrMapOvr>
+</p:notes>
+</file>
+
+<file path=ppt/notesSlides/notesSlide17.xml><?xml version="1.0" encoding="utf-8"?>
+<p:notes xmlns:a="http://schemas.openxmlformats.org/drawingml/2006/main" xmlns:r="http://schemas.openxmlformats.org/officeDocument/2006/relationships" xmlns:p="http://schemas.openxmlformats.org/presentationml/2006/main">
+  <p:cSld>
+    <p:spTree>
+      <p:nvGrpSpPr>
+        <p:cNvPr id="1" name=""/>
+        <p:cNvGrpSpPr/>
+        <p:nvPr/>
+      </p:nvGrpSpPr>
+      <p:grpSpPr>
+        <a:xfrm>
+          <a:off x="0" y="0"/>
+          <a:ext cx="0" cy="0"/>
+          <a:chOff x="0" y="0"/>
+          <a:chExt cx="0" cy="0"/>
+        </a:xfrm>
+      </p:grpSpPr>
+      <p:sp>
+        <p:nvSpPr>
+          <p:cNvPr id="2" name="Slide Image Placeholder 1"/>
+          <p:cNvSpPr>
+            <a:spLocks noGrp="1" noRot="1" noChangeAspect="1"/>
+          </p:cNvSpPr>
+          <p:nvPr>
+            <p:ph type="sldImg"/>
+          </p:nvPr>
+        </p:nvSpPr>
+        <p:spPr/>
+      </p:sp>
+      <p:sp>
+        <p:nvSpPr>
+          <p:cNvPr id="3" name="Notes Placeholder 2"/>
+          <p:cNvSpPr>
+            <a:spLocks noGrp="1"/>
+          </p:cNvSpPr>
+          <p:nvPr>
+            <p:ph type="body" idx="1"/>
+          </p:nvPr>
+        </p:nvSpPr>
+        <p:spPr/>
+        <p:txBody>
+          <a:bodyPr/>
+          <a:lstStyle/>
+          <a:p>
+            <a:endParaRPr lang="en-GB" dirty="0"/>
+          </a:p>
+        </p:txBody>
+      </p:sp>
+      <p:sp>
+        <p:nvSpPr>
+          <p:cNvPr id="4" name="Slide Number Placeholder 3"/>
+          <p:cNvSpPr>
+            <a:spLocks noGrp="1"/>
+          </p:cNvSpPr>
+          <p:nvPr>
+            <p:ph type="sldNum" sz="quarter" idx="5"/>
+          </p:nvPr>
+        </p:nvSpPr>
+        <p:spPr/>
+        <p:txBody>
+          <a:bodyPr/>
+          <a:lstStyle/>
+          <a:p>
+            <a:fld id="{3ACF864E-B828-418E-A097-C392F7B8FA22}" type="slidenum">
+              <a:rPr lang="en-GB" smtClean="0"/>
+              <a:t>18</a:t>
+            </a:fld>
+            <a:endParaRPr lang="en-GB"/>
+          </a:p>
+        </p:txBody>
+      </p:sp>
+    </p:spTree>
+    <p:extLst>
+      <p:ext uri="{BB962C8B-B14F-4D97-AF65-F5344CB8AC3E}">
+        <p14:creationId xmlns:p14="http://schemas.microsoft.com/office/powerpoint/2010/main" val="2598804019"/>
+      </p:ext>
+    </p:extLst>
+  </p:cSld>
+  <p:clrMapOvr>
+    <a:masterClrMapping/>
+  </p:clrMapOvr>
+</p:notes>
+</file>
+
+<file path=ppt/notesSlides/notesSlide18.xml><?xml version="1.0" encoding="utf-8"?>
+<p:notes xmlns:a="http://schemas.openxmlformats.org/drawingml/2006/main" xmlns:r="http://schemas.openxmlformats.org/officeDocument/2006/relationships" xmlns:p="http://schemas.openxmlformats.org/presentationml/2006/main">
+  <p:cSld>
+    <p:spTree>
+      <p:nvGrpSpPr>
+        <p:cNvPr id="1" name=""/>
+        <p:cNvGrpSpPr/>
+        <p:nvPr/>
+      </p:nvGrpSpPr>
+      <p:grpSpPr>
+        <a:xfrm>
+          <a:off x="0" y="0"/>
+          <a:ext cx="0" cy="0"/>
+          <a:chOff x="0" y="0"/>
+          <a:chExt cx="0" cy="0"/>
+        </a:xfrm>
+      </p:grpSpPr>
+      <p:sp>
+        <p:nvSpPr>
+          <p:cNvPr id="2" name="Slide Image Placeholder 1"/>
+          <p:cNvSpPr>
+            <a:spLocks noGrp="1" noRot="1" noChangeAspect="1"/>
+          </p:cNvSpPr>
+          <p:nvPr>
+            <p:ph type="sldImg"/>
+          </p:nvPr>
+        </p:nvSpPr>
+        <p:spPr/>
+      </p:sp>
+      <p:sp>
+        <p:nvSpPr>
+          <p:cNvPr id="3" name="Notes Placeholder 2"/>
+          <p:cNvSpPr>
+            <a:spLocks noGrp="1"/>
+          </p:cNvSpPr>
+          <p:nvPr>
+            <p:ph type="body" idx="1"/>
+          </p:nvPr>
+        </p:nvSpPr>
+        <p:spPr/>
+        <p:txBody>
+          <a:bodyPr/>
+          <a:lstStyle/>
+          <a:p>
+            <a:endParaRPr lang="en-GB" dirty="0"/>
+          </a:p>
+        </p:txBody>
+      </p:sp>
+      <p:sp>
+        <p:nvSpPr>
+          <p:cNvPr id="4" name="Slide Number Placeholder 3"/>
+          <p:cNvSpPr>
+            <a:spLocks noGrp="1"/>
+          </p:cNvSpPr>
+          <p:nvPr>
+            <p:ph type="sldNum" sz="quarter" idx="5"/>
+          </p:nvPr>
+        </p:nvSpPr>
+        <p:spPr/>
+        <p:txBody>
+          <a:bodyPr/>
+          <a:lstStyle/>
+          <a:p>
+            <a:fld id="{3ACF864E-B828-418E-A097-C392F7B8FA22}" type="slidenum">
+              <a:rPr lang="en-GB" smtClean="0"/>
+              <a:t>19</a:t>
+            </a:fld>
+            <a:endParaRPr lang="en-GB"/>
+          </a:p>
+        </p:txBody>
+      </p:sp>
+    </p:spTree>
+    <p:extLst>
+      <p:ext uri="{BB962C8B-B14F-4D97-AF65-F5344CB8AC3E}">
+        <p14:creationId xmlns:p14="http://schemas.microsoft.com/office/powerpoint/2010/main" val="2379699988"/>
+      </p:ext>
+    </p:extLst>
+  </p:cSld>
+  <p:clrMapOvr>
+    <a:masterClrMapping/>
+  </p:clrMapOvr>
+</p:notes>
+</file>
+
+<file path=ppt/notesSlides/notesSlide19.xml><?xml version="1.0" encoding="utf-8"?>
+<p:notes xmlns:a="http://schemas.openxmlformats.org/drawingml/2006/main" xmlns:r="http://schemas.openxmlformats.org/officeDocument/2006/relationships" xmlns:p="http://schemas.openxmlformats.org/presentationml/2006/main">
+  <p:cSld>
+    <p:spTree>
+      <p:nvGrpSpPr>
+        <p:cNvPr id="1" name=""/>
+        <p:cNvGrpSpPr/>
+        <p:nvPr/>
+      </p:nvGrpSpPr>
+      <p:grpSpPr>
+        <a:xfrm>
+          <a:off x="0" y="0"/>
+          <a:ext cx="0" cy="0"/>
+          <a:chOff x="0" y="0"/>
+          <a:chExt cx="0" cy="0"/>
+        </a:xfrm>
+      </p:grpSpPr>
+      <p:sp>
+        <p:nvSpPr>
+          <p:cNvPr id="2" name="Slide Image Placeholder 1"/>
+          <p:cNvSpPr>
+            <a:spLocks noGrp="1" noRot="1" noChangeAspect="1"/>
+          </p:cNvSpPr>
+          <p:nvPr>
+            <p:ph type="sldImg"/>
+          </p:nvPr>
+        </p:nvSpPr>
+        <p:spPr/>
+      </p:sp>
+      <p:sp>
+        <p:nvSpPr>
+          <p:cNvPr id="3" name="Notes Placeholder 2"/>
+          <p:cNvSpPr>
+            <a:spLocks noGrp="1"/>
+          </p:cNvSpPr>
+          <p:nvPr>
+            <p:ph type="body" idx="1"/>
+          </p:nvPr>
+        </p:nvSpPr>
+        <p:spPr/>
+        <p:txBody>
+          <a:bodyPr/>
+          <a:lstStyle/>
+          <a:p>
+            <a:endParaRPr lang="en-GB"/>
+          </a:p>
+        </p:txBody>
+      </p:sp>
+      <p:sp>
+        <p:nvSpPr>
+          <p:cNvPr id="4" name="Slide Number Placeholder 3"/>
+          <p:cNvSpPr>
+            <a:spLocks noGrp="1"/>
+          </p:cNvSpPr>
+          <p:nvPr>
+            <p:ph type="sldNum" sz="quarter" idx="5"/>
+          </p:nvPr>
+        </p:nvSpPr>
+        <p:spPr/>
+        <p:txBody>
+          <a:bodyPr/>
+          <a:lstStyle/>
+          <a:p>
+            <a:fld id="{3ACF864E-B828-418E-A097-C392F7B8FA22}" type="slidenum">
+              <a:rPr lang="en-GB" smtClean="0"/>
+              <a:t>20</a:t>
+            </a:fld>
+            <a:endParaRPr lang="en-GB"/>
+          </a:p>
+        </p:txBody>
+      </p:sp>
+    </p:spTree>
+    <p:extLst>
+      <p:ext uri="{BB962C8B-B14F-4D97-AF65-F5344CB8AC3E}">
+        <p14:creationId xmlns:p14="http://schemas.microsoft.com/office/powerpoint/2010/main" val="295442918"/>
+      </p:ext>
+    </p:extLst>
+  </p:cSld>
+  <p:clrMapOvr>
+    <a:masterClrMapping/>
+  </p:clrMapOvr>
+</p:notes>
+</file>
+
+<file path=ppt/notesSlides/notesSlide2.xml><?xml version="1.0" encoding="utf-8"?>
+<p:notes xmlns:a="http://schemas.openxmlformats.org/drawingml/2006/main" xmlns:r="http://schemas.openxmlformats.org/officeDocument/2006/relationships" xmlns:p="http://schemas.openxmlformats.org/presentationml/2006/main" showMasterSp="0" showMasterPhAnim="0">
+  <p:cSld>
+    <p:spTree>
+      <p:nvGrpSpPr>
+        <p:cNvPr id="1" name="Shape 58"/>
+        <p:cNvGrpSpPr/>
+        <p:nvPr/>
+      </p:nvGrpSpPr>
+      <p:grpSpPr>
+        <a:xfrm>
+          <a:off x="0" y="0"/>
+          <a:ext cx="0" cy="0"/>
+          <a:chOff x="0" y="0"/>
+          <a:chExt cx="0" cy="0"/>
+        </a:xfrm>
+      </p:grpSpPr>
+      <p:sp>
+        <p:nvSpPr>
+          <p:cNvPr id="59" name="Google Shape;59;p:notes"/>
+          <p:cNvSpPr>
+            <a:spLocks noGrp="1" noRot="1" noChangeAspect="1"/>
+          </p:cNvSpPr>
+          <p:nvPr>
+            <p:ph type="sldImg" idx="2"/>
+          </p:nvPr>
+        </p:nvSpPr>
+        <p:spPr>
+          <a:xfrm>
+            <a:off x="381000" y="685800"/>
+            <a:ext cx="6096000" cy="3429000"/>
+          </a:xfrm>
+          <a:custGeom>
+            <a:avLst/>
+            <a:gdLst/>
+            <a:ahLst/>
+            <a:cxnLst/>
+            <a:rect l="l" t="t" r="r" b="b"/>
+            <a:pathLst>
+              <a:path w="120000" h="120000" extrusionOk="0">
+                <a:moveTo>
+                  <a:pt x="0" y="0"/>
+                </a:moveTo>
+                <a:lnTo>
+                  <a:pt x="120000" y="0"/>
+                </a:lnTo>
+                <a:lnTo>
+                  <a:pt x="120000" y="120000"/>
+                </a:lnTo>
+                <a:lnTo>
+                  <a:pt x="0" y="120000"/>
+                </a:lnTo>
+                <a:close/>
+              </a:path>
+            </a:pathLst>
+          </a:custGeom>
+        </p:spPr>
+      </p:sp>
+      <p:sp>
+        <p:nvSpPr>
+          <p:cNvPr id="60" name="Google Shape;60;p:notes"/>
+          <p:cNvSpPr txBox="1">
+            <a:spLocks noGrp="1"/>
+          </p:cNvSpPr>
+          <p:nvPr>
+            <p:ph type="body" idx="1"/>
+          </p:nvPr>
+        </p:nvSpPr>
+        <p:spPr>
+          <a:xfrm>
+            <a:off x="685800" y="4343400"/>
+            <a:ext cx="5486400" cy="4114800"/>
+          </a:xfrm>
+          <a:prstGeom prst="rect">
+            <a:avLst/>
+          </a:prstGeom>
+        </p:spPr>
+        <p:txBody>
+          <a:bodyPr spcFirstLastPara="1" wrap="square" lIns="91425" tIns="91425" rIns="91425" bIns="91425" anchor="t" anchorCtr="0">
+            <a:noAutofit/>
+          </a:bodyPr>
+          <a:lstStyle/>
+          <a:p>
+            <a:pPr marL="0" lvl="0" indent="0" algn="l" rtl="0">
+              <a:spcBef>
+                <a:spcPts val="0"/>
+              </a:spcBef>
+              <a:spcAft>
+                <a:spcPts val="0"/>
+              </a:spcAft>
+              <a:buNone/>
+            </a:pPr>
+            <a:endParaRPr/>
+          </a:p>
+        </p:txBody>
+      </p:sp>
+    </p:spTree>
+  </p:cSld>
+  <p:clrMapOvr>
+    <a:masterClrMapping/>
+  </p:clrMapOvr>
+</p:notes>
+</file>
+
+<file path=ppt/notesSlides/notesSlide3.xml><?xml version="1.0" encoding="utf-8"?>
+<p:notes xmlns:a="http://schemas.openxmlformats.org/drawingml/2006/main" xmlns:r="http://schemas.openxmlformats.org/officeDocument/2006/relationships" xmlns:p="http://schemas.openxmlformats.org/presentationml/2006/main" showMasterSp="0" showMasterPhAnim="0">
+  <p:cSld>
+    <p:spTree>
+      <p:nvGrpSpPr>
+        <p:cNvPr id="1" name="Shape 67"/>
+        <p:cNvGrpSpPr/>
+        <p:nvPr/>
+      </p:nvGrpSpPr>
+      <p:grpSpPr>
+        <a:xfrm>
+          <a:off x="0" y="0"/>
+          <a:ext cx="0" cy="0"/>
+          <a:chOff x="0" y="0"/>
+          <a:chExt cx="0" cy="0"/>
+        </a:xfrm>
+      </p:grpSpPr>
+      <p:sp>
+        <p:nvSpPr>
+          <p:cNvPr id="68" name="Google Shape;68;g18de7c0cce2_0_25:notes"/>
+          <p:cNvSpPr>
+            <a:spLocks noGrp="1" noRot="1" noChangeAspect="1"/>
+          </p:cNvSpPr>
+          <p:nvPr>
+            <p:ph type="sldImg" idx="2"/>
+          </p:nvPr>
+        </p:nvSpPr>
+        <p:spPr>
+          <a:xfrm>
+            <a:off x="381000" y="685800"/>
+            <a:ext cx="6096000" cy="3429000"/>
+          </a:xfrm>
+          <a:custGeom>
+            <a:avLst/>
+            <a:gdLst/>
+            <a:ahLst/>
+            <a:cxnLst/>
+            <a:rect l="l" t="t" r="r" b="b"/>
+            <a:pathLst>
+              <a:path w="120000" h="120000" extrusionOk="0">
+                <a:moveTo>
+                  <a:pt x="0" y="0"/>
+                </a:moveTo>
+                <a:lnTo>
+                  <a:pt x="120000" y="0"/>
+                </a:lnTo>
+                <a:lnTo>
+                  <a:pt x="120000" y="120000"/>
+                </a:lnTo>
+                <a:lnTo>
+                  <a:pt x="0" y="120000"/>
+                </a:lnTo>
+                <a:close/>
+              </a:path>
+            </a:pathLst>
+          </a:custGeom>
+        </p:spPr>
+      </p:sp>
+      <p:sp>
+        <p:nvSpPr>
+          <p:cNvPr id="69" name="Google Shape;69;g18de7c0cce2_0_25:notes"/>
+          <p:cNvSpPr txBox="1">
+            <a:spLocks noGrp="1"/>
+          </p:cNvSpPr>
+          <p:nvPr>
+            <p:ph type="body" idx="1"/>
+          </p:nvPr>
+        </p:nvSpPr>
+        <p:spPr>
+          <a:xfrm>
+            <a:off x="685800" y="4343400"/>
+            <a:ext cx="5486400" cy="4114800"/>
+          </a:xfrm>
+          <a:prstGeom prst="rect">
+            <a:avLst/>
+          </a:prstGeom>
+        </p:spPr>
+        <p:txBody>
+          <a:bodyPr spcFirstLastPara="1" wrap="square" lIns="91425" tIns="91425" rIns="91425" bIns="91425" anchor="t" anchorCtr="0">
+            <a:noAutofit/>
+          </a:bodyPr>
+          <a:lstStyle/>
+          <a:p>
+            <a:pPr marL="0" lvl="0" indent="0" algn="l" rtl="0">
+              <a:spcBef>
+                <a:spcPts val="0"/>
+              </a:spcBef>
+              <a:spcAft>
+                <a:spcPts val="0"/>
+              </a:spcAft>
+              <a:buNone/>
+            </a:pPr>
+            <a:r>
+              <a:rPr lang="en-GB" dirty="0"/>
+              <a:t>Long term in quotes refers to 15 years preservation</a:t>
+            </a:r>
+            <a:endParaRPr dirty="0"/>
+          </a:p>
+        </p:txBody>
+      </p:sp>
+    </p:spTree>
+  </p:cSld>
+  <p:clrMapOvr>
+    <a:masterClrMapping/>
+  </p:clrMapOvr>
+</p:notes>
+</file>
+
+<file path=ppt/notesSlides/notesSlide4.xml><?xml version="1.0" encoding="utf-8"?>
+<p:notes xmlns:a="http://schemas.openxmlformats.org/drawingml/2006/main" xmlns:r="http://schemas.openxmlformats.org/officeDocument/2006/relationships" xmlns:p="http://schemas.openxmlformats.org/presentationml/2006/main" showMasterSp="0" showMasterPhAnim="0">
+  <p:cSld>
+    <p:spTree>
+      <p:nvGrpSpPr>
+        <p:cNvPr id="1" name="Shape 67"/>
+        <p:cNvGrpSpPr/>
+        <p:nvPr/>
+      </p:nvGrpSpPr>
+      <p:grpSpPr>
+        <a:xfrm>
+          <a:off x="0" y="0"/>
+          <a:ext cx="0" cy="0"/>
+          <a:chOff x="0" y="0"/>
+          <a:chExt cx="0" cy="0"/>
+        </a:xfrm>
+      </p:grpSpPr>
+      <p:sp>
+        <p:nvSpPr>
+          <p:cNvPr id="68" name="Google Shape;68;g18de7c0cce2_0_25:notes"/>
+          <p:cNvSpPr>
+            <a:spLocks noGrp="1" noRot="1" noChangeAspect="1"/>
+          </p:cNvSpPr>
+          <p:nvPr>
+            <p:ph type="sldImg" idx="2"/>
+          </p:nvPr>
+        </p:nvSpPr>
+        <p:spPr>
+          <a:xfrm>
+            <a:off x="381000" y="685800"/>
+            <a:ext cx="6096000" cy="3429000"/>
+          </a:xfrm>
+          <a:custGeom>
+            <a:avLst/>
+            <a:gdLst/>
+            <a:ahLst/>
+            <a:cxnLst/>
+            <a:rect l="l" t="t" r="r" b="b"/>
+            <a:pathLst>
+              <a:path w="120000" h="120000" extrusionOk="0">
+                <a:moveTo>
+                  <a:pt x="0" y="0"/>
+                </a:moveTo>
+                <a:lnTo>
+                  <a:pt x="120000" y="0"/>
+                </a:lnTo>
+                <a:lnTo>
+                  <a:pt x="120000" y="120000"/>
+                </a:lnTo>
+                <a:lnTo>
+                  <a:pt x="0" y="120000"/>
+                </a:lnTo>
+                <a:close/>
+              </a:path>
+            </a:pathLst>
+          </a:custGeom>
+        </p:spPr>
+      </p:sp>
+      <p:sp>
+        <p:nvSpPr>
+          <p:cNvPr id="69" name="Google Shape;69;g18de7c0cce2_0_25:notes"/>
+          <p:cNvSpPr txBox="1">
+            <a:spLocks noGrp="1"/>
+          </p:cNvSpPr>
+          <p:nvPr>
+            <p:ph type="body" idx="1"/>
+          </p:nvPr>
+        </p:nvSpPr>
+        <p:spPr>
+          <a:xfrm>
+            <a:off x="685800" y="4343400"/>
+            <a:ext cx="5486400" cy="4114800"/>
+          </a:xfrm>
+          <a:prstGeom prst="rect">
+            <a:avLst/>
+          </a:prstGeom>
+        </p:spPr>
+        <p:txBody>
+          <a:bodyPr spcFirstLastPara="1" wrap="square" lIns="91425" tIns="91425" rIns="91425" bIns="91425" anchor="t" anchorCtr="0">
+            <a:noAutofit/>
+          </a:bodyPr>
+          <a:lstStyle/>
+          <a:p>
+            <a:pPr marL="0" lvl="0" indent="0" algn="l" rtl="0">
+              <a:spcBef>
+                <a:spcPts val="0"/>
+              </a:spcBef>
+              <a:spcAft>
+                <a:spcPts val="0"/>
+              </a:spcAft>
+              <a:buNone/>
+            </a:pPr>
+            <a:r>
+              <a:rPr lang="en-GB" dirty="0"/>
+              <a:t>Long term in quotes refers to 15 years preservation</a:t>
+            </a:r>
+            <a:endParaRPr dirty="0"/>
+          </a:p>
+        </p:txBody>
+      </p:sp>
+    </p:spTree>
+    <p:extLst>
+      <p:ext uri="{BB962C8B-B14F-4D97-AF65-F5344CB8AC3E}">
+        <p14:creationId xmlns:p14="http://schemas.microsoft.com/office/powerpoint/2010/main" val="1308430481"/>
+      </p:ext>
+    </p:extLst>
+  </p:cSld>
+  <p:clrMapOvr>
+    <a:masterClrMapping/>
+  </p:clrMapOvr>
+</p:notes>
+</file>
+
+<file path=ppt/notesSlides/notesSlide5.xml><?xml version="1.0" encoding="utf-8"?>
+<p:notes xmlns:a="http://schemas.openxmlformats.org/drawingml/2006/main" xmlns:r="http://schemas.openxmlformats.org/officeDocument/2006/relationships" xmlns:p="http://schemas.openxmlformats.org/presentationml/2006/main" showMasterSp="0" showMasterPhAnim="0">
+  <p:cSld>
+    <p:spTree>
+      <p:nvGrpSpPr>
+        <p:cNvPr id="1" name="Shape 67"/>
+        <p:cNvGrpSpPr/>
+        <p:nvPr/>
+      </p:nvGrpSpPr>
+      <p:grpSpPr>
+        <a:xfrm>
+          <a:off x="0" y="0"/>
+          <a:ext cx="0" cy="0"/>
+          <a:chOff x="0" y="0"/>
+          <a:chExt cx="0" cy="0"/>
+        </a:xfrm>
+      </p:grpSpPr>
+      <p:sp>
+        <p:nvSpPr>
+          <p:cNvPr id="68" name="Google Shape;68;g18de7c0cce2_0_25:notes"/>
+          <p:cNvSpPr>
+            <a:spLocks noGrp="1" noRot="1" noChangeAspect="1"/>
+          </p:cNvSpPr>
+          <p:nvPr>
+            <p:ph type="sldImg" idx="2"/>
+          </p:nvPr>
+        </p:nvSpPr>
+        <p:spPr>
+          <a:xfrm>
+            <a:off x="381000" y="685800"/>
+            <a:ext cx="6096000" cy="3429000"/>
+          </a:xfrm>
+          <a:custGeom>
+            <a:avLst/>
+            <a:gdLst/>
+            <a:ahLst/>
+            <a:cxnLst/>
+            <a:rect l="l" t="t" r="r" b="b"/>
+            <a:pathLst>
+              <a:path w="120000" h="120000" extrusionOk="0">
+                <a:moveTo>
+                  <a:pt x="0" y="0"/>
+                </a:moveTo>
+                <a:lnTo>
+                  <a:pt x="120000" y="0"/>
+                </a:lnTo>
+                <a:lnTo>
+                  <a:pt x="120000" y="120000"/>
+                </a:lnTo>
+                <a:lnTo>
+                  <a:pt x="0" y="120000"/>
+                </a:lnTo>
+                <a:close/>
+              </a:path>
+            </a:pathLst>
+          </a:custGeom>
+        </p:spPr>
+      </p:sp>
+      <p:sp>
+        <p:nvSpPr>
+          <p:cNvPr id="69" name="Google Shape;69;g18de7c0cce2_0_25:notes"/>
+          <p:cNvSpPr txBox="1">
+            <a:spLocks noGrp="1"/>
+          </p:cNvSpPr>
+          <p:nvPr>
+            <p:ph type="body" idx="1"/>
+          </p:nvPr>
+        </p:nvSpPr>
+        <p:spPr>
+          <a:xfrm>
+            <a:off x="685800" y="4343400"/>
+            <a:ext cx="5486400" cy="4114800"/>
+          </a:xfrm>
+          <a:prstGeom prst="rect">
+            <a:avLst/>
+          </a:prstGeom>
+        </p:spPr>
+        <p:txBody>
+          <a:bodyPr spcFirstLastPara="1" wrap="square" lIns="91425" tIns="91425" rIns="91425" bIns="91425" anchor="t" anchorCtr="0">
+            <a:noAutofit/>
+          </a:bodyPr>
+          <a:lstStyle/>
+          <a:p>
+            <a:pPr marL="0" lvl="0" indent="0" algn="l" rtl="0">
+              <a:spcBef>
+                <a:spcPts val="0"/>
+              </a:spcBef>
+              <a:spcAft>
+                <a:spcPts val="0"/>
+              </a:spcAft>
+              <a:buNone/>
+            </a:pPr>
+            <a:r>
+              <a:rPr lang="en-GB" dirty="0"/>
+              <a:t>Long term in quotes refers to 15 years preservation</a:t>
+            </a:r>
+            <a:endParaRPr dirty="0"/>
+          </a:p>
+        </p:txBody>
+      </p:sp>
+    </p:spTree>
+    <p:extLst>
+      <p:ext uri="{BB962C8B-B14F-4D97-AF65-F5344CB8AC3E}">
+        <p14:creationId xmlns:p14="http://schemas.microsoft.com/office/powerpoint/2010/main" val="1347692812"/>
+      </p:ext>
+    </p:extLst>
+  </p:cSld>
+  <p:clrMapOvr>
+    <a:masterClrMapping/>
+  </p:clrMapOvr>
+</p:notes>
+</file>
+
+<file path=ppt/notesSlides/notesSlide6.xml><?xml version="1.0" encoding="utf-8"?>
+<p:notes xmlns:a="http://schemas.openxmlformats.org/drawingml/2006/main" xmlns:r="http://schemas.openxmlformats.org/officeDocument/2006/relationships" xmlns:p="http://schemas.openxmlformats.org/presentationml/2006/main">
+  <p:cSld>
+    <p:spTree>
+      <p:nvGrpSpPr>
+        <p:cNvPr id="1" name=""/>
+        <p:cNvGrpSpPr/>
+        <p:nvPr/>
+      </p:nvGrpSpPr>
+      <p:grpSpPr>
+        <a:xfrm>
+          <a:off x="0" y="0"/>
+          <a:ext cx="0" cy="0"/>
+          <a:chOff x="0" y="0"/>
+          <a:chExt cx="0" cy="0"/>
+        </a:xfrm>
+      </p:grpSpPr>
+      <p:sp>
+        <p:nvSpPr>
+          <p:cNvPr id="2" name="Slide Image Placeholder 1"/>
+          <p:cNvSpPr>
+            <a:spLocks noGrp="1" noRot="1" noChangeAspect="1"/>
+          </p:cNvSpPr>
+          <p:nvPr>
+            <p:ph type="sldImg"/>
+          </p:nvPr>
+        </p:nvSpPr>
+        <p:spPr/>
+      </p:sp>
+      <p:sp>
+        <p:nvSpPr>
+          <p:cNvPr id="3" name="Notes Placeholder 2"/>
+          <p:cNvSpPr>
+            <a:spLocks noGrp="1"/>
+          </p:cNvSpPr>
+          <p:nvPr>
+            <p:ph type="body" idx="1"/>
+          </p:nvPr>
+        </p:nvSpPr>
+        <p:spPr/>
+        <p:txBody>
+          <a:bodyPr/>
+          <a:lstStyle/>
+          <a:p>
+            <a:endParaRPr lang="en-GB" dirty="0"/>
+          </a:p>
+        </p:txBody>
+      </p:sp>
+      <p:sp>
+        <p:nvSpPr>
+          <p:cNvPr id="4" name="Slide Number Placeholder 3"/>
+          <p:cNvSpPr>
+            <a:spLocks noGrp="1"/>
+          </p:cNvSpPr>
+          <p:nvPr>
+            <p:ph type="sldNum" sz="quarter" idx="5"/>
+          </p:nvPr>
+        </p:nvSpPr>
+        <p:spPr/>
+        <p:txBody>
+          <a:bodyPr/>
+          <a:lstStyle/>
+          <a:p>
+            <a:fld id="{3ACF864E-B828-418E-A097-C392F7B8FA22}" type="slidenum">
+              <a:rPr lang="en-GB" smtClean="0"/>
+              <a:t>7</a:t>
+            </a:fld>
+            <a:endParaRPr lang="en-GB"/>
+          </a:p>
+        </p:txBody>
+      </p:sp>
+    </p:spTree>
+    <p:extLst>
+      <p:ext uri="{BB962C8B-B14F-4D97-AF65-F5344CB8AC3E}">
+        <p14:creationId xmlns:p14="http://schemas.microsoft.com/office/powerpoint/2010/main" val="2936393199"/>
+      </p:ext>
+    </p:extLst>
+  </p:cSld>
+  <p:clrMapOvr>
+    <a:masterClrMapping/>
+  </p:clrMapOvr>
+</p:notes>
+</file>
+
+<file path=ppt/notesSlides/notesSlide7.xml><?xml version="1.0" encoding="utf-8"?>
+<p:notes xmlns:a="http://schemas.openxmlformats.org/drawingml/2006/main" xmlns:r="http://schemas.openxmlformats.org/officeDocument/2006/relationships" xmlns:p="http://schemas.openxmlformats.org/presentationml/2006/main">
+  <p:cSld>
+    <p:spTree>
+      <p:nvGrpSpPr>
+        <p:cNvPr id="1" name=""/>
+        <p:cNvGrpSpPr/>
+        <p:nvPr/>
+      </p:nvGrpSpPr>
+      <p:grpSpPr>
+        <a:xfrm>
+          <a:off x="0" y="0"/>
+          <a:ext cx="0" cy="0"/>
+          <a:chOff x="0" y="0"/>
+          <a:chExt cx="0" cy="0"/>
+        </a:xfrm>
+      </p:grpSpPr>
+      <p:sp>
+        <p:nvSpPr>
+          <p:cNvPr id="2" name="Slide Image Placeholder 1"/>
+          <p:cNvSpPr>
+            <a:spLocks noGrp="1" noRot="1" noChangeAspect="1"/>
+          </p:cNvSpPr>
+          <p:nvPr>
+            <p:ph type="sldImg"/>
+          </p:nvPr>
+        </p:nvSpPr>
+        <p:spPr/>
+      </p:sp>
+      <p:sp>
+        <p:nvSpPr>
+          <p:cNvPr id="3" name="Notes Placeholder 2"/>
+          <p:cNvSpPr>
+            <a:spLocks noGrp="1"/>
+          </p:cNvSpPr>
+          <p:nvPr>
+            <p:ph type="body" idx="1"/>
+          </p:nvPr>
+        </p:nvSpPr>
+        <p:spPr/>
+        <p:txBody>
+          <a:bodyPr/>
+          <a:lstStyle/>
+          <a:p>
+            <a:endParaRPr lang="en-GB" dirty="0"/>
+          </a:p>
+        </p:txBody>
+      </p:sp>
+      <p:sp>
+        <p:nvSpPr>
+          <p:cNvPr id="4" name="Slide Number Placeholder 3"/>
+          <p:cNvSpPr>
+            <a:spLocks noGrp="1"/>
+          </p:cNvSpPr>
+          <p:nvPr>
+            <p:ph type="sldNum" sz="quarter" idx="5"/>
+          </p:nvPr>
+        </p:nvSpPr>
+        <p:spPr/>
+        <p:txBody>
+          <a:bodyPr/>
+          <a:lstStyle/>
+          <a:p>
+            <a:fld id="{3ACF864E-B828-418E-A097-C392F7B8FA22}" type="slidenum">
+              <a:rPr lang="en-GB" smtClean="0"/>
+              <a:t>8</a:t>
+            </a:fld>
+            <a:endParaRPr lang="en-GB"/>
+          </a:p>
+        </p:txBody>
+      </p:sp>
+    </p:spTree>
+    <p:extLst>
+      <p:ext uri="{BB962C8B-B14F-4D97-AF65-F5344CB8AC3E}">
+        <p14:creationId xmlns:p14="http://schemas.microsoft.com/office/powerpoint/2010/main" val="4247761326"/>
+      </p:ext>
+    </p:extLst>
+  </p:cSld>
+  <p:clrMapOvr>
+    <a:masterClrMapping/>
+  </p:clrMapOvr>
+</p:notes>
+</file>
+
+<file path=ppt/notesSlides/notesSlide8.xml><?xml version="1.0" encoding="utf-8"?>
+<p:notes xmlns:a="http://schemas.openxmlformats.org/drawingml/2006/main" xmlns:r="http://schemas.openxmlformats.org/officeDocument/2006/relationships" xmlns:p="http://schemas.openxmlformats.org/presentationml/2006/main">
+  <p:cSld>
+    <p:spTree>
+      <p:nvGrpSpPr>
+        <p:cNvPr id="1" name=""/>
+        <p:cNvGrpSpPr/>
+        <p:nvPr/>
+      </p:nvGrpSpPr>
+      <p:grpSpPr>
+        <a:xfrm>
+          <a:off x="0" y="0"/>
+          <a:ext cx="0" cy="0"/>
+          <a:chOff x="0" y="0"/>
+          <a:chExt cx="0" cy="0"/>
+        </a:xfrm>
+      </p:grpSpPr>
+      <p:sp>
+        <p:nvSpPr>
+          <p:cNvPr id="2" name="Slide Image Placeholder 1"/>
+          <p:cNvSpPr>
+            <a:spLocks noGrp="1" noRot="1" noChangeAspect="1"/>
+          </p:cNvSpPr>
+          <p:nvPr>
+            <p:ph type="sldImg"/>
+          </p:nvPr>
+        </p:nvSpPr>
+        <p:spPr/>
+      </p:sp>
+      <p:sp>
+        <p:nvSpPr>
+          <p:cNvPr id="3" name="Notes Placeholder 2"/>
+          <p:cNvSpPr>
+            <a:spLocks noGrp="1"/>
+          </p:cNvSpPr>
+          <p:nvPr>
+            <p:ph type="body" idx="1"/>
+          </p:nvPr>
+        </p:nvSpPr>
+        <p:spPr/>
+        <p:txBody>
+          <a:bodyPr/>
+          <a:lstStyle/>
+          <a:p>
+            <a:endParaRPr lang="en-GB" dirty="0"/>
+          </a:p>
+        </p:txBody>
+      </p:sp>
+      <p:sp>
+        <p:nvSpPr>
+          <p:cNvPr id="4" name="Slide Number Placeholder 3"/>
+          <p:cNvSpPr>
+            <a:spLocks noGrp="1"/>
+          </p:cNvSpPr>
+          <p:nvPr>
+            <p:ph type="sldNum" sz="quarter" idx="5"/>
+          </p:nvPr>
+        </p:nvSpPr>
+        <p:spPr/>
+        <p:txBody>
+          <a:bodyPr/>
+          <a:lstStyle/>
+          <a:p>
+            <a:fld id="{3ACF864E-B828-418E-A097-C392F7B8FA22}" type="slidenum">
+              <a:rPr lang="en-GB" smtClean="0"/>
+              <a:t>9</a:t>
+            </a:fld>
+            <a:endParaRPr lang="en-GB"/>
+          </a:p>
+        </p:txBody>
+      </p:sp>
+    </p:spTree>
+    <p:extLst>
+      <p:ext uri="{BB962C8B-B14F-4D97-AF65-F5344CB8AC3E}">
+        <p14:creationId xmlns:p14="http://schemas.microsoft.com/office/powerpoint/2010/main" val="1522966893"/>
+      </p:ext>
+    </p:extLst>
+  </p:cSld>
+  <p:clrMapOvr>
+    <a:masterClrMapping/>
+  </p:clrMapOvr>
+</p:notes>
+</file>
+
+<file path=ppt/notesSlides/notesSlide9.xml><?xml version="1.0" encoding="utf-8"?>
+<p:notes xmlns:a="http://schemas.openxmlformats.org/drawingml/2006/main" xmlns:r="http://schemas.openxmlformats.org/officeDocument/2006/relationships" xmlns:p="http://schemas.openxmlformats.org/presentationml/2006/main">
+  <p:cSld>
+    <p:spTree>
+      <p:nvGrpSpPr>
+        <p:cNvPr id="1" name=""/>
+        <p:cNvGrpSpPr/>
+        <p:nvPr/>
+      </p:nvGrpSpPr>
+      <p:grpSpPr>
+        <a:xfrm>
+          <a:off x="0" y="0"/>
+          <a:ext cx="0" cy="0"/>
+          <a:chOff x="0" y="0"/>
+          <a:chExt cx="0" cy="0"/>
+        </a:xfrm>
+      </p:grpSpPr>
+      <p:sp>
+        <p:nvSpPr>
+          <p:cNvPr id="2" name="Slide Image Placeholder 1"/>
+          <p:cNvSpPr>
+            <a:spLocks noGrp="1" noRot="1" noChangeAspect="1"/>
+          </p:cNvSpPr>
+          <p:nvPr>
+            <p:ph type="sldImg"/>
+          </p:nvPr>
+        </p:nvSpPr>
+        <p:spPr/>
+      </p:sp>
+      <p:sp>
+        <p:nvSpPr>
+          <p:cNvPr id="3" name="Notes Placeholder 2"/>
+          <p:cNvSpPr>
+            <a:spLocks noGrp="1"/>
+          </p:cNvSpPr>
+          <p:nvPr>
+            <p:ph type="body" idx="1"/>
+          </p:nvPr>
+        </p:nvSpPr>
+        <p:spPr/>
+        <p:txBody>
+          <a:bodyPr/>
+          <a:lstStyle/>
+          <a:p>
+            <a:endParaRPr lang="en-GB" dirty="0"/>
+          </a:p>
+        </p:txBody>
+      </p:sp>
+      <p:sp>
+        <p:nvSpPr>
+          <p:cNvPr id="4" name="Slide Number Placeholder 3"/>
+          <p:cNvSpPr>
+            <a:spLocks noGrp="1"/>
+          </p:cNvSpPr>
+          <p:nvPr>
+            <p:ph type="sldNum" sz="quarter" idx="5"/>
+          </p:nvPr>
+        </p:nvSpPr>
+        <p:spPr/>
+        <p:txBody>
+          <a:bodyPr/>
+          <a:lstStyle/>
+          <a:p>
+            <a:fld id="{3ACF864E-B828-418E-A097-C392F7B8FA22}" type="slidenum">
+              <a:rPr lang="en-GB" smtClean="0"/>
+              <a:t>10</a:t>
+            </a:fld>
+            <a:endParaRPr lang="en-GB"/>
+          </a:p>
+        </p:txBody>
+      </p:sp>
+    </p:spTree>
+    <p:extLst>
+      <p:ext uri="{BB962C8B-B14F-4D97-AF65-F5344CB8AC3E}">
+        <p14:creationId xmlns:p14="http://schemas.microsoft.com/office/powerpoint/2010/main" val="1680880897"/>
+      </p:ext>
+    </p:extLst>
+  </p:cSld>
+  <p:clrMapOvr>
+    <a:masterClrMapping/>
+  </p:clrMapOvr>
+</p:notes>
+</file>
+
 <file path=ppt/slideLayouts/slideLayout1.xml><?xml version="1.0" encoding="utf-8"?>
 <p:sldLayout xmlns:a="http://schemas.openxmlformats.org/drawingml/2006/main" xmlns:r="http://schemas.openxmlformats.org/officeDocument/2006/relationships" xmlns:p="http://schemas.openxmlformats.org/presentationml/2006/main" type="title" preserve="1">
   <p:cSld name="Title Slide">
@@ -266,7 +2352,7 @@
           <a:p>
             <a:fld id="{D7C3DDD6-1E7D-4EBA-9AEE-2EB1D1BBE72D}" type="datetimeFigureOut">
               <a:rPr lang="en-GB" smtClean="0"/>
-              <a:t>30/01/2024</a:t>
+              <a:t>12/02/2024</a:t>
             </a:fld>
             <a:endParaRPr lang="en-GB"/>
           </a:p>
@@ -466,7 +2552,7 @@
           <a:p>
             <a:fld id="{D7C3DDD6-1E7D-4EBA-9AEE-2EB1D1BBE72D}" type="datetimeFigureOut">
               <a:rPr lang="en-GB" smtClean="0"/>
-              <a:t>30/01/2024</a:t>
+              <a:t>12/02/2024</a:t>
             </a:fld>
             <a:endParaRPr lang="en-GB"/>
           </a:p>
@@ -676,7 +2762,7 @@
           <a:p>
             <a:fld id="{D7C3DDD6-1E7D-4EBA-9AEE-2EB1D1BBE72D}" type="datetimeFigureOut">
               <a:rPr lang="en-GB" smtClean="0"/>
-              <a:t>30/01/2024</a:t>
+              <a:t>12/02/2024</a:t>
             </a:fld>
             <a:endParaRPr lang="en-GB"/>
           </a:p>
@@ -742,6 +2828,377 @@
         <p14:creationId xmlns:p14="http://schemas.microsoft.com/office/powerpoint/2010/main" val="1303490896"/>
       </p:ext>
     </p:extLst>
+  </p:cSld>
+  <p:clrMapOvr>
+    <a:masterClrMapping/>
+  </p:clrMapOvr>
+</p:sldLayout>
+</file>
+
+<file path=ppt/slideLayouts/slideLayout12.xml><?xml version="1.0" encoding="utf-8"?>
+<p:sldLayout xmlns:a="http://schemas.openxmlformats.org/drawingml/2006/main" xmlns:r="http://schemas.openxmlformats.org/officeDocument/2006/relationships" xmlns:p="http://schemas.openxmlformats.org/presentationml/2006/main" matchingName="Title and body" type="tx">
+  <p:cSld name="TITLE_AND_BODY">
+    <p:spTree>
+      <p:nvGrpSpPr>
+        <p:cNvPr id="1" name="Shape 16"/>
+        <p:cNvGrpSpPr/>
+        <p:nvPr/>
+      </p:nvGrpSpPr>
+      <p:grpSpPr>
+        <a:xfrm>
+          <a:off x="0" y="0"/>
+          <a:ext cx="0" cy="0"/>
+          <a:chOff x="0" y="0"/>
+          <a:chExt cx="0" cy="0"/>
+        </a:xfrm>
+      </p:grpSpPr>
+      <p:sp>
+        <p:nvSpPr>
+          <p:cNvPr id="17" name="Google Shape;17;p4"/>
+          <p:cNvSpPr txBox="1">
+            <a:spLocks noGrp="1"/>
+          </p:cNvSpPr>
+          <p:nvPr>
+            <p:ph type="title"/>
+          </p:nvPr>
+        </p:nvSpPr>
+        <p:spPr>
+          <a:xfrm>
+            <a:off x="415600" y="593367"/>
+            <a:ext cx="11360800" cy="763600"/>
+          </a:xfrm>
+          <a:prstGeom prst="rect">
+            <a:avLst/>
+          </a:prstGeom>
+        </p:spPr>
+        <p:txBody>
+          <a:bodyPr spcFirstLastPara="1" wrap="square" lIns="91425" tIns="91425" rIns="91425" bIns="91425" anchor="t" anchorCtr="0">
+            <a:normAutofit/>
+          </a:bodyPr>
+          <a:lstStyle>
+            <a:lvl1pPr lvl="0">
+              <a:spcBef>
+                <a:spcPts val="0"/>
+              </a:spcBef>
+              <a:spcAft>
+                <a:spcPts val="0"/>
+              </a:spcAft>
+              <a:buSzPts val="2800"/>
+              <a:buNone/>
+              <a:defRPr/>
+            </a:lvl1pPr>
+            <a:lvl2pPr lvl="1">
+              <a:spcBef>
+                <a:spcPts val="0"/>
+              </a:spcBef>
+              <a:spcAft>
+                <a:spcPts val="0"/>
+              </a:spcAft>
+              <a:buSzPts val="2800"/>
+              <a:buNone/>
+              <a:defRPr/>
+            </a:lvl2pPr>
+            <a:lvl3pPr lvl="2">
+              <a:spcBef>
+                <a:spcPts val="0"/>
+              </a:spcBef>
+              <a:spcAft>
+                <a:spcPts val="0"/>
+              </a:spcAft>
+              <a:buSzPts val="2800"/>
+              <a:buNone/>
+              <a:defRPr/>
+            </a:lvl3pPr>
+            <a:lvl4pPr lvl="3">
+              <a:spcBef>
+                <a:spcPts val="0"/>
+              </a:spcBef>
+              <a:spcAft>
+                <a:spcPts val="0"/>
+              </a:spcAft>
+              <a:buSzPts val="2800"/>
+              <a:buNone/>
+              <a:defRPr/>
+            </a:lvl4pPr>
+            <a:lvl5pPr lvl="4">
+              <a:spcBef>
+                <a:spcPts val="0"/>
+              </a:spcBef>
+              <a:spcAft>
+                <a:spcPts val="0"/>
+              </a:spcAft>
+              <a:buSzPts val="2800"/>
+              <a:buNone/>
+              <a:defRPr/>
+            </a:lvl5pPr>
+            <a:lvl6pPr lvl="5">
+              <a:spcBef>
+                <a:spcPts val="0"/>
+              </a:spcBef>
+              <a:spcAft>
+                <a:spcPts val="0"/>
+              </a:spcAft>
+              <a:buSzPts val="2800"/>
+              <a:buNone/>
+              <a:defRPr/>
+            </a:lvl6pPr>
+            <a:lvl7pPr lvl="6">
+              <a:spcBef>
+                <a:spcPts val="0"/>
+              </a:spcBef>
+              <a:spcAft>
+                <a:spcPts val="0"/>
+              </a:spcAft>
+              <a:buSzPts val="2800"/>
+              <a:buNone/>
+              <a:defRPr/>
+            </a:lvl7pPr>
+            <a:lvl8pPr lvl="7">
+              <a:spcBef>
+                <a:spcPts val="0"/>
+              </a:spcBef>
+              <a:spcAft>
+                <a:spcPts val="0"/>
+              </a:spcAft>
+              <a:buSzPts val="2800"/>
+              <a:buNone/>
+              <a:defRPr/>
+            </a:lvl8pPr>
+            <a:lvl9pPr lvl="8">
+              <a:spcBef>
+                <a:spcPts val="0"/>
+              </a:spcBef>
+              <a:spcAft>
+                <a:spcPts val="0"/>
+              </a:spcAft>
+              <a:buSzPts val="2800"/>
+              <a:buNone/>
+              <a:defRPr/>
+            </a:lvl9pPr>
+          </a:lstStyle>
+          <a:p>
+            <a:endParaRPr/>
+          </a:p>
+        </p:txBody>
+      </p:sp>
+      <p:sp>
+        <p:nvSpPr>
+          <p:cNvPr id="18" name="Google Shape;18;p4"/>
+          <p:cNvSpPr txBox="1">
+            <a:spLocks noGrp="1"/>
+          </p:cNvSpPr>
+          <p:nvPr>
+            <p:ph type="body" idx="1"/>
+          </p:nvPr>
+        </p:nvSpPr>
+        <p:spPr>
+          <a:xfrm>
+            <a:off x="415600" y="1536633"/>
+            <a:ext cx="11360800" cy="4555200"/>
+          </a:xfrm>
+          <a:prstGeom prst="rect">
+            <a:avLst/>
+          </a:prstGeom>
+        </p:spPr>
+        <p:txBody>
+          <a:bodyPr spcFirstLastPara="1" wrap="square" lIns="91425" tIns="91425" rIns="91425" bIns="91425" anchor="t" anchorCtr="0">
+            <a:normAutofit/>
+          </a:bodyPr>
+          <a:lstStyle>
+            <a:lvl1pPr marL="609585" lvl="0" indent="-457189">
+              <a:spcBef>
+                <a:spcPts val="0"/>
+              </a:spcBef>
+              <a:spcAft>
+                <a:spcPts val="0"/>
+              </a:spcAft>
+              <a:buSzPts val="1800"/>
+              <a:buChar char="●"/>
+              <a:defRPr/>
+            </a:lvl1pPr>
+            <a:lvl2pPr marL="1219170" lvl="1" indent="-423323">
+              <a:spcBef>
+                <a:spcPts val="0"/>
+              </a:spcBef>
+              <a:spcAft>
+                <a:spcPts val="0"/>
+              </a:spcAft>
+              <a:buSzPts val="1400"/>
+              <a:buChar char="○"/>
+              <a:defRPr/>
+            </a:lvl2pPr>
+            <a:lvl3pPr marL="1828754" lvl="2" indent="-423323">
+              <a:spcBef>
+                <a:spcPts val="0"/>
+              </a:spcBef>
+              <a:spcAft>
+                <a:spcPts val="0"/>
+              </a:spcAft>
+              <a:buSzPts val="1400"/>
+              <a:buChar char="■"/>
+              <a:defRPr/>
+            </a:lvl3pPr>
+            <a:lvl4pPr marL="2438339" lvl="3" indent="-423323">
+              <a:spcBef>
+                <a:spcPts val="0"/>
+              </a:spcBef>
+              <a:spcAft>
+                <a:spcPts val="0"/>
+              </a:spcAft>
+              <a:buSzPts val="1400"/>
+              <a:buChar char="●"/>
+              <a:defRPr/>
+            </a:lvl4pPr>
+            <a:lvl5pPr marL="3047924" lvl="4" indent="-423323">
+              <a:spcBef>
+                <a:spcPts val="0"/>
+              </a:spcBef>
+              <a:spcAft>
+                <a:spcPts val="0"/>
+              </a:spcAft>
+              <a:buSzPts val="1400"/>
+              <a:buChar char="○"/>
+              <a:defRPr/>
+            </a:lvl5pPr>
+            <a:lvl6pPr marL="3657509" lvl="5" indent="-423323">
+              <a:spcBef>
+                <a:spcPts val="0"/>
+              </a:spcBef>
+              <a:spcAft>
+                <a:spcPts val="0"/>
+              </a:spcAft>
+              <a:buSzPts val="1400"/>
+              <a:buChar char="■"/>
+              <a:defRPr/>
+            </a:lvl6pPr>
+            <a:lvl7pPr marL="4267093" lvl="6" indent="-423323">
+              <a:spcBef>
+                <a:spcPts val="0"/>
+              </a:spcBef>
+              <a:spcAft>
+                <a:spcPts val="0"/>
+              </a:spcAft>
+              <a:buSzPts val="1400"/>
+              <a:buChar char="●"/>
+              <a:defRPr/>
+            </a:lvl7pPr>
+            <a:lvl8pPr marL="4876678" lvl="7" indent="-423323">
+              <a:spcBef>
+                <a:spcPts val="0"/>
+              </a:spcBef>
+              <a:spcAft>
+                <a:spcPts val="0"/>
+              </a:spcAft>
+              <a:buSzPts val="1400"/>
+              <a:buChar char="○"/>
+              <a:defRPr/>
+            </a:lvl8pPr>
+            <a:lvl9pPr marL="5486263" lvl="8" indent="-423323">
+              <a:spcBef>
+                <a:spcPts val="0"/>
+              </a:spcBef>
+              <a:spcAft>
+                <a:spcPts val="0"/>
+              </a:spcAft>
+              <a:buSzPts val="1400"/>
+              <a:buChar char="■"/>
+              <a:defRPr/>
+            </a:lvl9pPr>
+          </a:lstStyle>
+          <a:p>
+            <a:endParaRPr/>
+          </a:p>
+        </p:txBody>
+      </p:sp>
+      <p:sp>
+        <p:nvSpPr>
+          <p:cNvPr id="19" name="Google Shape;19;p4"/>
+          <p:cNvSpPr txBox="1">
+            <a:spLocks noGrp="1"/>
+          </p:cNvSpPr>
+          <p:nvPr>
+            <p:ph type="sldNum" idx="12"/>
+          </p:nvPr>
+        </p:nvSpPr>
+        <p:spPr>
+          <a:xfrm>
+            <a:off x="11296611" y="6217623"/>
+            <a:ext cx="731600" cy="524800"/>
+          </a:xfrm>
+          <a:prstGeom prst="rect">
+            <a:avLst/>
+          </a:prstGeom>
+        </p:spPr>
+        <p:txBody>
+          <a:bodyPr spcFirstLastPara="1" wrap="square" lIns="91425" tIns="91425" rIns="91425" bIns="91425" anchor="ctr" anchorCtr="0">
+            <a:normAutofit/>
+          </a:bodyPr>
+          <a:lstStyle>
+            <a:lvl1pPr lvl="0">
+              <a:buNone/>
+              <a:defRPr/>
+            </a:lvl1pPr>
+            <a:lvl2pPr lvl="1">
+              <a:buNone/>
+              <a:defRPr/>
+            </a:lvl2pPr>
+            <a:lvl3pPr lvl="2">
+              <a:buNone/>
+              <a:defRPr/>
+            </a:lvl3pPr>
+            <a:lvl4pPr lvl="3">
+              <a:buNone/>
+              <a:defRPr/>
+            </a:lvl4pPr>
+            <a:lvl5pPr lvl="4">
+              <a:buNone/>
+              <a:defRPr/>
+            </a:lvl5pPr>
+            <a:lvl6pPr lvl="5">
+              <a:buNone/>
+              <a:defRPr/>
+            </a:lvl6pPr>
+            <a:lvl7pPr lvl="6">
+              <a:buNone/>
+              <a:defRPr/>
+            </a:lvl7pPr>
+            <a:lvl8pPr lvl="7">
+              <a:buNone/>
+              <a:defRPr/>
+            </a:lvl8pPr>
+            <a:lvl9pPr lvl="8">
+              <a:buNone/>
+              <a:defRPr/>
+            </a:lvl9pPr>
+          </a:lstStyle>
+          <a:p>
+            <a:pPr marL="0" lvl="0" indent="0" algn="r" rtl="0">
+              <a:spcBef>
+                <a:spcPts val="0"/>
+              </a:spcBef>
+              <a:spcAft>
+                <a:spcPts val="0"/>
+              </a:spcAft>
+              <a:buNone/>
+            </a:pPr>
+            <a:fld id="{00000000-1234-1234-1234-123412341234}" type="slidenum">
+              <a:rPr lang="en"/>
+              <a:pPr marL="0" lvl="0" indent="0" algn="r" rtl="0">
+                <a:spcBef>
+                  <a:spcPts val="0"/>
+                </a:spcBef>
+                <a:spcAft>
+                  <a:spcPts val="0"/>
+                </a:spcAft>
+                <a:buNone/>
+              </a:pPr>
+              <a:t>‹#›</a:t>
+            </a:fld>
+            <a:endParaRPr/>
+          </a:p>
+        </p:txBody>
+      </p:sp>
+    </p:spTree>
   </p:cSld>
   <p:clrMapOvr>
     <a:masterClrMapping/>
@@ -876,7 +3333,7 @@
           <a:p>
             <a:fld id="{D7C3DDD6-1E7D-4EBA-9AEE-2EB1D1BBE72D}" type="datetimeFigureOut">
               <a:rPr lang="en-GB" smtClean="0"/>
-              <a:t>30/01/2024</a:t>
+              <a:t>12/02/2024</a:t>
             </a:fld>
             <a:endParaRPr lang="en-GB"/>
           </a:p>
@@ -1152,7 +3609,7 @@
           <a:p>
             <a:fld id="{D7C3DDD6-1E7D-4EBA-9AEE-2EB1D1BBE72D}" type="datetimeFigureOut">
               <a:rPr lang="en-GB" smtClean="0"/>
-              <a:t>30/01/2024</a:t>
+              <a:t>12/02/2024</a:t>
             </a:fld>
             <a:endParaRPr lang="en-GB"/>
           </a:p>
@@ -1420,7 +3877,7 @@
           <a:p>
             <a:fld id="{D7C3DDD6-1E7D-4EBA-9AEE-2EB1D1BBE72D}" type="datetimeFigureOut">
               <a:rPr lang="en-GB" smtClean="0"/>
-              <a:t>30/01/2024</a:t>
+              <a:t>12/02/2024</a:t>
             </a:fld>
             <a:endParaRPr lang="en-GB"/>
           </a:p>
@@ -1835,7 +4292,7 @@
           <a:p>
             <a:fld id="{D7C3DDD6-1E7D-4EBA-9AEE-2EB1D1BBE72D}" type="datetimeFigureOut">
               <a:rPr lang="en-GB" smtClean="0"/>
-              <a:t>30/01/2024</a:t>
+              <a:t>12/02/2024</a:t>
             </a:fld>
             <a:endParaRPr lang="en-GB"/>
           </a:p>
@@ -1977,7 +4434,7 @@
           <a:p>
             <a:fld id="{D7C3DDD6-1E7D-4EBA-9AEE-2EB1D1BBE72D}" type="datetimeFigureOut">
               <a:rPr lang="en-GB" smtClean="0"/>
-              <a:t>30/01/2024</a:t>
+              <a:t>12/02/2024</a:t>
             </a:fld>
             <a:endParaRPr lang="en-GB"/>
           </a:p>
@@ -2090,7 +4547,7 @@
           <a:p>
             <a:fld id="{D7C3DDD6-1E7D-4EBA-9AEE-2EB1D1BBE72D}" type="datetimeFigureOut">
               <a:rPr lang="en-GB" smtClean="0"/>
-              <a:t>30/01/2024</a:t>
+              <a:t>12/02/2024</a:t>
             </a:fld>
             <a:endParaRPr lang="en-GB"/>
           </a:p>
@@ -2403,7 +4860,7 @@
           <a:p>
             <a:fld id="{D7C3DDD6-1E7D-4EBA-9AEE-2EB1D1BBE72D}" type="datetimeFigureOut">
               <a:rPr lang="en-GB" smtClean="0"/>
-              <a:t>30/01/2024</a:t>
+              <a:t>12/02/2024</a:t>
             </a:fld>
             <a:endParaRPr lang="en-GB"/>
           </a:p>
@@ -2692,7 +5149,7 @@
           <a:p>
             <a:fld id="{D7C3DDD6-1E7D-4EBA-9AEE-2EB1D1BBE72D}" type="datetimeFigureOut">
               <a:rPr lang="en-GB" smtClean="0"/>
-              <a:t>30/01/2024</a:t>
+              <a:t>12/02/2024</a:t>
             </a:fld>
             <a:endParaRPr lang="en-GB"/>
           </a:p>
@@ -2935,7 +5392,7 @@
           <a:p>
             <a:fld id="{D7C3DDD6-1E7D-4EBA-9AEE-2EB1D1BBE72D}" type="datetimeFigureOut">
               <a:rPr lang="en-GB" smtClean="0"/>
-              <a:t>30/01/2024</a:t>
+              <a:t>12/02/2024</a:t>
             </a:fld>
             <a:endParaRPr lang="en-GB"/>
           </a:p>
@@ -3041,7 +5498,7 @@
   <p:clrMap bg1="lt1" tx1="dk1" bg2="lt2" tx2="dk2" accent1="accent1" accent2="accent2" accent3="accent3" accent4="accent4" accent5="accent5" accent6="accent6" hlink="hlink" folHlink="folHlink"/>
   <p:sldLayoutIdLst>
     <p:sldLayoutId id="2147483649" r:id="rId1"/>
-    <p:sldLayoutId id="2147483650" r:id="rId2"/>
+    <p:sldLayoutId id="2147483661" r:id="rId2"/>
     <p:sldLayoutId id="2147483651" r:id="rId3"/>
     <p:sldLayoutId id="2147483652" r:id="rId4"/>
     <p:sldLayoutId id="2147483653" r:id="rId5"/>
@@ -3050,7 +5507,7 @@
     <p:sldLayoutId id="2147483656" r:id="rId8"/>
     <p:sldLayoutId id="2147483657" r:id="rId9"/>
     <p:sldLayoutId id="2147483658" r:id="rId10"/>
-    <p:sldLayoutId id="2147483659" r:id="rId11"/>
+    <p:sldLayoutId id="2147483660" r:id="rId11"/>
   </p:sldLayoutIdLst>
   <p:txStyles>
     <p:titleStyle>
@@ -3335,7 +5792,1693 @@
 </p:sldMaster>
 </file>
 
+<file path=ppt/slideMasters/slideMaster2.xml><?xml version="1.0" encoding="utf-8"?>
+<p:sldMaster xmlns:a="http://schemas.openxmlformats.org/drawingml/2006/main" xmlns:r="http://schemas.openxmlformats.org/officeDocument/2006/relationships" xmlns:p="http://schemas.openxmlformats.org/presentationml/2006/main">
+  <p:cSld name="simple-light-2">
+    <p:bg>
+      <p:bgPr>
+        <a:solidFill>
+          <a:schemeClr val="lt1"/>
+        </a:solidFill>
+        <a:effectLst/>
+      </p:bgPr>
+    </p:bg>
+    <p:spTree>
+      <p:nvGrpSpPr>
+        <p:cNvPr id="1" name="Shape 5"/>
+        <p:cNvGrpSpPr/>
+        <p:nvPr/>
+      </p:nvGrpSpPr>
+      <p:grpSpPr>
+        <a:xfrm>
+          <a:off x="0" y="0"/>
+          <a:ext cx="0" cy="0"/>
+          <a:chOff x="0" y="0"/>
+          <a:chExt cx="0" cy="0"/>
+        </a:xfrm>
+      </p:grpSpPr>
+      <p:sp>
+        <p:nvSpPr>
+          <p:cNvPr id="6" name="Google Shape;6;p1"/>
+          <p:cNvSpPr txBox="1">
+            <a:spLocks noGrp="1"/>
+          </p:cNvSpPr>
+          <p:nvPr>
+            <p:ph type="title"/>
+          </p:nvPr>
+        </p:nvSpPr>
+        <p:spPr>
+          <a:xfrm>
+            <a:off x="415600" y="593367"/>
+            <a:ext cx="11360800" cy="763600"/>
+          </a:xfrm>
+          <a:prstGeom prst="rect">
+            <a:avLst/>
+          </a:prstGeom>
+          <a:noFill/>
+          <a:ln>
+            <a:noFill/>
+          </a:ln>
+        </p:spPr>
+        <p:txBody>
+          <a:bodyPr spcFirstLastPara="1" wrap="square" lIns="91425" tIns="91425" rIns="91425" bIns="91425" anchor="t" anchorCtr="0">
+            <a:normAutofit/>
+          </a:bodyPr>
+          <a:lstStyle>
+            <a:lvl1pPr lvl="0">
+              <a:spcBef>
+                <a:spcPts val="0"/>
+              </a:spcBef>
+              <a:spcAft>
+                <a:spcPts val="0"/>
+              </a:spcAft>
+              <a:buClr>
+                <a:schemeClr val="dk1"/>
+              </a:buClr>
+              <a:buSzPts val="2800"/>
+              <a:buNone/>
+              <a:defRPr sz="2800">
+                <a:solidFill>
+                  <a:schemeClr val="dk1"/>
+                </a:solidFill>
+              </a:defRPr>
+            </a:lvl1pPr>
+            <a:lvl2pPr lvl="1">
+              <a:spcBef>
+                <a:spcPts val="0"/>
+              </a:spcBef>
+              <a:spcAft>
+                <a:spcPts val="0"/>
+              </a:spcAft>
+              <a:buClr>
+                <a:schemeClr val="dk1"/>
+              </a:buClr>
+              <a:buSzPts val="2800"/>
+              <a:buNone/>
+              <a:defRPr sz="2800">
+                <a:solidFill>
+                  <a:schemeClr val="dk1"/>
+                </a:solidFill>
+              </a:defRPr>
+            </a:lvl2pPr>
+            <a:lvl3pPr lvl="2">
+              <a:spcBef>
+                <a:spcPts val="0"/>
+              </a:spcBef>
+              <a:spcAft>
+                <a:spcPts val="0"/>
+              </a:spcAft>
+              <a:buClr>
+                <a:schemeClr val="dk1"/>
+              </a:buClr>
+              <a:buSzPts val="2800"/>
+              <a:buNone/>
+              <a:defRPr sz="2800">
+                <a:solidFill>
+                  <a:schemeClr val="dk1"/>
+                </a:solidFill>
+              </a:defRPr>
+            </a:lvl3pPr>
+            <a:lvl4pPr lvl="3">
+              <a:spcBef>
+                <a:spcPts val="0"/>
+              </a:spcBef>
+              <a:spcAft>
+                <a:spcPts val="0"/>
+              </a:spcAft>
+              <a:buClr>
+                <a:schemeClr val="dk1"/>
+              </a:buClr>
+              <a:buSzPts val="2800"/>
+              <a:buNone/>
+              <a:defRPr sz="2800">
+                <a:solidFill>
+                  <a:schemeClr val="dk1"/>
+                </a:solidFill>
+              </a:defRPr>
+            </a:lvl4pPr>
+            <a:lvl5pPr lvl="4">
+              <a:spcBef>
+                <a:spcPts val="0"/>
+              </a:spcBef>
+              <a:spcAft>
+                <a:spcPts val="0"/>
+              </a:spcAft>
+              <a:buClr>
+                <a:schemeClr val="dk1"/>
+              </a:buClr>
+              <a:buSzPts val="2800"/>
+              <a:buNone/>
+              <a:defRPr sz="2800">
+                <a:solidFill>
+                  <a:schemeClr val="dk1"/>
+                </a:solidFill>
+              </a:defRPr>
+            </a:lvl5pPr>
+            <a:lvl6pPr lvl="5">
+              <a:spcBef>
+                <a:spcPts val="0"/>
+              </a:spcBef>
+              <a:spcAft>
+                <a:spcPts val="0"/>
+              </a:spcAft>
+              <a:buClr>
+                <a:schemeClr val="dk1"/>
+              </a:buClr>
+              <a:buSzPts val="2800"/>
+              <a:buNone/>
+              <a:defRPr sz="2800">
+                <a:solidFill>
+                  <a:schemeClr val="dk1"/>
+                </a:solidFill>
+              </a:defRPr>
+            </a:lvl6pPr>
+            <a:lvl7pPr lvl="6">
+              <a:spcBef>
+                <a:spcPts val="0"/>
+              </a:spcBef>
+              <a:spcAft>
+                <a:spcPts val="0"/>
+              </a:spcAft>
+              <a:buClr>
+                <a:schemeClr val="dk1"/>
+              </a:buClr>
+              <a:buSzPts val="2800"/>
+              <a:buNone/>
+              <a:defRPr sz="2800">
+                <a:solidFill>
+                  <a:schemeClr val="dk1"/>
+                </a:solidFill>
+              </a:defRPr>
+            </a:lvl7pPr>
+            <a:lvl8pPr lvl="7">
+              <a:spcBef>
+                <a:spcPts val="0"/>
+              </a:spcBef>
+              <a:spcAft>
+                <a:spcPts val="0"/>
+              </a:spcAft>
+              <a:buClr>
+                <a:schemeClr val="dk1"/>
+              </a:buClr>
+              <a:buSzPts val="2800"/>
+              <a:buNone/>
+              <a:defRPr sz="2800">
+                <a:solidFill>
+                  <a:schemeClr val="dk1"/>
+                </a:solidFill>
+              </a:defRPr>
+            </a:lvl8pPr>
+            <a:lvl9pPr lvl="8">
+              <a:spcBef>
+                <a:spcPts val="0"/>
+              </a:spcBef>
+              <a:spcAft>
+                <a:spcPts val="0"/>
+              </a:spcAft>
+              <a:buClr>
+                <a:schemeClr val="dk1"/>
+              </a:buClr>
+              <a:buSzPts val="2800"/>
+              <a:buNone/>
+              <a:defRPr sz="2800">
+                <a:solidFill>
+                  <a:schemeClr val="dk1"/>
+                </a:solidFill>
+              </a:defRPr>
+            </a:lvl9pPr>
+          </a:lstStyle>
+          <a:p>
+            <a:endParaRPr/>
+          </a:p>
+        </p:txBody>
+      </p:sp>
+      <p:sp>
+        <p:nvSpPr>
+          <p:cNvPr id="7" name="Google Shape;7;p1"/>
+          <p:cNvSpPr txBox="1">
+            <a:spLocks noGrp="1"/>
+          </p:cNvSpPr>
+          <p:nvPr>
+            <p:ph type="body" idx="1"/>
+          </p:nvPr>
+        </p:nvSpPr>
+        <p:spPr>
+          <a:xfrm>
+            <a:off x="415600" y="1536633"/>
+            <a:ext cx="11360800" cy="4555200"/>
+          </a:xfrm>
+          <a:prstGeom prst="rect">
+            <a:avLst/>
+          </a:prstGeom>
+          <a:noFill/>
+          <a:ln>
+            <a:noFill/>
+          </a:ln>
+        </p:spPr>
+        <p:txBody>
+          <a:bodyPr spcFirstLastPara="1" wrap="square" lIns="91425" tIns="91425" rIns="91425" bIns="91425" anchor="t" anchorCtr="0">
+            <a:normAutofit/>
+          </a:bodyPr>
+          <a:lstStyle>
+            <a:lvl1pPr marL="457200" lvl="0" indent="-342900">
+              <a:lnSpc>
+                <a:spcPct val="115000"/>
+              </a:lnSpc>
+              <a:spcBef>
+                <a:spcPts val="0"/>
+              </a:spcBef>
+              <a:spcAft>
+                <a:spcPts val="0"/>
+              </a:spcAft>
+              <a:buClr>
+                <a:schemeClr val="dk2"/>
+              </a:buClr>
+              <a:buSzPts val="1800"/>
+              <a:buChar char="●"/>
+              <a:defRPr sz="1800">
+                <a:solidFill>
+                  <a:schemeClr val="dk2"/>
+                </a:solidFill>
+              </a:defRPr>
+            </a:lvl1pPr>
+            <a:lvl2pPr marL="914400" lvl="1" indent="-317500">
+              <a:lnSpc>
+                <a:spcPct val="115000"/>
+              </a:lnSpc>
+              <a:spcBef>
+                <a:spcPts val="0"/>
+              </a:spcBef>
+              <a:spcAft>
+                <a:spcPts val="0"/>
+              </a:spcAft>
+              <a:buClr>
+                <a:schemeClr val="dk2"/>
+              </a:buClr>
+              <a:buSzPts val="1400"/>
+              <a:buChar char="○"/>
+              <a:defRPr>
+                <a:solidFill>
+                  <a:schemeClr val="dk2"/>
+                </a:solidFill>
+              </a:defRPr>
+            </a:lvl2pPr>
+            <a:lvl3pPr marL="1371600" lvl="2" indent="-317500">
+              <a:lnSpc>
+                <a:spcPct val="115000"/>
+              </a:lnSpc>
+              <a:spcBef>
+                <a:spcPts val="0"/>
+              </a:spcBef>
+              <a:spcAft>
+                <a:spcPts val="0"/>
+              </a:spcAft>
+              <a:buClr>
+                <a:schemeClr val="dk2"/>
+              </a:buClr>
+              <a:buSzPts val="1400"/>
+              <a:buChar char="■"/>
+              <a:defRPr>
+                <a:solidFill>
+                  <a:schemeClr val="dk2"/>
+                </a:solidFill>
+              </a:defRPr>
+            </a:lvl3pPr>
+            <a:lvl4pPr marL="1828800" lvl="3" indent="-317500">
+              <a:lnSpc>
+                <a:spcPct val="115000"/>
+              </a:lnSpc>
+              <a:spcBef>
+                <a:spcPts val="0"/>
+              </a:spcBef>
+              <a:spcAft>
+                <a:spcPts val="0"/>
+              </a:spcAft>
+              <a:buClr>
+                <a:schemeClr val="dk2"/>
+              </a:buClr>
+              <a:buSzPts val="1400"/>
+              <a:buChar char="●"/>
+              <a:defRPr>
+                <a:solidFill>
+                  <a:schemeClr val="dk2"/>
+                </a:solidFill>
+              </a:defRPr>
+            </a:lvl4pPr>
+            <a:lvl5pPr marL="2286000" lvl="4" indent="-317500">
+              <a:lnSpc>
+                <a:spcPct val="115000"/>
+              </a:lnSpc>
+              <a:spcBef>
+                <a:spcPts val="0"/>
+              </a:spcBef>
+              <a:spcAft>
+                <a:spcPts val="0"/>
+              </a:spcAft>
+              <a:buClr>
+                <a:schemeClr val="dk2"/>
+              </a:buClr>
+              <a:buSzPts val="1400"/>
+              <a:buChar char="○"/>
+              <a:defRPr>
+                <a:solidFill>
+                  <a:schemeClr val="dk2"/>
+                </a:solidFill>
+              </a:defRPr>
+            </a:lvl5pPr>
+            <a:lvl6pPr marL="2743200" lvl="5" indent="-317500">
+              <a:lnSpc>
+                <a:spcPct val="115000"/>
+              </a:lnSpc>
+              <a:spcBef>
+                <a:spcPts val="0"/>
+              </a:spcBef>
+              <a:spcAft>
+                <a:spcPts val="0"/>
+              </a:spcAft>
+              <a:buClr>
+                <a:schemeClr val="dk2"/>
+              </a:buClr>
+              <a:buSzPts val="1400"/>
+              <a:buChar char="■"/>
+              <a:defRPr>
+                <a:solidFill>
+                  <a:schemeClr val="dk2"/>
+                </a:solidFill>
+              </a:defRPr>
+            </a:lvl6pPr>
+            <a:lvl7pPr marL="3200400" lvl="6" indent="-317500">
+              <a:lnSpc>
+                <a:spcPct val="115000"/>
+              </a:lnSpc>
+              <a:spcBef>
+                <a:spcPts val="0"/>
+              </a:spcBef>
+              <a:spcAft>
+                <a:spcPts val="0"/>
+              </a:spcAft>
+              <a:buClr>
+                <a:schemeClr val="dk2"/>
+              </a:buClr>
+              <a:buSzPts val="1400"/>
+              <a:buChar char="●"/>
+              <a:defRPr>
+                <a:solidFill>
+                  <a:schemeClr val="dk2"/>
+                </a:solidFill>
+              </a:defRPr>
+            </a:lvl7pPr>
+            <a:lvl8pPr marL="3657600" lvl="7" indent="-317500">
+              <a:lnSpc>
+                <a:spcPct val="115000"/>
+              </a:lnSpc>
+              <a:spcBef>
+                <a:spcPts val="0"/>
+              </a:spcBef>
+              <a:spcAft>
+                <a:spcPts val="0"/>
+              </a:spcAft>
+              <a:buClr>
+                <a:schemeClr val="dk2"/>
+              </a:buClr>
+              <a:buSzPts val="1400"/>
+              <a:buChar char="○"/>
+              <a:defRPr>
+                <a:solidFill>
+                  <a:schemeClr val="dk2"/>
+                </a:solidFill>
+              </a:defRPr>
+            </a:lvl8pPr>
+            <a:lvl9pPr marL="4114800" lvl="8" indent="-317500">
+              <a:lnSpc>
+                <a:spcPct val="115000"/>
+              </a:lnSpc>
+              <a:spcBef>
+                <a:spcPts val="0"/>
+              </a:spcBef>
+              <a:spcAft>
+                <a:spcPts val="0"/>
+              </a:spcAft>
+              <a:buClr>
+                <a:schemeClr val="dk2"/>
+              </a:buClr>
+              <a:buSzPts val="1400"/>
+              <a:buChar char="■"/>
+              <a:defRPr>
+                <a:solidFill>
+                  <a:schemeClr val="dk2"/>
+                </a:solidFill>
+              </a:defRPr>
+            </a:lvl9pPr>
+          </a:lstStyle>
+          <a:p>
+            <a:endParaRPr/>
+          </a:p>
+        </p:txBody>
+      </p:sp>
+      <p:sp>
+        <p:nvSpPr>
+          <p:cNvPr id="8" name="Google Shape;8;p1"/>
+          <p:cNvSpPr txBox="1">
+            <a:spLocks noGrp="1"/>
+          </p:cNvSpPr>
+          <p:nvPr>
+            <p:ph type="sldNum" idx="12"/>
+          </p:nvPr>
+        </p:nvSpPr>
+        <p:spPr>
+          <a:xfrm>
+            <a:off x="11296611" y="6217623"/>
+            <a:ext cx="731600" cy="524800"/>
+          </a:xfrm>
+          <a:prstGeom prst="rect">
+            <a:avLst/>
+          </a:prstGeom>
+          <a:noFill/>
+          <a:ln>
+            <a:noFill/>
+          </a:ln>
+        </p:spPr>
+        <p:txBody>
+          <a:bodyPr spcFirstLastPara="1" wrap="square" lIns="91425" tIns="91425" rIns="91425" bIns="91425" anchor="ctr" anchorCtr="0">
+            <a:normAutofit/>
+          </a:bodyPr>
+          <a:lstStyle>
+            <a:lvl1pPr lvl="0" algn="r">
+              <a:buNone/>
+              <a:defRPr sz="1333">
+                <a:solidFill>
+                  <a:schemeClr val="dk2"/>
+                </a:solidFill>
+              </a:defRPr>
+            </a:lvl1pPr>
+            <a:lvl2pPr lvl="1" algn="r">
+              <a:buNone/>
+              <a:defRPr sz="1333">
+                <a:solidFill>
+                  <a:schemeClr val="dk2"/>
+                </a:solidFill>
+              </a:defRPr>
+            </a:lvl2pPr>
+            <a:lvl3pPr lvl="2" algn="r">
+              <a:buNone/>
+              <a:defRPr sz="1333">
+                <a:solidFill>
+                  <a:schemeClr val="dk2"/>
+                </a:solidFill>
+              </a:defRPr>
+            </a:lvl3pPr>
+            <a:lvl4pPr lvl="3" algn="r">
+              <a:buNone/>
+              <a:defRPr sz="1333">
+                <a:solidFill>
+                  <a:schemeClr val="dk2"/>
+                </a:solidFill>
+              </a:defRPr>
+            </a:lvl4pPr>
+            <a:lvl5pPr lvl="4" algn="r">
+              <a:buNone/>
+              <a:defRPr sz="1333">
+                <a:solidFill>
+                  <a:schemeClr val="dk2"/>
+                </a:solidFill>
+              </a:defRPr>
+            </a:lvl5pPr>
+            <a:lvl6pPr lvl="5" algn="r">
+              <a:buNone/>
+              <a:defRPr sz="1333">
+                <a:solidFill>
+                  <a:schemeClr val="dk2"/>
+                </a:solidFill>
+              </a:defRPr>
+            </a:lvl6pPr>
+            <a:lvl7pPr lvl="6" algn="r">
+              <a:buNone/>
+              <a:defRPr sz="1333">
+                <a:solidFill>
+                  <a:schemeClr val="dk2"/>
+                </a:solidFill>
+              </a:defRPr>
+            </a:lvl7pPr>
+            <a:lvl8pPr lvl="7" algn="r">
+              <a:buNone/>
+              <a:defRPr sz="1333">
+                <a:solidFill>
+                  <a:schemeClr val="dk2"/>
+                </a:solidFill>
+              </a:defRPr>
+            </a:lvl8pPr>
+            <a:lvl9pPr lvl="8" algn="r">
+              <a:buNone/>
+              <a:defRPr sz="1333">
+                <a:solidFill>
+                  <a:schemeClr val="dk2"/>
+                </a:solidFill>
+              </a:defRPr>
+            </a:lvl9pPr>
+          </a:lstStyle>
+          <a:p>
+            <a:pPr marL="0" lvl="0" indent="0" algn="r" rtl="0">
+              <a:spcBef>
+                <a:spcPts val="0"/>
+              </a:spcBef>
+              <a:spcAft>
+                <a:spcPts val="0"/>
+              </a:spcAft>
+              <a:buNone/>
+            </a:pPr>
+            <a:fld id="{00000000-1234-1234-1234-123412341234}" type="slidenum">
+              <a:rPr lang="en"/>
+              <a:pPr marL="0" lvl="0" indent="0" algn="r" rtl="0">
+                <a:spcBef>
+                  <a:spcPts val="0"/>
+                </a:spcBef>
+                <a:spcAft>
+                  <a:spcPts val="0"/>
+                </a:spcAft>
+                <a:buNone/>
+              </a:pPr>
+              <a:t>‹#›</a:t>
+            </a:fld>
+            <a:endParaRPr/>
+          </a:p>
+        </p:txBody>
+      </p:sp>
+    </p:spTree>
+  </p:cSld>
+  <p:clrMap bg1="lt1" tx1="dk1" bg2="dk2" tx2="lt2" accent1="accent1" accent2="accent2" accent3="accent3" accent4="accent4" accent5="accent5" accent6="accent6" hlink="hlink" folHlink="folHlink"/>
+  <p:sldLayoutIdLst>
+    <p:sldLayoutId id="2147483650" r:id="rId1"/>
+  </p:sldLayoutIdLst>
+  <p:hf sldNum="0" hdr="0" ftr="0" dt="0"/>
+  <p:txStyles>
+    <p:titleStyle>
+      <a:defPPr marR="0" lvl="0" algn="l" rtl="0">
+        <a:lnSpc>
+          <a:spcPct val="100000"/>
+        </a:lnSpc>
+        <a:spcBef>
+          <a:spcPts val="0"/>
+        </a:spcBef>
+        <a:spcAft>
+          <a:spcPts val="0"/>
+        </a:spcAft>
+      </a:defPPr>
+      <a:lvl1pPr marR="0" lvl="0" algn="l" rtl="0">
+        <a:lnSpc>
+          <a:spcPct val="100000"/>
+        </a:lnSpc>
+        <a:spcBef>
+          <a:spcPts val="0"/>
+        </a:spcBef>
+        <a:spcAft>
+          <a:spcPts val="0"/>
+        </a:spcAft>
+        <a:buClr>
+          <a:srgbClr val="000000"/>
+        </a:buClr>
+        <a:buFont typeface="Arial"/>
+        <a:defRPr sz="1400" b="0" i="0" u="none" strike="noStrike" cap="none">
+          <a:solidFill>
+            <a:srgbClr val="000000"/>
+          </a:solidFill>
+          <a:latin typeface="Arial"/>
+          <a:ea typeface="Arial"/>
+          <a:cs typeface="Arial"/>
+          <a:sym typeface="Arial"/>
+        </a:defRPr>
+      </a:lvl1pPr>
+      <a:lvl2pPr marR="0" lvl="1" algn="l" rtl="0">
+        <a:lnSpc>
+          <a:spcPct val="100000"/>
+        </a:lnSpc>
+        <a:spcBef>
+          <a:spcPts val="0"/>
+        </a:spcBef>
+        <a:spcAft>
+          <a:spcPts val="0"/>
+        </a:spcAft>
+        <a:buClr>
+          <a:srgbClr val="000000"/>
+        </a:buClr>
+        <a:buFont typeface="Arial"/>
+        <a:defRPr sz="1400" b="0" i="0" u="none" strike="noStrike" cap="none">
+          <a:solidFill>
+            <a:srgbClr val="000000"/>
+          </a:solidFill>
+          <a:latin typeface="Arial"/>
+          <a:ea typeface="Arial"/>
+          <a:cs typeface="Arial"/>
+          <a:sym typeface="Arial"/>
+        </a:defRPr>
+      </a:lvl2pPr>
+      <a:lvl3pPr marR="0" lvl="2" algn="l" rtl="0">
+        <a:lnSpc>
+          <a:spcPct val="100000"/>
+        </a:lnSpc>
+        <a:spcBef>
+          <a:spcPts val="0"/>
+        </a:spcBef>
+        <a:spcAft>
+          <a:spcPts val="0"/>
+        </a:spcAft>
+        <a:buClr>
+          <a:srgbClr val="000000"/>
+        </a:buClr>
+        <a:buFont typeface="Arial"/>
+        <a:defRPr sz="1400" b="0" i="0" u="none" strike="noStrike" cap="none">
+          <a:solidFill>
+            <a:srgbClr val="000000"/>
+          </a:solidFill>
+          <a:latin typeface="Arial"/>
+          <a:ea typeface="Arial"/>
+          <a:cs typeface="Arial"/>
+          <a:sym typeface="Arial"/>
+        </a:defRPr>
+      </a:lvl3pPr>
+      <a:lvl4pPr marR="0" lvl="3" algn="l" rtl="0">
+        <a:lnSpc>
+          <a:spcPct val="100000"/>
+        </a:lnSpc>
+        <a:spcBef>
+          <a:spcPts val="0"/>
+        </a:spcBef>
+        <a:spcAft>
+          <a:spcPts val="0"/>
+        </a:spcAft>
+        <a:buClr>
+          <a:srgbClr val="000000"/>
+        </a:buClr>
+        <a:buFont typeface="Arial"/>
+        <a:defRPr sz="1400" b="0" i="0" u="none" strike="noStrike" cap="none">
+          <a:solidFill>
+            <a:srgbClr val="000000"/>
+          </a:solidFill>
+          <a:latin typeface="Arial"/>
+          <a:ea typeface="Arial"/>
+          <a:cs typeface="Arial"/>
+          <a:sym typeface="Arial"/>
+        </a:defRPr>
+      </a:lvl4pPr>
+      <a:lvl5pPr marR="0" lvl="4" algn="l" rtl="0">
+        <a:lnSpc>
+          <a:spcPct val="100000"/>
+        </a:lnSpc>
+        <a:spcBef>
+          <a:spcPts val="0"/>
+        </a:spcBef>
+        <a:spcAft>
+          <a:spcPts val="0"/>
+        </a:spcAft>
+        <a:buClr>
+          <a:srgbClr val="000000"/>
+        </a:buClr>
+        <a:buFont typeface="Arial"/>
+        <a:defRPr sz="1400" b="0" i="0" u="none" strike="noStrike" cap="none">
+          <a:solidFill>
+            <a:srgbClr val="000000"/>
+          </a:solidFill>
+          <a:latin typeface="Arial"/>
+          <a:ea typeface="Arial"/>
+          <a:cs typeface="Arial"/>
+          <a:sym typeface="Arial"/>
+        </a:defRPr>
+      </a:lvl5pPr>
+      <a:lvl6pPr marR="0" lvl="5" algn="l" rtl="0">
+        <a:lnSpc>
+          <a:spcPct val="100000"/>
+        </a:lnSpc>
+        <a:spcBef>
+          <a:spcPts val="0"/>
+        </a:spcBef>
+        <a:spcAft>
+          <a:spcPts val="0"/>
+        </a:spcAft>
+        <a:buClr>
+          <a:srgbClr val="000000"/>
+        </a:buClr>
+        <a:buFont typeface="Arial"/>
+        <a:defRPr sz="1400" b="0" i="0" u="none" strike="noStrike" cap="none">
+          <a:solidFill>
+            <a:srgbClr val="000000"/>
+          </a:solidFill>
+          <a:latin typeface="Arial"/>
+          <a:ea typeface="Arial"/>
+          <a:cs typeface="Arial"/>
+          <a:sym typeface="Arial"/>
+        </a:defRPr>
+      </a:lvl6pPr>
+      <a:lvl7pPr marR="0" lvl="6" algn="l" rtl="0">
+        <a:lnSpc>
+          <a:spcPct val="100000"/>
+        </a:lnSpc>
+        <a:spcBef>
+          <a:spcPts val="0"/>
+        </a:spcBef>
+        <a:spcAft>
+          <a:spcPts val="0"/>
+        </a:spcAft>
+        <a:buClr>
+          <a:srgbClr val="000000"/>
+        </a:buClr>
+        <a:buFont typeface="Arial"/>
+        <a:defRPr sz="1400" b="0" i="0" u="none" strike="noStrike" cap="none">
+          <a:solidFill>
+            <a:srgbClr val="000000"/>
+          </a:solidFill>
+          <a:latin typeface="Arial"/>
+          <a:ea typeface="Arial"/>
+          <a:cs typeface="Arial"/>
+          <a:sym typeface="Arial"/>
+        </a:defRPr>
+      </a:lvl7pPr>
+      <a:lvl8pPr marR="0" lvl="7" algn="l" rtl="0">
+        <a:lnSpc>
+          <a:spcPct val="100000"/>
+        </a:lnSpc>
+        <a:spcBef>
+          <a:spcPts val="0"/>
+        </a:spcBef>
+        <a:spcAft>
+          <a:spcPts val="0"/>
+        </a:spcAft>
+        <a:buClr>
+          <a:srgbClr val="000000"/>
+        </a:buClr>
+        <a:buFont typeface="Arial"/>
+        <a:defRPr sz="1400" b="0" i="0" u="none" strike="noStrike" cap="none">
+          <a:solidFill>
+            <a:srgbClr val="000000"/>
+          </a:solidFill>
+          <a:latin typeface="Arial"/>
+          <a:ea typeface="Arial"/>
+          <a:cs typeface="Arial"/>
+          <a:sym typeface="Arial"/>
+        </a:defRPr>
+      </a:lvl8pPr>
+      <a:lvl9pPr marR="0" lvl="8" algn="l" rtl="0">
+        <a:lnSpc>
+          <a:spcPct val="100000"/>
+        </a:lnSpc>
+        <a:spcBef>
+          <a:spcPts val="0"/>
+        </a:spcBef>
+        <a:spcAft>
+          <a:spcPts val="0"/>
+        </a:spcAft>
+        <a:buClr>
+          <a:srgbClr val="000000"/>
+        </a:buClr>
+        <a:buFont typeface="Arial"/>
+        <a:defRPr sz="1400" b="0" i="0" u="none" strike="noStrike" cap="none">
+          <a:solidFill>
+            <a:srgbClr val="000000"/>
+          </a:solidFill>
+          <a:latin typeface="Arial"/>
+          <a:ea typeface="Arial"/>
+          <a:cs typeface="Arial"/>
+          <a:sym typeface="Arial"/>
+        </a:defRPr>
+      </a:lvl9pPr>
+    </p:titleStyle>
+    <p:bodyStyle>
+      <a:defPPr marR="0" lvl="0" algn="l" rtl="0">
+        <a:lnSpc>
+          <a:spcPct val="100000"/>
+        </a:lnSpc>
+        <a:spcBef>
+          <a:spcPts val="0"/>
+        </a:spcBef>
+        <a:spcAft>
+          <a:spcPts val="0"/>
+        </a:spcAft>
+      </a:defPPr>
+      <a:lvl1pPr marR="0" lvl="0" algn="l" rtl="0">
+        <a:lnSpc>
+          <a:spcPct val="100000"/>
+        </a:lnSpc>
+        <a:spcBef>
+          <a:spcPts val="0"/>
+        </a:spcBef>
+        <a:spcAft>
+          <a:spcPts val="0"/>
+        </a:spcAft>
+        <a:buClr>
+          <a:srgbClr val="000000"/>
+        </a:buClr>
+        <a:buFont typeface="Arial"/>
+        <a:defRPr sz="1400" b="0" i="0" u="none" strike="noStrike" cap="none">
+          <a:solidFill>
+            <a:srgbClr val="000000"/>
+          </a:solidFill>
+          <a:latin typeface="Arial"/>
+          <a:ea typeface="Arial"/>
+          <a:cs typeface="Arial"/>
+          <a:sym typeface="Arial"/>
+        </a:defRPr>
+      </a:lvl1pPr>
+      <a:lvl2pPr marR="0" lvl="1" algn="l" rtl="0">
+        <a:lnSpc>
+          <a:spcPct val="100000"/>
+        </a:lnSpc>
+        <a:spcBef>
+          <a:spcPts val="0"/>
+        </a:spcBef>
+        <a:spcAft>
+          <a:spcPts val="0"/>
+        </a:spcAft>
+        <a:buClr>
+          <a:srgbClr val="000000"/>
+        </a:buClr>
+        <a:buFont typeface="Arial"/>
+        <a:defRPr sz="1400" b="0" i="0" u="none" strike="noStrike" cap="none">
+          <a:solidFill>
+            <a:srgbClr val="000000"/>
+          </a:solidFill>
+          <a:latin typeface="Arial"/>
+          <a:ea typeface="Arial"/>
+          <a:cs typeface="Arial"/>
+          <a:sym typeface="Arial"/>
+        </a:defRPr>
+      </a:lvl2pPr>
+      <a:lvl3pPr marR="0" lvl="2" algn="l" rtl="0">
+        <a:lnSpc>
+          <a:spcPct val="100000"/>
+        </a:lnSpc>
+        <a:spcBef>
+          <a:spcPts val="0"/>
+        </a:spcBef>
+        <a:spcAft>
+          <a:spcPts val="0"/>
+        </a:spcAft>
+        <a:buClr>
+          <a:srgbClr val="000000"/>
+        </a:buClr>
+        <a:buFont typeface="Arial"/>
+        <a:defRPr sz="1400" b="0" i="0" u="none" strike="noStrike" cap="none">
+          <a:solidFill>
+            <a:srgbClr val="000000"/>
+          </a:solidFill>
+          <a:latin typeface="Arial"/>
+          <a:ea typeface="Arial"/>
+          <a:cs typeface="Arial"/>
+          <a:sym typeface="Arial"/>
+        </a:defRPr>
+      </a:lvl3pPr>
+      <a:lvl4pPr marR="0" lvl="3" algn="l" rtl="0">
+        <a:lnSpc>
+          <a:spcPct val="100000"/>
+        </a:lnSpc>
+        <a:spcBef>
+          <a:spcPts val="0"/>
+        </a:spcBef>
+        <a:spcAft>
+          <a:spcPts val="0"/>
+        </a:spcAft>
+        <a:buClr>
+          <a:srgbClr val="000000"/>
+        </a:buClr>
+        <a:buFont typeface="Arial"/>
+        <a:defRPr sz="1400" b="0" i="0" u="none" strike="noStrike" cap="none">
+          <a:solidFill>
+            <a:srgbClr val="000000"/>
+          </a:solidFill>
+          <a:latin typeface="Arial"/>
+          <a:ea typeface="Arial"/>
+          <a:cs typeface="Arial"/>
+          <a:sym typeface="Arial"/>
+        </a:defRPr>
+      </a:lvl4pPr>
+      <a:lvl5pPr marR="0" lvl="4" algn="l" rtl="0">
+        <a:lnSpc>
+          <a:spcPct val="100000"/>
+        </a:lnSpc>
+        <a:spcBef>
+          <a:spcPts val="0"/>
+        </a:spcBef>
+        <a:spcAft>
+          <a:spcPts val="0"/>
+        </a:spcAft>
+        <a:buClr>
+          <a:srgbClr val="000000"/>
+        </a:buClr>
+        <a:buFont typeface="Arial"/>
+        <a:defRPr sz="1400" b="0" i="0" u="none" strike="noStrike" cap="none">
+          <a:solidFill>
+            <a:srgbClr val="000000"/>
+          </a:solidFill>
+          <a:latin typeface="Arial"/>
+          <a:ea typeface="Arial"/>
+          <a:cs typeface="Arial"/>
+          <a:sym typeface="Arial"/>
+        </a:defRPr>
+      </a:lvl5pPr>
+      <a:lvl6pPr marR="0" lvl="5" algn="l" rtl="0">
+        <a:lnSpc>
+          <a:spcPct val="100000"/>
+        </a:lnSpc>
+        <a:spcBef>
+          <a:spcPts val="0"/>
+        </a:spcBef>
+        <a:spcAft>
+          <a:spcPts val="0"/>
+        </a:spcAft>
+        <a:buClr>
+          <a:srgbClr val="000000"/>
+        </a:buClr>
+        <a:buFont typeface="Arial"/>
+        <a:defRPr sz="1400" b="0" i="0" u="none" strike="noStrike" cap="none">
+          <a:solidFill>
+            <a:srgbClr val="000000"/>
+          </a:solidFill>
+          <a:latin typeface="Arial"/>
+          <a:ea typeface="Arial"/>
+          <a:cs typeface="Arial"/>
+          <a:sym typeface="Arial"/>
+        </a:defRPr>
+      </a:lvl6pPr>
+      <a:lvl7pPr marR="0" lvl="6" algn="l" rtl="0">
+        <a:lnSpc>
+          <a:spcPct val="100000"/>
+        </a:lnSpc>
+        <a:spcBef>
+          <a:spcPts val="0"/>
+        </a:spcBef>
+        <a:spcAft>
+          <a:spcPts val="0"/>
+        </a:spcAft>
+        <a:buClr>
+          <a:srgbClr val="000000"/>
+        </a:buClr>
+        <a:buFont typeface="Arial"/>
+        <a:defRPr sz="1400" b="0" i="0" u="none" strike="noStrike" cap="none">
+          <a:solidFill>
+            <a:srgbClr val="000000"/>
+          </a:solidFill>
+          <a:latin typeface="Arial"/>
+          <a:ea typeface="Arial"/>
+          <a:cs typeface="Arial"/>
+          <a:sym typeface="Arial"/>
+        </a:defRPr>
+      </a:lvl7pPr>
+      <a:lvl8pPr marR="0" lvl="7" algn="l" rtl="0">
+        <a:lnSpc>
+          <a:spcPct val="100000"/>
+        </a:lnSpc>
+        <a:spcBef>
+          <a:spcPts val="0"/>
+        </a:spcBef>
+        <a:spcAft>
+          <a:spcPts val="0"/>
+        </a:spcAft>
+        <a:buClr>
+          <a:srgbClr val="000000"/>
+        </a:buClr>
+        <a:buFont typeface="Arial"/>
+        <a:defRPr sz="1400" b="0" i="0" u="none" strike="noStrike" cap="none">
+          <a:solidFill>
+            <a:srgbClr val="000000"/>
+          </a:solidFill>
+          <a:latin typeface="Arial"/>
+          <a:ea typeface="Arial"/>
+          <a:cs typeface="Arial"/>
+          <a:sym typeface="Arial"/>
+        </a:defRPr>
+      </a:lvl8pPr>
+      <a:lvl9pPr marR="0" lvl="8" algn="l" rtl="0">
+        <a:lnSpc>
+          <a:spcPct val="100000"/>
+        </a:lnSpc>
+        <a:spcBef>
+          <a:spcPts val="0"/>
+        </a:spcBef>
+        <a:spcAft>
+          <a:spcPts val="0"/>
+        </a:spcAft>
+        <a:buClr>
+          <a:srgbClr val="000000"/>
+        </a:buClr>
+        <a:buFont typeface="Arial"/>
+        <a:defRPr sz="1400" b="0" i="0" u="none" strike="noStrike" cap="none">
+          <a:solidFill>
+            <a:srgbClr val="000000"/>
+          </a:solidFill>
+          <a:latin typeface="Arial"/>
+          <a:ea typeface="Arial"/>
+          <a:cs typeface="Arial"/>
+          <a:sym typeface="Arial"/>
+        </a:defRPr>
+      </a:lvl9pPr>
+    </p:bodyStyle>
+    <p:otherStyle>
+      <a:defPPr marR="0" lvl="0" algn="l" rtl="0">
+        <a:lnSpc>
+          <a:spcPct val="100000"/>
+        </a:lnSpc>
+        <a:spcBef>
+          <a:spcPts val="0"/>
+        </a:spcBef>
+        <a:spcAft>
+          <a:spcPts val="0"/>
+        </a:spcAft>
+      </a:defPPr>
+      <a:lvl1pPr marR="0" lvl="0" algn="l" rtl="0">
+        <a:lnSpc>
+          <a:spcPct val="100000"/>
+        </a:lnSpc>
+        <a:spcBef>
+          <a:spcPts val="0"/>
+        </a:spcBef>
+        <a:spcAft>
+          <a:spcPts val="0"/>
+        </a:spcAft>
+        <a:buClr>
+          <a:srgbClr val="000000"/>
+        </a:buClr>
+        <a:buFont typeface="Arial"/>
+        <a:defRPr sz="1400" b="0" i="0" u="none" strike="noStrike" cap="none">
+          <a:solidFill>
+            <a:srgbClr val="000000"/>
+          </a:solidFill>
+          <a:latin typeface="Arial"/>
+          <a:ea typeface="Arial"/>
+          <a:cs typeface="Arial"/>
+          <a:sym typeface="Arial"/>
+        </a:defRPr>
+      </a:lvl1pPr>
+      <a:lvl2pPr marR="0" lvl="1" algn="l" rtl="0">
+        <a:lnSpc>
+          <a:spcPct val="100000"/>
+        </a:lnSpc>
+        <a:spcBef>
+          <a:spcPts val="0"/>
+        </a:spcBef>
+        <a:spcAft>
+          <a:spcPts val="0"/>
+        </a:spcAft>
+        <a:buClr>
+          <a:srgbClr val="000000"/>
+        </a:buClr>
+        <a:buFont typeface="Arial"/>
+        <a:defRPr sz="1400" b="0" i="0" u="none" strike="noStrike" cap="none">
+          <a:solidFill>
+            <a:srgbClr val="000000"/>
+          </a:solidFill>
+          <a:latin typeface="Arial"/>
+          <a:ea typeface="Arial"/>
+          <a:cs typeface="Arial"/>
+          <a:sym typeface="Arial"/>
+        </a:defRPr>
+      </a:lvl2pPr>
+      <a:lvl3pPr marR="0" lvl="2" algn="l" rtl="0">
+        <a:lnSpc>
+          <a:spcPct val="100000"/>
+        </a:lnSpc>
+        <a:spcBef>
+          <a:spcPts val="0"/>
+        </a:spcBef>
+        <a:spcAft>
+          <a:spcPts val="0"/>
+        </a:spcAft>
+        <a:buClr>
+          <a:srgbClr val="000000"/>
+        </a:buClr>
+        <a:buFont typeface="Arial"/>
+        <a:defRPr sz="1400" b="0" i="0" u="none" strike="noStrike" cap="none">
+          <a:solidFill>
+            <a:srgbClr val="000000"/>
+          </a:solidFill>
+          <a:latin typeface="Arial"/>
+          <a:ea typeface="Arial"/>
+          <a:cs typeface="Arial"/>
+          <a:sym typeface="Arial"/>
+        </a:defRPr>
+      </a:lvl3pPr>
+      <a:lvl4pPr marR="0" lvl="3" algn="l" rtl="0">
+        <a:lnSpc>
+          <a:spcPct val="100000"/>
+        </a:lnSpc>
+        <a:spcBef>
+          <a:spcPts val="0"/>
+        </a:spcBef>
+        <a:spcAft>
+          <a:spcPts val="0"/>
+        </a:spcAft>
+        <a:buClr>
+          <a:srgbClr val="000000"/>
+        </a:buClr>
+        <a:buFont typeface="Arial"/>
+        <a:defRPr sz="1400" b="0" i="0" u="none" strike="noStrike" cap="none">
+          <a:solidFill>
+            <a:srgbClr val="000000"/>
+          </a:solidFill>
+          <a:latin typeface="Arial"/>
+          <a:ea typeface="Arial"/>
+          <a:cs typeface="Arial"/>
+          <a:sym typeface="Arial"/>
+        </a:defRPr>
+      </a:lvl4pPr>
+      <a:lvl5pPr marR="0" lvl="4" algn="l" rtl="0">
+        <a:lnSpc>
+          <a:spcPct val="100000"/>
+        </a:lnSpc>
+        <a:spcBef>
+          <a:spcPts val="0"/>
+        </a:spcBef>
+        <a:spcAft>
+          <a:spcPts val="0"/>
+        </a:spcAft>
+        <a:buClr>
+          <a:srgbClr val="000000"/>
+        </a:buClr>
+        <a:buFont typeface="Arial"/>
+        <a:defRPr sz="1400" b="0" i="0" u="none" strike="noStrike" cap="none">
+          <a:solidFill>
+            <a:srgbClr val="000000"/>
+          </a:solidFill>
+          <a:latin typeface="Arial"/>
+          <a:ea typeface="Arial"/>
+          <a:cs typeface="Arial"/>
+          <a:sym typeface="Arial"/>
+        </a:defRPr>
+      </a:lvl5pPr>
+      <a:lvl6pPr marR="0" lvl="5" algn="l" rtl="0">
+        <a:lnSpc>
+          <a:spcPct val="100000"/>
+        </a:lnSpc>
+        <a:spcBef>
+          <a:spcPts val="0"/>
+        </a:spcBef>
+        <a:spcAft>
+          <a:spcPts val="0"/>
+        </a:spcAft>
+        <a:buClr>
+          <a:srgbClr val="000000"/>
+        </a:buClr>
+        <a:buFont typeface="Arial"/>
+        <a:defRPr sz="1400" b="0" i="0" u="none" strike="noStrike" cap="none">
+          <a:solidFill>
+            <a:srgbClr val="000000"/>
+          </a:solidFill>
+          <a:latin typeface="Arial"/>
+          <a:ea typeface="Arial"/>
+          <a:cs typeface="Arial"/>
+          <a:sym typeface="Arial"/>
+        </a:defRPr>
+      </a:lvl6pPr>
+      <a:lvl7pPr marR="0" lvl="6" algn="l" rtl="0">
+        <a:lnSpc>
+          <a:spcPct val="100000"/>
+        </a:lnSpc>
+        <a:spcBef>
+          <a:spcPts val="0"/>
+        </a:spcBef>
+        <a:spcAft>
+          <a:spcPts val="0"/>
+        </a:spcAft>
+        <a:buClr>
+          <a:srgbClr val="000000"/>
+        </a:buClr>
+        <a:buFont typeface="Arial"/>
+        <a:defRPr sz="1400" b="0" i="0" u="none" strike="noStrike" cap="none">
+          <a:solidFill>
+            <a:srgbClr val="000000"/>
+          </a:solidFill>
+          <a:latin typeface="Arial"/>
+          <a:ea typeface="Arial"/>
+          <a:cs typeface="Arial"/>
+          <a:sym typeface="Arial"/>
+        </a:defRPr>
+      </a:lvl7pPr>
+      <a:lvl8pPr marR="0" lvl="7" algn="l" rtl="0">
+        <a:lnSpc>
+          <a:spcPct val="100000"/>
+        </a:lnSpc>
+        <a:spcBef>
+          <a:spcPts val="0"/>
+        </a:spcBef>
+        <a:spcAft>
+          <a:spcPts val="0"/>
+        </a:spcAft>
+        <a:buClr>
+          <a:srgbClr val="000000"/>
+        </a:buClr>
+        <a:buFont typeface="Arial"/>
+        <a:defRPr sz="1400" b="0" i="0" u="none" strike="noStrike" cap="none">
+          <a:solidFill>
+            <a:srgbClr val="000000"/>
+          </a:solidFill>
+          <a:latin typeface="Arial"/>
+          <a:ea typeface="Arial"/>
+          <a:cs typeface="Arial"/>
+          <a:sym typeface="Arial"/>
+        </a:defRPr>
+      </a:lvl8pPr>
+      <a:lvl9pPr marR="0" lvl="8" algn="l" rtl="0">
+        <a:lnSpc>
+          <a:spcPct val="100000"/>
+        </a:lnSpc>
+        <a:spcBef>
+          <a:spcPts val="0"/>
+        </a:spcBef>
+        <a:spcAft>
+          <a:spcPts val="0"/>
+        </a:spcAft>
+        <a:buClr>
+          <a:srgbClr val="000000"/>
+        </a:buClr>
+        <a:buFont typeface="Arial"/>
+        <a:defRPr sz="1400" b="0" i="0" u="none" strike="noStrike" cap="none">
+          <a:solidFill>
+            <a:srgbClr val="000000"/>
+          </a:solidFill>
+          <a:latin typeface="Arial"/>
+          <a:ea typeface="Arial"/>
+          <a:cs typeface="Arial"/>
+          <a:sym typeface="Arial"/>
+        </a:defRPr>
+      </a:lvl9pPr>
+    </p:otherStyle>
+  </p:txStyles>
+</p:sldMaster>
+</file>
+
 <file path=ppt/slides/slide1.xml><?xml version="1.0" encoding="utf-8"?>
+<p:sld xmlns:a="http://schemas.openxmlformats.org/drawingml/2006/main" xmlns:r="http://schemas.openxmlformats.org/officeDocument/2006/relationships" xmlns:p="http://schemas.openxmlformats.org/presentationml/2006/main">
+  <p:cSld>
+    <p:spTree>
+      <p:nvGrpSpPr>
+        <p:cNvPr id="1" name="Shape 53"/>
+        <p:cNvGrpSpPr/>
+        <p:nvPr/>
+      </p:nvGrpSpPr>
+      <p:grpSpPr>
+        <a:xfrm>
+          <a:off x="0" y="0"/>
+          <a:ext cx="0" cy="0"/>
+          <a:chOff x="0" y="0"/>
+          <a:chExt cx="0" cy="0"/>
+        </a:xfrm>
+      </p:grpSpPr>
+      <p:sp>
+        <p:nvSpPr>
+          <p:cNvPr id="2" name="Title 1">
+            <a:extLst>
+              <a:ext uri="{FF2B5EF4-FFF2-40B4-BE49-F238E27FC236}">
+                <a16:creationId xmlns:a16="http://schemas.microsoft.com/office/drawing/2014/main" id="{F50D5A36-4BCF-58EA-FD37-30AE2D106A25}"/>
+              </a:ext>
+            </a:extLst>
+          </p:cNvPr>
+          <p:cNvSpPr>
+            <a:spLocks noGrp="1"/>
+          </p:cNvSpPr>
+          <p:nvPr>
+            <p:ph type="title"/>
+          </p:nvPr>
+        </p:nvSpPr>
+        <p:spPr/>
+        <p:txBody>
+          <a:bodyPr/>
+          <a:lstStyle/>
+          <a:p>
+            <a:endParaRPr lang="en-GB"/>
+          </a:p>
+        </p:txBody>
+      </p:sp>
+      <p:sp>
+        <p:nvSpPr>
+          <p:cNvPr id="3" name="Text Placeholder 2">
+            <a:extLst>
+              <a:ext uri="{FF2B5EF4-FFF2-40B4-BE49-F238E27FC236}">
+                <a16:creationId xmlns:a16="http://schemas.microsoft.com/office/drawing/2014/main" id="{9286EFAB-9AA3-BA83-80E5-DCC314A567F4}"/>
+              </a:ext>
+            </a:extLst>
+          </p:cNvPr>
+          <p:cNvSpPr>
+            <a:spLocks noGrp="1"/>
+          </p:cNvSpPr>
+          <p:nvPr>
+            <p:ph type="body" idx="1"/>
+          </p:nvPr>
+        </p:nvSpPr>
+        <p:spPr/>
+        <p:txBody>
+          <a:bodyPr/>
+          <a:lstStyle/>
+          <a:p>
+            <a:endParaRPr lang="en-GB"/>
+          </a:p>
+        </p:txBody>
+      </p:sp>
+      <p:pic>
+        <p:nvPicPr>
+          <p:cNvPr id="56" name="Google Shape;56;p13"/>
+          <p:cNvPicPr preferRelativeResize="0"/>
+          <p:nvPr/>
+        </p:nvPicPr>
+        <p:blipFill>
+          <a:blip r:embed="rId3">
+            <a:alphaModFix/>
+          </a:blip>
+          <a:stretch>
+            <a:fillRect/>
+          </a:stretch>
+        </p:blipFill>
+        <p:spPr>
+          <a:xfrm>
+            <a:off x="0" y="0"/>
+            <a:ext cx="12192000" cy="6858000"/>
+          </a:xfrm>
+          <a:prstGeom prst="rect">
+            <a:avLst/>
+          </a:prstGeom>
+          <a:noFill/>
+          <a:ln>
+            <a:noFill/>
+          </a:ln>
+        </p:spPr>
+      </p:pic>
+      <p:sp>
+        <p:nvSpPr>
+          <p:cNvPr id="57" name="Google Shape;57;p13"/>
+          <p:cNvSpPr txBox="1"/>
+          <p:nvPr/>
+        </p:nvSpPr>
+        <p:spPr>
+          <a:xfrm>
+            <a:off x="406400" y="406400"/>
+            <a:ext cx="4000000" cy="4000000"/>
+          </a:xfrm>
+          <a:prstGeom prst="rect">
+            <a:avLst/>
+          </a:prstGeom>
+          <a:noFill/>
+          <a:ln>
+            <a:noFill/>
+          </a:ln>
+        </p:spPr>
+        <p:txBody>
+          <a:bodyPr spcFirstLastPara="1" wrap="square" lIns="121900" tIns="121900" rIns="121900" bIns="121900" anchor="ctr" anchorCtr="0">
+            <a:noAutofit/>
+          </a:bodyPr>
+          <a:lstStyle>
+            <a:defPPr marR="0" lvl="0" algn="l" rtl="0">
+              <a:lnSpc>
+                <a:spcPct val="100000"/>
+              </a:lnSpc>
+              <a:spcBef>
+                <a:spcPts val="0"/>
+              </a:spcBef>
+              <a:spcAft>
+                <a:spcPts val="0"/>
+              </a:spcAft>
+            </a:defPPr>
+            <a:lvl1pPr marR="0" lvl="0" algn="l" rtl="0">
+              <a:lnSpc>
+                <a:spcPct val="100000"/>
+              </a:lnSpc>
+              <a:spcBef>
+                <a:spcPts val="0"/>
+              </a:spcBef>
+              <a:spcAft>
+                <a:spcPts val="0"/>
+              </a:spcAft>
+              <a:buClr>
+                <a:srgbClr val="000000"/>
+              </a:buClr>
+              <a:buFont typeface="Arial"/>
+              <a:defRPr sz="1867" b="0" i="0" u="none" strike="noStrike" cap="none">
+                <a:solidFill>
+                  <a:srgbClr val="000000"/>
+                </a:solidFill>
+                <a:latin typeface="Arial"/>
+                <a:ea typeface="Arial"/>
+                <a:cs typeface="Arial"/>
+                <a:sym typeface="Arial"/>
+              </a:defRPr>
+            </a:lvl1pPr>
+            <a:lvl2pPr marR="0" lvl="1" algn="l" rtl="0">
+              <a:lnSpc>
+                <a:spcPct val="100000"/>
+              </a:lnSpc>
+              <a:spcBef>
+                <a:spcPts val="0"/>
+              </a:spcBef>
+              <a:spcAft>
+                <a:spcPts val="0"/>
+              </a:spcAft>
+              <a:buClr>
+                <a:srgbClr val="000000"/>
+              </a:buClr>
+              <a:buFont typeface="Arial"/>
+              <a:defRPr sz="1867" b="0" i="0" u="none" strike="noStrike" cap="none">
+                <a:solidFill>
+                  <a:srgbClr val="000000"/>
+                </a:solidFill>
+                <a:latin typeface="Arial"/>
+                <a:ea typeface="Arial"/>
+                <a:cs typeface="Arial"/>
+                <a:sym typeface="Arial"/>
+              </a:defRPr>
+            </a:lvl2pPr>
+            <a:lvl3pPr marR="0" lvl="2" algn="l" rtl="0">
+              <a:lnSpc>
+                <a:spcPct val="100000"/>
+              </a:lnSpc>
+              <a:spcBef>
+                <a:spcPts val="0"/>
+              </a:spcBef>
+              <a:spcAft>
+                <a:spcPts val="0"/>
+              </a:spcAft>
+              <a:buClr>
+                <a:srgbClr val="000000"/>
+              </a:buClr>
+              <a:buFont typeface="Arial"/>
+              <a:defRPr sz="1867" b="0" i="0" u="none" strike="noStrike" cap="none">
+                <a:solidFill>
+                  <a:srgbClr val="000000"/>
+                </a:solidFill>
+                <a:latin typeface="Arial"/>
+                <a:ea typeface="Arial"/>
+                <a:cs typeface="Arial"/>
+                <a:sym typeface="Arial"/>
+              </a:defRPr>
+            </a:lvl3pPr>
+            <a:lvl4pPr marR="0" lvl="3" algn="l" rtl="0">
+              <a:lnSpc>
+                <a:spcPct val="100000"/>
+              </a:lnSpc>
+              <a:spcBef>
+                <a:spcPts val="0"/>
+              </a:spcBef>
+              <a:spcAft>
+                <a:spcPts val="0"/>
+              </a:spcAft>
+              <a:buClr>
+                <a:srgbClr val="000000"/>
+              </a:buClr>
+              <a:buFont typeface="Arial"/>
+              <a:defRPr sz="1867" b="0" i="0" u="none" strike="noStrike" cap="none">
+                <a:solidFill>
+                  <a:srgbClr val="000000"/>
+                </a:solidFill>
+                <a:latin typeface="Arial"/>
+                <a:ea typeface="Arial"/>
+                <a:cs typeface="Arial"/>
+                <a:sym typeface="Arial"/>
+              </a:defRPr>
+            </a:lvl4pPr>
+            <a:lvl5pPr marR="0" lvl="4" algn="l" rtl="0">
+              <a:lnSpc>
+                <a:spcPct val="100000"/>
+              </a:lnSpc>
+              <a:spcBef>
+                <a:spcPts val="0"/>
+              </a:spcBef>
+              <a:spcAft>
+                <a:spcPts val="0"/>
+              </a:spcAft>
+              <a:buClr>
+                <a:srgbClr val="000000"/>
+              </a:buClr>
+              <a:buFont typeface="Arial"/>
+              <a:defRPr sz="1867" b="0" i="0" u="none" strike="noStrike" cap="none">
+                <a:solidFill>
+                  <a:srgbClr val="000000"/>
+                </a:solidFill>
+                <a:latin typeface="Arial"/>
+                <a:ea typeface="Arial"/>
+                <a:cs typeface="Arial"/>
+                <a:sym typeface="Arial"/>
+              </a:defRPr>
+            </a:lvl5pPr>
+            <a:lvl6pPr marR="0" lvl="5" algn="l" rtl="0">
+              <a:lnSpc>
+                <a:spcPct val="100000"/>
+              </a:lnSpc>
+              <a:spcBef>
+                <a:spcPts val="0"/>
+              </a:spcBef>
+              <a:spcAft>
+                <a:spcPts val="0"/>
+              </a:spcAft>
+              <a:buClr>
+                <a:srgbClr val="000000"/>
+              </a:buClr>
+              <a:buFont typeface="Arial"/>
+              <a:defRPr sz="1867" b="0" i="0" u="none" strike="noStrike" cap="none">
+                <a:solidFill>
+                  <a:srgbClr val="000000"/>
+                </a:solidFill>
+                <a:latin typeface="Arial"/>
+                <a:ea typeface="Arial"/>
+                <a:cs typeface="Arial"/>
+                <a:sym typeface="Arial"/>
+              </a:defRPr>
+            </a:lvl6pPr>
+            <a:lvl7pPr marR="0" lvl="6" algn="l" rtl="0">
+              <a:lnSpc>
+                <a:spcPct val="100000"/>
+              </a:lnSpc>
+              <a:spcBef>
+                <a:spcPts val="0"/>
+              </a:spcBef>
+              <a:spcAft>
+                <a:spcPts val="0"/>
+              </a:spcAft>
+              <a:buClr>
+                <a:srgbClr val="000000"/>
+              </a:buClr>
+              <a:buFont typeface="Arial"/>
+              <a:defRPr sz="1867" b="0" i="0" u="none" strike="noStrike" cap="none">
+                <a:solidFill>
+                  <a:srgbClr val="000000"/>
+                </a:solidFill>
+                <a:latin typeface="Arial"/>
+                <a:ea typeface="Arial"/>
+                <a:cs typeface="Arial"/>
+                <a:sym typeface="Arial"/>
+              </a:defRPr>
+            </a:lvl7pPr>
+            <a:lvl8pPr marR="0" lvl="7" algn="l" rtl="0">
+              <a:lnSpc>
+                <a:spcPct val="100000"/>
+              </a:lnSpc>
+              <a:spcBef>
+                <a:spcPts val="0"/>
+              </a:spcBef>
+              <a:spcAft>
+                <a:spcPts val="0"/>
+              </a:spcAft>
+              <a:buClr>
+                <a:srgbClr val="000000"/>
+              </a:buClr>
+              <a:buFont typeface="Arial"/>
+              <a:defRPr sz="1867" b="0" i="0" u="none" strike="noStrike" cap="none">
+                <a:solidFill>
+                  <a:srgbClr val="000000"/>
+                </a:solidFill>
+                <a:latin typeface="Arial"/>
+                <a:ea typeface="Arial"/>
+                <a:cs typeface="Arial"/>
+                <a:sym typeface="Arial"/>
+              </a:defRPr>
+            </a:lvl8pPr>
+            <a:lvl9pPr marR="0" lvl="8" algn="l" rtl="0">
+              <a:lnSpc>
+                <a:spcPct val="100000"/>
+              </a:lnSpc>
+              <a:spcBef>
+                <a:spcPts val="0"/>
+              </a:spcBef>
+              <a:spcAft>
+                <a:spcPts val="0"/>
+              </a:spcAft>
+              <a:buClr>
+                <a:srgbClr val="000000"/>
+              </a:buClr>
+              <a:buFont typeface="Arial"/>
+              <a:defRPr sz="1867" b="0" i="0" u="none" strike="noStrike" cap="none">
+                <a:solidFill>
+                  <a:srgbClr val="000000"/>
+                </a:solidFill>
+                <a:latin typeface="Arial"/>
+                <a:ea typeface="Arial"/>
+                <a:cs typeface="Arial"/>
+                <a:sym typeface="Arial"/>
+              </a:defRPr>
+            </a:lvl9pPr>
+          </a:lstStyle>
+          <a:p>
+            <a:pPr marL="0" lvl="0" indent="0" algn="l" rtl="0">
+              <a:spcBef>
+                <a:spcPts val="0"/>
+              </a:spcBef>
+              <a:spcAft>
+                <a:spcPts val="0"/>
+              </a:spcAft>
+              <a:buNone/>
+            </a:pPr>
+            <a:r>
+              <a:rPr lang="en" sz="2489"/>
+              <a:t> </a:t>
+            </a:r>
+            <a:endParaRPr sz="2489"/>
+          </a:p>
+        </p:txBody>
+      </p:sp>
+      <p:sp>
+        <p:nvSpPr>
+          <p:cNvPr id="4" name="TextBox 3">
+            <a:extLst>
+              <a:ext uri="{FF2B5EF4-FFF2-40B4-BE49-F238E27FC236}">
+                <a16:creationId xmlns:a16="http://schemas.microsoft.com/office/drawing/2014/main" id="{F030EB0A-25B0-8BDD-1F64-1FEFE8D45FBF}"/>
+              </a:ext>
+            </a:extLst>
+          </p:cNvPr>
+          <p:cNvSpPr txBox="1"/>
+          <p:nvPr/>
+        </p:nvSpPr>
+        <p:spPr>
+          <a:xfrm>
+            <a:off x="2284156" y="2100403"/>
+            <a:ext cx="7913391" cy="1938992"/>
+          </a:xfrm>
+          <a:prstGeom prst="rect">
+            <a:avLst/>
+          </a:prstGeom>
+          <a:noFill/>
+        </p:spPr>
+        <p:txBody>
+          <a:bodyPr wrap="square" rtlCol="0">
+            <a:spAutoFit/>
+          </a:bodyPr>
+          <a:lstStyle/>
+          <a:p>
+            <a:pPr algn="ctr"/>
+            <a:r>
+              <a:rPr lang="en-GB" sz="6000" b="1" dirty="0"/>
+              <a:t>Get to know 4TU.ResearchData</a:t>
+            </a:r>
+            <a:endParaRPr lang="en-GB" sz="6000" dirty="0"/>
+          </a:p>
+        </p:txBody>
+      </p:sp>
+    </p:spTree>
+    <p:extLst>
+      <p:ext uri="{BB962C8B-B14F-4D97-AF65-F5344CB8AC3E}">
+        <p14:creationId xmlns:p14="http://schemas.microsoft.com/office/powerpoint/2010/main" val="625847450"/>
+      </p:ext>
+    </p:extLst>
+  </p:cSld>
+  <p:clrMapOvr>
+    <a:masterClrMapping/>
+  </p:clrMapOvr>
+</p:sld>
+</file>
+
+<file path=ppt/slides/slide10.xml><?xml version="1.0" encoding="utf-8"?>
 <p:sld xmlns:a="http://schemas.openxmlformats.org/drawingml/2006/main" xmlns:r="http://schemas.openxmlformats.org/officeDocument/2006/relationships" xmlns:p="http://schemas.openxmlformats.org/presentationml/2006/main">
   <p:cSld>
     <p:spTree>
@@ -3352,86 +7495,196 @@
           <a:chExt cx="0" cy="0"/>
         </a:xfrm>
       </p:grpSpPr>
-      <p:sp>
-        <p:nvSpPr>
-          <p:cNvPr id="2" name="Title 1">
+      <p:pic>
+        <p:nvPicPr>
+          <p:cNvPr id="16" name="Picture 15">
             <a:extLst>
               <a:ext uri="{FF2B5EF4-FFF2-40B4-BE49-F238E27FC236}">
-                <a16:creationId xmlns:a16="http://schemas.microsoft.com/office/drawing/2014/main" id="{E67579DE-7C1B-28A7-CE8A-764E28BA2229}"/>
-              </a:ext>
-            </a:extLst>
-          </p:cNvPr>
-          <p:cNvSpPr>
-            <a:spLocks noGrp="1"/>
-          </p:cNvSpPr>
-          <p:nvPr>
-            <p:ph type="ctrTitle"/>
-          </p:nvPr>
-        </p:nvSpPr>
-        <p:spPr/>
-        <p:txBody>
-          <a:bodyPr/>
-          <a:lstStyle/>
-          <a:p>
-            <a:r>
-              <a:rPr lang="en-GB" sz="6000" b="1" dirty="0"/>
-              <a:t>Get to know 4TU.ResearchData</a:t>
-            </a:r>
-            <a:endParaRPr lang="en-GB" dirty="0"/>
-          </a:p>
-        </p:txBody>
-      </p:sp>
-      <p:pic>
-        <p:nvPicPr>
-          <p:cNvPr id="1026" name="Picture 2" descr="4TU.ResearchData">
-            <a:extLst>
-              <a:ext uri="{FF2B5EF4-FFF2-40B4-BE49-F238E27FC236}">
-                <a16:creationId xmlns:a16="http://schemas.microsoft.com/office/drawing/2014/main" id="{AFC0AFDC-B91D-ECFF-1006-C362DD8078D1}"/>
+                <a16:creationId xmlns:a16="http://schemas.microsoft.com/office/drawing/2014/main" id="{943732EA-9240-CA8F-81F6-20C52A78F6EC}"/>
               </a:ext>
             </a:extLst>
           </p:cNvPr>
           <p:cNvPicPr>
-            <a:picLocks noChangeAspect="1" noChangeArrowheads="1"/>
+            <a:picLocks noChangeAspect="1"/>
           </p:cNvPicPr>
           <p:nvPr/>
         </p:nvPicPr>
         <p:blipFill>
-          <a:blip r:embed="rId2">
-            <a:extLst>
-              <a:ext uri="{28A0092B-C50C-407E-A947-70E740481C1C}">
-                <a14:useLocalDpi xmlns:a14="http://schemas.microsoft.com/office/drawing/2010/main" val="0"/>
-              </a:ext>
-            </a:extLst>
-          </a:blip>
-          <a:srcRect/>
+          <a:blip r:embed="rId3"/>
           <a:stretch>
             <a:fillRect/>
           </a:stretch>
         </p:blipFill>
-        <p:spPr bwMode="auto">
+        <p:spPr>
           <a:xfrm>
-            <a:off x="1671734" y="3603269"/>
-            <a:ext cx="8661920" cy="2598576"/>
+            <a:off x="828394" y="0"/>
+            <a:ext cx="10535212" cy="6858000"/>
+          </a:xfrm>
+          <a:prstGeom prst="rect">
+            <a:avLst/>
+          </a:prstGeom>
+        </p:spPr>
+      </p:pic>
+      <p:sp>
+        <p:nvSpPr>
+          <p:cNvPr id="12" name="Rectangle 11">
+            <a:extLst>
+              <a:ext uri="{FF2B5EF4-FFF2-40B4-BE49-F238E27FC236}">
+                <a16:creationId xmlns:a16="http://schemas.microsoft.com/office/drawing/2014/main" id="{FDB50566-3FDA-4612-6EBE-45F8C40134D0}"/>
+              </a:ext>
+            </a:extLst>
+          </p:cNvPr>
+          <p:cNvSpPr/>
+          <p:nvPr/>
+        </p:nvSpPr>
+        <p:spPr>
+          <a:xfrm>
+            <a:off x="8191500" y="3644900"/>
+            <a:ext cx="3060700" cy="1104900"/>
           </a:xfrm>
           <a:prstGeom prst="rect">
             <a:avLst/>
           </a:prstGeom>
           <a:noFill/>
-          <a:extLst>
-            <a:ext uri="{909E8E84-426E-40DD-AFC4-6F175D3DCCD1}">
-              <a14:hiddenFill xmlns:a14="http://schemas.microsoft.com/office/drawing/2010/main">
-                <a:solidFill>
-                  <a:srgbClr val="FFFFFF"/>
-                </a:solidFill>
-              </a14:hiddenFill>
-            </a:ext>
-          </a:extLst>
+          <a:ln w="38100">
+            <a:solidFill>
+              <a:schemeClr val="tx1"/>
+            </a:solidFill>
+          </a:ln>
         </p:spPr>
-      </p:pic>
+        <p:style>
+          <a:lnRef idx="2">
+            <a:schemeClr val="accent1">
+              <a:shade val="15000"/>
+            </a:schemeClr>
+          </a:lnRef>
+          <a:fillRef idx="1">
+            <a:schemeClr val="accent1"/>
+          </a:fillRef>
+          <a:effectRef idx="0">
+            <a:schemeClr val="accent1"/>
+          </a:effectRef>
+          <a:fontRef idx="minor">
+            <a:schemeClr val="lt1"/>
+          </a:fontRef>
+        </p:style>
+        <p:txBody>
+          <a:bodyPr rtlCol="0" anchor="ctr"/>
+          <a:lstStyle/>
+          <a:p>
+            <a:pPr algn="ctr"/>
+            <a:endParaRPr lang="en-GB"/>
+          </a:p>
+        </p:txBody>
+      </p:sp>
+      <p:sp>
+        <p:nvSpPr>
+          <p:cNvPr id="13" name="Rectangle 12">
+            <a:extLst>
+              <a:ext uri="{FF2B5EF4-FFF2-40B4-BE49-F238E27FC236}">
+                <a16:creationId xmlns:a16="http://schemas.microsoft.com/office/drawing/2014/main" id="{F8F95114-4EBE-E28B-2D3E-4AC4E1020038}"/>
+              </a:ext>
+            </a:extLst>
+          </p:cNvPr>
+          <p:cNvSpPr/>
+          <p:nvPr/>
+        </p:nvSpPr>
+        <p:spPr>
+          <a:xfrm>
+            <a:off x="5462392" y="2245513"/>
+            <a:ext cx="2513208" cy="370687"/>
+          </a:xfrm>
+          <a:prstGeom prst="rect">
+            <a:avLst/>
+          </a:prstGeom>
+          <a:noFill/>
+          <a:ln w="38100">
+            <a:solidFill>
+              <a:schemeClr val="tx1"/>
+            </a:solidFill>
+          </a:ln>
+        </p:spPr>
+        <p:style>
+          <a:lnRef idx="2">
+            <a:schemeClr val="accent1">
+              <a:shade val="15000"/>
+            </a:schemeClr>
+          </a:lnRef>
+          <a:fillRef idx="1">
+            <a:schemeClr val="accent1"/>
+          </a:fillRef>
+          <a:effectRef idx="0">
+            <a:schemeClr val="accent1"/>
+          </a:effectRef>
+          <a:fontRef idx="minor">
+            <a:schemeClr val="lt1"/>
+          </a:fontRef>
+        </p:style>
+        <p:txBody>
+          <a:bodyPr rtlCol="0" anchor="ctr"/>
+          <a:lstStyle/>
+          <a:p>
+            <a:pPr algn="ctr"/>
+            <a:endParaRPr lang="en-GB"/>
+          </a:p>
+        </p:txBody>
+      </p:sp>
+      <p:sp>
+        <p:nvSpPr>
+          <p:cNvPr id="14" name="Rectangle 13">
+            <a:extLst>
+              <a:ext uri="{FF2B5EF4-FFF2-40B4-BE49-F238E27FC236}">
+                <a16:creationId xmlns:a16="http://schemas.microsoft.com/office/drawing/2014/main" id="{158E0696-390B-E5BE-B55A-E54FAE9AC909}"/>
+              </a:ext>
+            </a:extLst>
+          </p:cNvPr>
+          <p:cNvSpPr/>
+          <p:nvPr/>
+        </p:nvSpPr>
+        <p:spPr>
+          <a:xfrm>
+            <a:off x="802994" y="1036626"/>
+            <a:ext cx="2221108" cy="370687"/>
+          </a:xfrm>
+          <a:prstGeom prst="rect">
+            <a:avLst/>
+          </a:prstGeom>
+          <a:noFill/>
+          <a:ln w="38100">
+            <a:solidFill>
+              <a:schemeClr val="tx1"/>
+            </a:solidFill>
+          </a:ln>
+        </p:spPr>
+        <p:style>
+          <a:lnRef idx="2">
+            <a:schemeClr val="accent1">
+              <a:shade val="15000"/>
+            </a:schemeClr>
+          </a:lnRef>
+          <a:fillRef idx="1">
+            <a:schemeClr val="accent1"/>
+          </a:fillRef>
+          <a:effectRef idx="0">
+            <a:schemeClr val="accent1"/>
+          </a:effectRef>
+          <a:fontRef idx="minor">
+            <a:schemeClr val="lt1"/>
+          </a:fontRef>
+        </p:style>
+        <p:txBody>
+          <a:bodyPr rtlCol="0" anchor="ctr"/>
+          <a:lstStyle/>
+          <a:p>
+            <a:pPr algn="ctr"/>
+            <a:endParaRPr lang="en-GB"/>
+          </a:p>
+        </p:txBody>
+      </p:sp>
     </p:spTree>
     <p:extLst>
       <p:ext uri="{BB962C8B-B14F-4D97-AF65-F5344CB8AC3E}">
-        <p14:creationId xmlns:p14="http://schemas.microsoft.com/office/powerpoint/2010/main" val="2992881324"/>
+        <p14:creationId xmlns:p14="http://schemas.microsoft.com/office/powerpoint/2010/main" val="2562838817"/>
       </p:ext>
     </p:extLst>
   </p:cSld>
@@ -3441,7 +7694,7 @@
 </p:sld>
 </file>
 
-<file path=ppt/slides/slide2.xml><?xml version="1.0" encoding="utf-8"?>
+<file path=ppt/slides/slide11.xml><?xml version="1.0" encoding="utf-8"?>
 <p:sld xmlns:a="http://schemas.openxmlformats.org/drawingml/2006/main" xmlns:r="http://schemas.openxmlformats.org/officeDocument/2006/relationships" xmlns:p="http://schemas.openxmlformats.org/presentationml/2006/main">
   <p:cSld>
     <p:spTree>
@@ -3463,7 +7716,7 @@
           <p:cNvPr id="2" name="Title 1">
             <a:extLst>
               <a:ext uri="{FF2B5EF4-FFF2-40B4-BE49-F238E27FC236}">
-                <a16:creationId xmlns:a16="http://schemas.microsoft.com/office/drawing/2014/main" id="{B2756EDC-5612-0105-D479-F090216D8C49}"/>
+                <a16:creationId xmlns:a16="http://schemas.microsoft.com/office/drawing/2014/main" id="{8AED416B-D0C1-2651-7ED6-8A554205480A}"/>
               </a:ext>
             </a:extLst>
           </p:cNvPr>
@@ -3481,8 +7734,1122 @@
           <a:p>
             <a:r>
               <a:rPr lang="en-GB" dirty="0"/>
-              <a:t>Schedule</a:t>
-            </a:r>
+              <a:t>Walk through the 4TU repository </a:t>
+            </a:r>
+          </a:p>
+        </p:txBody>
+      </p:sp>
+      <p:pic>
+        <p:nvPicPr>
+          <p:cNvPr id="7" name="Picture 6">
+            <a:extLst>
+              <a:ext uri="{FF2B5EF4-FFF2-40B4-BE49-F238E27FC236}">
+                <a16:creationId xmlns:a16="http://schemas.microsoft.com/office/drawing/2014/main" id="{14DE4EE3-7320-7497-6E39-BF2ED10B51D2}"/>
+              </a:ext>
+            </a:extLst>
+          </p:cNvPr>
+          <p:cNvPicPr>
+            <a:picLocks noChangeAspect="1"/>
+          </p:cNvPicPr>
+          <p:nvPr/>
+        </p:nvPicPr>
+        <p:blipFill rotWithShape="1">
+          <a:blip r:embed="rId3"/>
+          <a:srcRect t="11111" r="50208" b="19259"/>
+          <a:stretch/>
+        </p:blipFill>
+        <p:spPr>
+          <a:xfrm>
+            <a:off x="0" y="1632880"/>
+            <a:ext cx="12090400" cy="4755220"/>
+          </a:xfrm>
+          <a:prstGeom prst="rect">
+            <a:avLst/>
+          </a:prstGeom>
+        </p:spPr>
+      </p:pic>
+      <p:sp>
+        <p:nvSpPr>
+          <p:cNvPr id="8" name="TextBox 7">
+            <a:extLst>
+              <a:ext uri="{FF2B5EF4-FFF2-40B4-BE49-F238E27FC236}">
+                <a16:creationId xmlns:a16="http://schemas.microsoft.com/office/drawing/2014/main" id="{8555AA77-864E-5CC5-3517-7ABC1627885F}"/>
+              </a:ext>
+            </a:extLst>
+          </p:cNvPr>
+          <p:cNvSpPr txBox="1"/>
+          <p:nvPr/>
+        </p:nvSpPr>
+        <p:spPr>
+          <a:xfrm>
+            <a:off x="9588500" y="6262042"/>
+            <a:ext cx="2298963" cy="461665"/>
+          </a:xfrm>
+          <a:prstGeom prst="rect">
+            <a:avLst/>
+          </a:prstGeom>
+          <a:noFill/>
+        </p:spPr>
+        <p:txBody>
+          <a:bodyPr wrap="none" rtlCol="0">
+            <a:spAutoFit/>
+          </a:bodyPr>
+          <a:lstStyle/>
+          <a:p>
+            <a:r>
+              <a:rPr lang="en-GB" sz="2400" dirty="0"/>
+              <a:t>Go to data.4tu.nl</a:t>
+            </a:r>
+          </a:p>
+        </p:txBody>
+      </p:sp>
+    </p:spTree>
+    <p:extLst>
+      <p:ext uri="{BB962C8B-B14F-4D97-AF65-F5344CB8AC3E}">
+        <p14:creationId xmlns:p14="http://schemas.microsoft.com/office/powerpoint/2010/main" val="274154875"/>
+      </p:ext>
+    </p:extLst>
+  </p:cSld>
+  <p:clrMapOvr>
+    <a:masterClrMapping/>
+  </p:clrMapOvr>
+</p:sld>
+</file>
+
+<file path=ppt/slides/slide12.xml><?xml version="1.0" encoding="utf-8"?>
+<p:sld xmlns:a="http://schemas.openxmlformats.org/drawingml/2006/main" xmlns:r="http://schemas.openxmlformats.org/officeDocument/2006/relationships" xmlns:p="http://schemas.openxmlformats.org/presentationml/2006/main">
+  <p:cSld>
+    <p:spTree>
+      <p:nvGrpSpPr>
+        <p:cNvPr id="1" name=""/>
+        <p:cNvGrpSpPr/>
+        <p:nvPr/>
+      </p:nvGrpSpPr>
+      <p:grpSpPr>
+        <a:xfrm>
+          <a:off x="0" y="0"/>
+          <a:ext cx="0" cy="0"/>
+          <a:chOff x="0" y="0"/>
+          <a:chExt cx="0" cy="0"/>
+        </a:xfrm>
+      </p:grpSpPr>
+      <p:sp>
+        <p:nvSpPr>
+          <p:cNvPr id="2" name="Title 1">
+            <a:extLst>
+              <a:ext uri="{FF2B5EF4-FFF2-40B4-BE49-F238E27FC236}">
+                <a16:creationId xmlns:a16="http://schemas.microsoft.com/office/drawing/2014/main" id="{8AED416B-D0C1-2651-7ED6-8A554205480A}"/>
+              </a:ext>
+            </a:extLst>
+          </p:cNvPr>
+          <p:cNvSpPr>
+            <a:spLocks noGrp="1"/>
+          </p:cNvSpPr>
+          <p:nvPr>
+            <p:ph type="title"/>
+          </p:nvPr>
+        </p:nvSpPr>
+        <p:spPr/>
+        <p:txBody>
+          <a:bodyPr/>
+          <a:lstStyle/>
+          <a:p>
+            <a:r>
+              <a:rPr lang="en-GB" dirty="0"/>
+              <a:t>Step1 : Log in </a:t>
+            </a:r>
+          </a:p>
+        </p:txBody>
+      </p:sp>
+      <p:sp>
+        <p:nvSpPr>
+          <p:cNvPr id="8" name="TextBox 7">
+            <a:extLst>
+              <a:ext uri="{FF2B5EF4-FFF2-40B4-BE49-F238E27FC236}">
+                <a16:creationId xmlns:a16="http://schemas.microsoft.com/office/drawing/2014/main" id="{8555AA77-864E-5CC5-3517-7ABC1627885F}"/>
+              </a:ext>
+            </a:extLst>
+          </p:cNvPr>
+          <p:cNvSpPr txBox="1"/>
+          <p:nvPr/>
+        </p:nvSpPr>
+        <p:spPr>
+          <a:xfrm>
+            <a:off x="9588500" y="6262042"/>
+            <a:ext cx="2298963" cy="461665"/>
+          </a:xfrm>
+          <a:prstGeom prst="rect">
+            <a:avLst/>
+          </a:prstGeom>
+          <a:noFill/>
+        </p:spPr>
+        <p:txBody>
+          <a:bodyPr wrap="none" rtlCol="0">
+            <a:spAutoFit/>
+          </a:bodyPr>
+          <a:lstStyle/>
+          <a:p>
+            <a:r>
+              <a:rPr lang="en-GB" sz="2400" dirty="0"/>
+              <a:t>Go to data.4tu.nl</a:t>
+            </a:r>
+          </a:p>
+        </p:txBody>
+      </p:sp>
+      <p:pic>
+        <p:nvPicPr>
+          <p:cNvPr id="4" name="Picture 3">
+            <a:extLst>
+              <a:ext uri="{FF2B5EF4-FFF2-40B4-BE49-F238E27FC236}">
+                <a16:creationId xmlns:a16="http://schemas.microsoft.com/office/drawing/2014/main" id="{374082B1-90D6-6D74-4473-B0E1E7D8DE68}"/>
+              </a:ext>
+            </a:extLst>
+          </p:cNvPr>
+          <p:cNvPicPr>
+            <a:picLocks noChangeAspect="1"/>
+          </p:cNvPicPr>
+          <p:nvPr/>
+        </p:nvPicPr>
+        <p:blipFill rotWithShape="1">
+          <a:blip r:embed="rId3"/>
+          <a:srcRect l="22899" r="22105"/>
+          <a:stretch/>
+        </p:blipFill>
+        <p:spPr>
+          <a:xfrm>
+            <a:off x="4210106" y="412286"/>
+            <a:ext cx="5137094" cy="6080589"/>
+          </a:xfrm>
+          <a:prstGeom prst="rect">
+            <a:avLst/>
+          </a:prstGeom>
+        </p:spPr>
+      </p:pic>
+    </p:spTree>
+    <p:extLst>
+      <p:ext uri="{BB962C8B-B14F-4D97-AF65-F5344CB8AC3E}">
+        <p14:creationId xmlns:p14="http://schemas.microsoft.com/office/powerpoint/2010/main" val="1146711262"/>
+      </p:ext>
+    </p:extLst>
+  </p:cSld>
+  <p:clrMapOvr>
+    <a:masterClrMapping/>
+  </p:clrMapOvr>
+</p:sld>
+</file>
+
+<file path=ppt/slides/slide13.xml><?xml version="1.0" encoding="utf-8"?>
+<p:sld xmlns:a="http://schemas.openxmlformats.org/drawingml/2006/main" xmlns:r="http://schemas.openxmlformats.org/officeDocument/2006/relationships" xmlns:p="http://schemas.openxmlformats.org/presentationml/2006/main">
+  <p:cSld>
+    <p:spTree>
+      <p:nvGrpSpPr>
+        <p:cNvPr id="1" name=""/>
+        <p:cNvGrpSpPr/>
+        <p:nvPr/>
+      </p:nvGrpSpPr>
+      <p:grpSpPr>
+        <a:xfrm>
+          <a:off x="0" y="0"/>
+          <a:ext cx="0" cy="0"/>
+          <a:chOff x="0" y="0"/>
+          <a:chExt cx="0" cy="0"/>
+        </a:xfrm>
+      </p:grpSpPr>
+      <p:sp>
+        <p:nvSpPr>
+          <p:cNvPr id="2" name="Title 1">
+            <a:extLst>
+              <a:ext uri="{FF2B5EF4-FFF2-40B4-BE49-F238E27FC236}">
+                <a16:creationId xmlns:a16="http://schemas.microsoft.com/office/drawing/2014/main" id="{8AED416B-D0C1-2651-7ED6-8A554205480A}"/>
+              </a:ext>
+            </a:extLst>
+          </p:cNvPr>
+          <p:cNvSpPr>
+            <a:spLocks noGrp="1"/>
+          </p:cNvSpPr>
+          <p:nvPr>
+            <p:ph type="title"/>
+          </p:nvPr>
+        </p:nvSpPr>
+        <p:spPr/>
+        <p:txBody>
+          <a:bodyPr/>
+          <a:lstStyle/>
+          <a:p>
+            <a:r>
+              <a:rPr lang="en-GB" dirty="0"/>
+              <a:t>Step2 : Create a dataset</a:t>
+            </a:r>
+          </a:p>
+        </p:txBody>
+      </p:sp>
+      <p:sp>
+        <p:nvSpPr>
+          <p:cNvPr id="8" name="TextBox 7">
+            <a:extLst>
+              <a:ext uri="{FF2B5EF4-FFF2-40B4-BE49-F238E27FC236}">
+                <a16:creationId xmlns:a16="http://schemas.microsoft.com/office/drawing/2014/main" id="{8555AA77-864E-5CC5-3517-7ABC1627885F}"/>
+              </a:ext>
+            </a:extLst>
+          </p:cNvPr>
+          <p:cNvSpPr txBox="1"/>
+          <p:nvPr/>
+        </p:nvSpPr>
+        <p:spPr>
+          <a:xfrm>
+            <a:off x="9588500" y="6262042"/>
+            <a:ext cx="2298963" cy="461665"/>
+          </a:xfrm>
+          <a:prstGeom prst="rect">
+            <a:avLst/>
+          </a:prstGeom>
+          <a:noFill/>
+        </p:spPr>
+        <p:txBody>
+          <a:bodyPr wrap="none" rtlCol="0">
+            <a:spAutoFit/>
+          </a:bodyPr>
+          <a:lstStyle/>
+          <a:p>
+            <a:r>
+              <a:rPr lang="en-GB" sz="2400" dirty="0"/>
+              <a:t>Go to data.4tu.nl</a:t>
+            </a:r>
+          </a:p>
+        </p:txBody>
+      </p:sp>
+      <p:pic>
+        <p:nvPicPr>
+          <p:cNvPr id="5" name="Picture 4">
+            <a:extLst>
+              <a:ext uri="{FF2B5EF4-FFF2-40B4-BE49-F238E27FC236}">
+                <a16:creationId xmlns:a16="http://schemas.microsoft.com/office/drawing/2014/main" id="{909EAC5E-A72A-F030-5734-3A9CC5291645}"/>
+              </a:ext>
+            </a:extLst>
+          </p:cNvPr>
+          <p:cNvPicPr>
+            <a:picLocks noChangeAspect="1"/>
+          </p:cNvPicPr>
+          <p:nvPr/>
+        </p:nvPicPr>
+        <p:blipFill>
+          <a:blip r:embed="rId3"/>
+          <a:stretch>
+            <a:fillRect/>
+          </a:stretch>
+        </p:blipFill>
+        <p:spPr>
+          <a:xfrm>
+            <a:off x="977900" y="1369009"/>
+            <a:ext cx="8010806" cy="5214713"/>
+          </a:xfrm>
+          <a:prstGeom prst="rect">
+            <a:avLst/>
+          </a:prstGeom>
+        </p:spPr>
+      </p:pic>
+    </p:spTree>
+    <p:extLst>
+      <p:ext uri="{BB962C8B-B14F-4D97-AF65-F5344CB8AC3E}">
+        <p14:creationId xmlns:p14="http://schemas.microsoft.com/office/powerpoint/2010/main" val="2327273294"/>
+      </p:ext>
+    </p:extLst>
+  </p:cSld>
+  <p:clrMapOvr>
+    <a:masterClrMapping/>
+  </p:clrMapOvr>
+</p:sld>
+</file>
+
+<file path=ppt/slides/slide14.xml><?xml version="1.0" encoding="utf-8"?>
+<p:sld xmlns:a="http://schemas.openxmlformats.org/drawingml/2006/main" xmlns:r="http://schemas.openxmlformats.org/officeDocument/2006/relationships" xmlns:p="http://schemas.openxmlformats.org/presentationml/2006/main">
+  <p:cSld>
+    <p:spTree>
+      <p:nvGrpSpPr>
+        <p:cNvPr id="1" name=""/>
+        <p:cNvGrpSpPr/>
+        <p:nvPr/>
+      </p:nvGrpSpPr>
+      <p:grpSpPr>
+        <a:xfrm>
+          <a:off x="0" y="0"/>
+          <a:ext cx="0" cy="0"/>
+          <a:chOff x="0" y="0"/>
+          <a:chExt cx="0" cy="0"/>
+        </a:xfrm>
+      </p:grpSpPr>
+      <p:sp>
+        <p:nvSpPr>
+          <p:cNvPr id="2" name="Title 1">
+            <a:extLst>
+              <a:ext uri="{FF2B5EF4-FFF2-40B4-BE49-F238E27FC236}">
+                <a16:creationId xmlns:a16="http://schemas.microsoft.com/office/drawing/2014/main" id="{8AED416B-D0C1-2651-7ED6-8A554205480A}"/>
+              </a:ext>
+            </a:extLst>
+          </p:cNvPr>
+          <p:cNvSpPr>
+            <a:spLocks noGrp="1"/>
+          </p:cNvSpPr>
+          <p:nvPr>
+            <p:ph type="title"/>
+          </p:nvPr>
+        </p:nvSpPr>
+        <p:spPr/>
+        <p:txBody>
+          <a:bodyPr/>
+          <a:lstStyle/>
+          <a:p>
+            <a:r>
+              <a:rPr lang="en-GB" dirty="0"/>
+              <a:t>Step3 : The metadata form(1/3)</a:t>
+            </a:r>
+          </a:p>
+        </p:txBody>
+      </p:sp>
+      <p:sp>
+        <p:nvSpPr>
+          <p:cNvPr id="8" name="TextBox 7">
+            <a:extLst>
+              <a:ext uri="{FF2B5EF4-FFF2-40B4-BE49-F238E27FC236}">
+                <a16:creationId xmlns:a16="http://schemas.microsoft.com/office/drawing/2014/main" id="{8555AA77-864E-5CC5-3517-7ABC1627885F}"/>
+              </a:ext>
+            </a:extLst>
+          </p:cNvPr>
+          <p:cNvSpPr txBox="1"/>
+          <p:nvPr/>
+        </p:nvSpPr>
+        <p:spPr>
+          <a:xfrm>
+            <a:off x="9588500" y="6262042"/>
+            <a:ext cx="2298963" cy="461665"/>
+          </a:xfrm>
+          <a:prstGeom prst="rect">
+            <a:avLst/>
+          </a:prstGeom>
+          <a:noFill/>
+        </p:spPr>
+        <p:txBody>
+          <a:bodyPr wrap="none" rtlCol="0">
+            <a:spAutoFit/>
+          </a:bodyPr>
+          <a:lstStyle/>
+          <a:p>
+            <a:r>
+              <a:rPr lang="en-GB" sz="2400" dirty="0"/>
+              <a:t>Go to data.4tu.nl</a:t>
+            </a:r>
+          </a:p>
+        </p:txBody>
+      </p:sp>
+      <p:pic>
+        <p:nvPicPr>
+          <p:cNvPr id="4" name="Picture 3">
+            <a:extLst>
+              <a:ext uri="{FF2B5EF4-FFF2-40B4-BE49-F238E27FC236}">
+                <a16:creationId xmlns:a16="http://schemas.microsoft.com/office/drawing/2014/main" id="{4773AA69-B1FC-534E-5368-C4C26FC78BCD}"/>
+              </a:ext>
+            </a:extLst>
+          </p:cNvPr>
+          <p:cNvPicPr>
+            <a:picLocks noChangeAspect="1"/>
+          </p:cNvPicPr>
+          <p:nvPr/>
+        </p:nvPicPr>
+        <p:blipFill>
+          <a:blip r:embed="rId3"/>
+          <a:stretch>
+            <a:fillRect/>
+          </a:stretch>
+        </p:blipFill>
+        <p:spPr>
+          <a:xfrm>
+            <a:off x="1037697" y="1414410"/>
+            <a:ext cx="7801503" cy="5078465"/>
+          </a:xfrm>
+          <a:prstGeom prst="rect">
+            <a:avLst/>
+          </a:prstGeom>
+        </p:spPr>
+      </p:pic>
+    </p:spTree>
+    <p:extLst>
+      <p:ext uri="{BB962C8B-B14F-4D97-AF65-F5344CB8AC3E}">
+        <p14:creationId xmlns:p14="http://schemas.microsoft.com/office/powerpoint/2010/main" val="1175763651"/>
+      </p:ext>
+    </p:extLst>
+  </p:cSld>
+  <p:clrMapOvr>
+    <a:masterClrMapping/>
+  </p:clrMapOvr>
+</p:sld>
+</file>
+
+<file path=ppt/slides/slide15.xml><?xml version="1.0" encoding="utf-8"?>
+<p:sld xmlns:a="http://schemas.openxmlformats.org/drawingml/2006/main" xmlns:r="http://schemas.openxmlformats.org/officeDocument/2006/relationships" xmlns:p="http://schemas.openxmlformats.org/presentationml/2006/main">
+  <p:cSld>
+    <p:spTree>
+      <p:nvGrpSpPr>
+        <p:cNvPr id="1" name=""/>
+        <p:cNvGrpSpPr/>
+        <p:nvPr/>
+      </p:nvGrpSpPr>
+      <p:grpSpPr>
+        <a:xfrm>
+          <a:off x="0" y="0"/>
+          <a:ext cx="0" cy="0"/>
+          <a:chOff x="0" y="0"/>
+          <a:chExt cx="0" cy="0"/>
+        </a:xfrm>
+      </p:grpSpPr>
+      <p:sp>
+        <p:nvSpPr>
+          <p:cNvPr id="2" name="Title 1">
+            <a:extLst>
+              <a:ext uri="{FF2B5EF4-FFF2-40B4-BE49-F238E27FC236}">
+                <a16:creationId xmlns:a16="http://schemas.microsoft.com/office/drawing/2014/main" id="{8AED416B-D0C1-2651-7ED6-8A554205480A}"/>
+              </a:ext>
+            </a:extLst>
+          </p:cNvPr>
+          <p:cNvSpPr>
+            <a:spLocks noGrp="1"/>
+          </p:cNvSpPr>
+          <p:nvPr>
+            <p:ph type="title"/>
+          </p:nvPr>
+        </p:nvSpPr>
+        <p:spPr/>
+        <p:txBody>
+          <a:bodyPr/>
+          <a:lstStyle/>
+          <a:p>
+            <a:r>
+              <a:rPr lang="en-GB" dirty="0"/>
+              <a:t>Step4 : The metadata form(2/3)</a:t>
+            </a:r>
+          </a:p>
+        </p:txBody>
+      </p:sp>
+      <p:sp>
+        <p:nvSpPr>
+          <p:cNvPr id="8" name="TextBox 7">
+            <a:extLst>
+              <a:ext uri="{FF2B5EF4-FFF2-40B4-BE49-F238E27FC236}">
+                <a16:creationId xmlns:a16="http://schemas.microsoft.com/office/drawing/2014/main" id="{8555AA77-864E-5CC5-3517-7ABC1627885F}"/>
+              </a:ext>
+            </a:extLst>
+          </p:cNvPr>
+          <p:cNvSpPr txBox="1"/>
+          <p:nvPr/>
+        </p:nvSpPr>
+        <p:spPr>
+          <a:xfrm>
+            <a:off x="9588500" y="6262042"/>
+            <a:ext cx="2298963" cy="461665"/>
+          </a:xfrm>
+          <a:prstGeom prst="rect">
+            <a:avLst/>
+          </a:prstGeom>
+          <a:noFill/>
+        </p:spPr>
+        <p:txBody>
+          <a:bodyPr wrap="none" rtlCol="0">
+            <a:spAutoFit/>
+          </a:bodyPr>
+          <a:lstStyle/>
+          <a:p>
+            <a:r>
+              <a:rPr lang="en-GB" sz="2400" dirty="0"/>
+              <a:t>Go to data.4tu.nl</a:t>
+            </a:r>
+          </a:p>
+        </p:txBody>
+      </p:sp>
+      <p:pic>
+        <p:nvPicPr>
+          <p:cNvPr id="5" name="Picture 4">
+            <a:extLst>
+              <a:ext uri="{FF2B5EF4-FFF2-40B4-BE49-F238E27FC236}">
+                <a16:creationId xmlns:a16="http://schemas.microsoft.com/office/drawing/2014/main" id="{6FD57296-A984-C415-0647-13E49F6E3EAC}"/>
+              </a:ext>
+            </a:extLst>
+          </p:cNvPr>
+          <p:cNvPicPr>
+            <a:picLocks noChangeAspect="1"/>
+          </p:cNvPicPr>
+          <p:nvPr/>
+        </p:nvPicPr>
+        <p:blipFill>
+          <a:blip r:embed="rId3"/>
+          <a:stretch>
+            <a:fillRect/>
+          </a:stretch>
+        </p:blipFill>
+        <p:spPr>
+          <a:xfrm>
+            <a:off x="828394" y="1329133"/>
+            <a:ext cx="8264806" cy="5380057"/>
+          </a:xfrm>
+          <a:prstGeom prst="rect">
+            <a:avLst/>
+          </a:prstGeom>
+        </p:spPr>
+      </p:pic>
+    </p:spTree>
+    <p:extLst>
+      <p:ext uri="{BB962C8B-B14F-4D97-AF65-F5344CB8AC3E}">
+        <p14:creationId xmlns:p14="http://schemas.microsoft.com/office/powerpoint/2010/main" val="3706382872"/>
+      </p:ext>
+    </p:extLst>
+  </p:cSld>
+  <p:clrMapOvr>
+    <a:masterClrMapping/>
+  </p:clrMapOvr>
+</p:sld>
+</file>
+
+<file path=ppt/slides/slide16.xml><?xml version="1.0" encoding="utf-8"?>
+<p:sld xmlns:a="http://schemas.openxmlformats.org/drawingml/2006/main" xmlns:r="http://schemas.openxmlformats.org/officeDocument/2006/relationships" xmlns:p="http://schemas.openxmlformats.org/presentationml/2006/main">
+  <p:cSld>
+    <p:spTree>
+      <p:nvGrpSpPr>
+        <p:cNvPr id="1" name=""/>
+        <p:cNvGrpSpPr/>
+        <p:nvPr/>
+      </p:nvGrpSpPr>
+      <p:grpSpPr>
+        <a:xfrm>
+          <a:off x="0" y="0"/>
+          <a:ext cx="0" cy="0"/>
+          <a:chOff x="0" y="0"/>
+          <a:chExt cx="0" cy="0"/>
+        </a:xfrm>
+      </p:grpSpPr>
+      <p:sp>
+        <p:nvSpPr>
+          <p:cNvPr id="2" name="Title 1">
+            <a:extLst>
+              <a:ext uri="{FF2B5EF4-FFF2-40B4-BE49-F238E27FC236}">
+                <a16:creationId xmlns:a16="http://schemas.microsoft.com/office/drawing/2014/main" id="{8AED416B-D0C1-2651-7ED6-8A554205480A}"/>
+              </a:ext>
+            </a:extLst>
+          </p:cNvPr>
+          <p:cNvSpPr>
+            <a:spLocks noGrp="1"/>
+          </p:cNvSpPr>
+          <p:nvPr>
+            <p:ph type="title"/>
+          </p:nvPr>
+        </p:nvSpPr>
+        <p:spPr/>
+        <p:txBody>
+          <a:bodyPr/>
+          <a:lstStyle/>
+          <a:p>
+            <a:r>
+              <a:rPr lang="en-GB" dirty="0"/>
+              <a:t>Step4 : The metadata form(3/3)</a:t>
+            </a:r>
+          </a:p>
+        </p:txBody>
+      </p:sp>
+      <p:sp>
+        <p:nvSpPr>
+          <p:cNvPr id="8" name="TextBox 7">
+            <a:extLst>
+              <a:ext uri="{FF2B5EF4-FFF2-40B4-BE49-F238E27FC236}">
+                <a16:creationId xmlns:a16="http://schemas.microsoft.com/office/drawing/2014/main" id="{8555AA77-864E-5CC5-3517-7ABC1627885F}"/>
+              </a:ext>
+            </a:extLst>
+          </p:cNvPr>
+          <p:cNvSpPr txBox="1"/>
+          <p:nvPr/>
+        </p:nvSpPr>
+        <p:spPr>
+          <a:xfrm>
+            <a:off x="9588500" y="6262042"/>
+            <a:ext cx="2298963" cy="461665"/>
+          </a:xfrm>
+          <a:prstGeom prst="rect">
+            <a:avLst/>
+          </a:prstGeom>
+          <a:noFill/>
+        </p:spPr>
+        <p:txBody>
+          <a:bodyPr wrap="none" rtlCol="0">
+            <a:spAutoFit/>
+          </a:bodyPr>
+          <a:lstStyle/>
+          <a:p>
+            <a:r>
+              <a:rPr lang="en-GB" sz="2400" dirty="0"/>
+              <a:t>Go to data.4tu.nl</a:t>
+            </a:r>
+          </a:p>
+        </p:txBody>
+      </p:sp>
+      <p:pic>
+        <p:nvPicPr>
+          <p:cNvPr id="4" name="Picture 3">
+            <a:extLst>
+              <a:ext uri="{FF2B5EF4-FFF2-40B4-BE49-F238E27FC236}">
+                <a16:creationId xmlns:a16="http://schemas.microsoft.com/office/drawing/2014/main" id="{3F41CB2D-FCCD-8930-E4E5-A84233240A04}"/>
+              </a:ext>
+            </a:extLst>
+          </p:cNvPr>
+          <p:cNvPicPr>
+            <a:picLocks noChangeAspect="1"/>
+          </p:cNvPicPr>
+          <p:nvPr/>
+        </p:nvPicPr>
+        <p:blipFill>
+          <a:blip r:embed="rId3"/>
+          <a:stretch>
+            <a:fillRect/>
+          </a:stretch>
+        </p:blipFill>
+        <p:spPr>
+          <a:xfrm>
+            <a:off x="828394" y="1370469"/>
+            <a:ext cx="8315606" cy="5413125"/>
+          </a:xfrm>
+          <a:prstGeom prst="rect">
+            <a:avLst/>
+          </a:prstGeom>
+        </p:spPr>
+      </p:pic>
+    </p:spTree>
+    <p:extLst>
+      <p:ext uri="{BB962C8B-B14F-4D97-AF65-F5344CB8AC3E}">
+        <p14:creationId xmlns:p14="http://schemas.microsoft.com/office/powerpoint/2010/main" val="554282081"/>
+      </p:ext>
+    </p:extLst>
+  </p:cSld>
+  <p:clrMapOvr>
+    <a:masterClrMapping/>
+  </p:clrMapOvr>
+</p:sld>
+</file>
+
+<file path=ppt/slides/slide17.xml><?xml version="1.0" encoding="utf-8"?>
+<p:sld xmlns:a="http://schemas.openxmlformats.org/drawingml/2006/main" xmlns:r="http://schemas.openxmlformats.org/officeDocument/2006/relationships" xmlns:p="http://schemas.openxmlformats.org/presentationml/2006/main">
+  <p:cSld>
+    <p:spTree>
+      <p:nvGrpSpPr>
+        <p:cNvPr id="1" name=""/>
+        <p:cNvGrpSpPr/>
+        <p:nvPr/>
+      </p:nvGrpSpPr>
+      <p:grpSpPr>
+        <a:xfrm>
+          <a:off x="0" y="0"/>
+          <a:ext cx="0" cy="0"/>
+          <a:chOff x="0" y="0"/>
+          <a:chExt cx="0" cy="0"/>
+        </a:xfrm>
+      </p:grpSpPr>
+      <p:sp>
+        <p:nvSpPr>
+          <p:cNvPr id="2" name="Title 1">
+            <a:extLst>
+              <a:ext uri="{FF2B5EF4-FFF2-40B4-BE49-F238E27FC236}">
+                <a16:creationId xmlns:a16="http://schemas.microsoft.com/office/drawing/2014/main" id="{8AED416B-D0C1-2651-7ED6-8A554205480A}"/>
+              </a:ext>
+            </a:extLst>
+          </p:cNvPr>
+          <p:cNvSpPr>
+            <a:spLocks noGrp="1"/>
+          </p:cNvSpPr>
+          <p:nvPr>
+            <p:ph type="title"/>
+          </p:nvPr>
+        </p:nvSpPr>
+        <p:spPr/>
+        <p:txBody>
+          <a:bodyPr/>
+          <a:lstStyle/>
+          <a:p>
+            <a:r>
+              <a:rPr lang="en-GB" dirty="0"/>
+              <a:t>Step5 : Software deposit (Git 1/2)</a:t>
+            </a:r>
+          </a:p>
+        </p:txBody>
+      </p:sp>
+      <p:sp>
+        <p:nvSpPr>
+          <p:cNvPr id="8" name="TextBox 7">
+            <a:extLst>
+              <a:ext uri="{FF2B5EF4-FFF2-40B4-BE49-F238E27FC236}">
+                <a16:creationId xmlns:a16="http://schemas.microsoft.com/office/drawing/2014/main" id="{8555AA77-864E-5CC5-3517-7ABC1627885F}"/>
+              </a:ext>
+            </a:extLst>
+          </p:cNvPr>
+          <p:cNvSpPr txBox="1"/>
+          <p:nvPr/>
+        </p:nvSpPr>
+        <p:spPr>
+          <a:xfrm>
+            <a:off x="9588500" y="6262042"/>
+            <a:ext cx="2298963" cy="461665"/>
+          </a:xfrm>
+          <a:prstGeom prst="rect">
+            <a:avLst/>
+          </a:prstGeom>
+          <a:noFill/>
+        </p:spPr>
+        <p:txBody>
+          <a:bodyPr wrap="none" rtlCol="0">
+            <a:spAutoFit/>
+          </a:bodyPr>
+          <a:lstStyle/>
+          <a:p>
+            <a:r>
+              <a:rPr lang="en-GB" sz="2400" dirty="0"/>
+              <a:t>Go to data.4tu.nl</a:t>
+            </a:r>
+          </a:p>
+        </p:txBody>
+      </p:sp>
+      <p:pic>
+        <p:nvPicPr>
+          <p:cNvPr id="5" name="Picture 4">
+            <a:extLst>
+              <a:ext uri="{FF2B5EF4-FFF2-40B4-BE49-F238E27FC236}">
+                <a16:creationId xmlns:a16="http://schemas.microsoft.com/office/drawing/2014/main" id="{7D6C9390-AC1A-2C7E-7509-855DB25ECBDA}"/>
+              </a:ext>
+            </a:extLst>
+          </p:cNvPr>
+          <p:cNvPicPr>
+            <a:picLocks noChangeAspect="1"/>
+          </p:cNvPicPr>
+          <p:nvPr/>
+        </p:nvPicPr>
+        <p:blipFill>
+          <a:blip r:embed="rId3"/>
+          <a:stretch>
+            <a:fillRect/>
+          </a:stretch>
+        </p:blipFill>
+        <p:spPr>
+          <a:xfrm>
+            <a:off x="717755" y="1295404"/>
+            <a:ext cx="8236948" cy="5361922"/>
+          </a:xfrm>
+          <a:prstGeom prst="rect">
+            <a:avLst/>
+          </a:prstGeom>
+        </p:spPr>
+      </p:pic>
+    </p:spTree>
+    <p:extLst>
+      <p:ext uri="{BB962C8B-B14F-4D97-AF65-F5344CB8AC3E}">
+        <p14:creationId xmlns:p14="http://schemas.microsoft.com/office/powerpoint/2010/main" val="1071882751"/>
+      </p:ext>
+    </p:extLst>
+  </p:cSld>
+  <p:clrMapOvr>
+    <a:masterClrMapping/>
+  </p:clrMapOvr>
+</p:sld>
+</file>
+
+<file path=ppt/slides/slide18.xml><?xml version="1.0" encoding="utf-8"?>
+<p:sld xmlns:a="http://schemas.openxmlformats.org/drawingml/2006/main" xmlns:r="http://schemas.openxmlformats.org/officeDocument/2006/relationships" xmlns:p="http://schemas.openxmlformats.org/presentationml/2006/main">
+  <p:cSld>
+    <p:spTree>
+      <p:nvGrpSpPr>
+        <p:cNvPr id="1" name=""/>
+        <p:cNvGrpSpPr/>
+        <p:nvPr/>
+      </p:nvGrpSpPr>
+      <p:grpSpPr>
+        <a:xfrm>
+          <a:off x="0" y="0"/>
+          <a:ext cx="0" cy="0"/>
+          <a:chOff x="0" y="0"/>
+          <a:chExt cx="0" cy="0"/>
+        </a:xfrm>
+      </p:grpSpPr>
+      <p:sp>
+        <p:nvSpPr>
+          <p:cNvPr id="2" name="Title 1">
+            <a:extLst>
+              <a:ext uri="{FF2B5EF4-FFF2-40B4-BE49-F238E27FC236}">
+                <a16:creationId xmlns:a16="http://schemas.microsoft.com/office/drawing/2014/main" id="{8AED416B-D0C1-2651-7ED6-8A554205480A}"/>
+              </a:ext>
+            </a:extLst>
+          </p:cNvPr>
+          <p:cNvSpPr>
+            <a:spLocks noGrp="1"/>
+          </p:cNvSpPr>
+          <p:nvPr>
+            <p:ph type="title"/>
+          </p:nvPr>
+        </p:nvSpPr>
+        <p:spPr/>
+        <p:txBody>
+          <a:bodyPr/>
+          <a:lstStyle/>
+          <a:p>
+            <a:r>
+              <a:rPr lang="en-GB" dirty="0"/>
+              <a:t>Step5 : Software deposit (Git 1/2) </a:t>
+            </a:r>
+            <a:br>
+              <a:rPr lang="en-GB" dirty="0"/>
+            </a:br>
+            <a:r>
+              <a:rPr lang="en-GB" dirty="0"/>
+              <a:t>if using </a:t>
+            </a:r>
+            <a:r>
+              <a:rPr lang="en-GB" dirty="0" err="1"/>
+              <a:t>Github</a:t>
+            </a:r>
+            <a:endParaRPr lang="en-GB" dirty="0"/>
+          </a:p>
+        </p:txBody>
+      </p:sp>
+      <p:sp>
+        <p:nvSpPr>
+          <p:cNvPr id="8" name="TextBox 7">
+            <a:extLst>
+              <a:ext uri="{FF2B5EF4-FFF2-40B4-BE49-F238E27FC236}">
+                <a16:creationId xmlns:a16="http://schemas.microsoft.com/office/drawing/2014/main" id="{8555AA77-864E-5CC5-3517-7ABC1627885F}"/>
+              </a:ext>
+            </a:extLst>
+          </p:cNvPr>
+          <p:cNvSpPr txBox="1"/>
+          <p:nvPr/>
+        </p:nvSpPr>
+        <p:spPr>
+          <a:xfrm>
+            <a:off x="9588500" y="6262042"/>
+            <a:ext cx="2298963" cy="461665"/>
+          </a:xfrm>
+          <a:prstGeom prst="rect">
+            <a:avLst/>
+          </a:prstGeom>
+          <a:noFill/>
+        </p:spPr>
+        <p:txBody>
+          <a:bodyPr wrap="none" rtlCol="0">
+            <a:spAutoFit/>
+          </a:bodyPr>
+          <a:lstStyle/>
+          <a:p>
+            <a:r>
+              <a:rPr lang="en-GB" sz="2400" dirty="0"/>
+              <a:t>Go to data.4tu.nl</a:t>
+            </a:r>
+          </a:p>
+        </p:txBody>
+      </p:sp>
+      <p:pic>
+        <p:nvPicPr>
+          <p:cNvPr id="4" name="Picture 3">
+            <a:extLst>
+              <a:ext uri="{FF2B5EF4-FFF2-40B4-BE49-F238E27FC236}">
+                <a16:creationId xmlns:a16="http://schemas.microsoft.com/office/drawing/2014/main" id="{1950B41E-B763-3E6B-B868-41AC83B68B86}"/>
+              </a:ext>
+            </a:extLst>
+          </p:cNvPr>
+          <p:cNvPicPr>
+            <a:picLocks noChangeAspect="1"/>
+          </p:cNvPicPr>
+          <p:nvPr/>
+        </p:nvPicPr>
+        <p:blipFill>
+          <a:blip r:embed="rId3"/>
+          <a:stretch>
+            <a:fillRect/>
+          </a:stretch>
+        </p:blipFill>
+        <p:spPr>
+          <a:xfrm>
+            <a:off x="828395" y="1572883"/>
+            <a:ext cx="8020637" cy="5221112"/>
+          </a:xfrm>
+          <a:prstGeom prst="rect">
+            <a:avLst/>
+          </a:prstGeom>
+        </p:spPr>
+      </p:pic>
+    </p:spTree>
+    <p:extLst>
+      <p:ext uri="{BB962C8B-B14F-4D97-AF65-F5344CB8AC3E}">
+        <p14:creationId xmlns:p14="http://schemas.microsoft.com/office/powerpoint/2010/main" val="3792147456"/>
+      </p:ext>
+    </p:extLst>
+  </p:cSld>
+  <p:clrMapOvr>
+    <a:masterClrMapping/>
+  </p:clrMapOvr>
+</p:sld>
+</file>
+
+<file path=ppt/slides/slide19.xml><?xml version="1.0" encoding="utf-8"?>
+<p:sld xmlns:a="http://schemas.openxmlformats.org/drawingml/2006/main" xmlns:r="http://schemas.openxmlformats.org/officeDocument/2006/relationships" xmlns:p="http://schemas.openxmlformats.org/presentationml/2006/main">
+  <p:cSld>
+    <p:spTree>
+      <p:nvGrpSpPr>
+        <p:cNvPr id="1" name=""/>
+        <p:cNvGrpSpPr/>
+        <p:nvPr/>
+      </p:nvGrpSpPr>
+      <p:grpSpPr>
+        <a:xfrm>
+          <a:off x="0" y="0"/>
+          <a:ext cx="0" cy="0"/>
+          <a:chOff x="0" y="0"/>
+          <a:chExt cx="0" cy="0"/>
+        </a:xfrm>
+      </p:grpSpPr>
+      <p:sp>
+        <p:nvSpPr>
+          <p:cNvPr id="2" name="Title 1">
+            <a:extLst>
+              <a:ext uri="{FF2B5EF4-FFF2-40B4-BE49-F238E27FC236}">
+                <a16:creationId xmlns:a16="http://schemas.microsoft.com/office/drawing/2014/main" id="{8AED416B-D0C1-2651-7ED6-8A554205480A}"/>
+              </a:ext>
+            </a:extLst>
+          </p:cNvPr>
+          <p:cNvSpPr>
+            <a:spLocks noGrp="1"/>
+          </p:cNvSpPr>
+          <p:nvPr>
+            <p:ph type="title"/>
+          </p:nvPr>
+        </p:nvSpPr>
+        <p:spPr/>
+        <p:txBody>
+          <a:bodyPr/>
+          <a:lstStyle/>
+          <a:p>
+            <a:r>
+              <a:rPr lang="en-GB" dirty="0"/>
+              <a:t>Step6 : Software deposit (Git 2/2) </a:t>
+            </a:r>
+          </a:p>
+        </p:txBody>
+      </p:sp>
+      <p:sp>
+        <p:nvSpPr>
+          <p:cNvPr id="8" name="TextBox 7">
+            <a:extLst>
+              <a:ext uri="{FF2B5EF4-FFF2-40B4-BE49-F238E27FC236}">
+                <a16:creationId xmlns:a16="http://schemas.microsoft.com/office/drawing/2014/main" id="{8555AA77-864E-5CC5-3517-7ABC1627885F}"/>
+              </a:ext>
+            </a:extLst>
+          </p:cNvPr>
+          <p:cNvSpPr txBox="1"/>
+          <p:nvPr/>
+        </p:nvSpPr>
+        <p:spPr>
+          <a:xfrm>
+            <a:off x="9588500" y="6262042"/>
+            <a:ext cx="2298963" cy="461665"/>
+          </a:xfrm>
+          <a:prstGeom prst="rect">
+            <a:avLst/>
+          </a:prstGeom>
+          <a:noFill/>
+        </p:spPr>
+        <p:txBody>
+          <a:bodyPr wrap="none" rtlCol="0">
+            <a:spAutoFit/>
+          </a:bodyPr>
+          <a:lstStyle/>
+          <a:p>
+            <a:r>
+              <a:rPr lang="en-GB" sz="2400" dirty="0"/>
+              <a:t>Go to data.4tu.nl</a:t>
+            </a:r>
+          </a:p>
+        </p:txBody>
+      </p:sp>
+      <p:pic>
+        <p:nvPicPr>
+          <p:cNvPr id="5" name="Picture 4">
+            <a:extLst>
+              <a:ext uri="{FF2B5EF4-FFF2-40B4-BE49-F238E27FC236}">
+                <a16:creationId xmlns:a16="http://schemas.microsoft.com/office/drawing/2014/main" id="{75BF84BF-987C-1082-BF85-B01B75390C2D}"/>
+              </a:ext>
+            </a:extLst>
+          </p:cNvPr>
+          <p:cNvPicPr>
+            <a:picLocks noChangeAspect="1"/>
+          </p:cNvPicPr>
+          <p:nvPr/>
+        </p:nvPicPr>
+        <p:blipFill>
+          <a:blip r:embed="rId3"/>
+          <a:stretch>
+            <a:fillRect/>
+          </a:stretch>
+        </p:blipFill>
+        <p:spPr>
+          <a:xfrm>
+            <a:off x="838200" y="1343407"/>
+            <a:ext cx="8089464" cy="5265916"/>
+          </a:xfrm>
+          <a:prstGeom prst="rect">
+            <a:avLst/>
+          </a:prstGeom>
+        </p:spPr>
+      </p:pic>
+    </p:spTree>
+    <p:extLst>
+      <p:ext uri="{BB962C8B-B14F-4D97-AF65-F5344CB8AC3E}">
+        <p14:creationId xmlns:p14="http://schemas.microsoft.com/office/powerpoint/2010/main" val="3891796600"/>
+      </p:ext>
+    </p:extLst>
+  </p:cSld>
+  <p:clrMapOvr>
+    <a:masterClrMapping/>
+  </p:clrMapOvr>
+</p:sld>
+</file>
+
+<file path=ppt/slides/slide2.xml><?xml version="1.0" encoding="utf-8"?>
+<p:sld xmlns:a="http://schemas.openxmlformats.org/drawingml/2006/main" xmlns:r="http://schemas.openxmlformats.org/officeDocument/2006/relationships" xmlns:p="http://schemas.openxmlformats.org/presentationml/2006/main">
+  <p:cSld>
+    <p:spTree>
+      <p:nvGrpSpPr>
+        <p:cNvPr id="1" name="Shape 61"/>
+        <p:cNvGrpSpPr/>
+        <p:nvPr/>
+      </p:nvGrpSpPr>
+      <p:grpSpPr>
+        <a:xfrm>
+          <a:off x="0" y="0"/>
+          <a:ext cx="0" cy="0"/>
+          <a:chOff x="0" y="0"/>
+          <a:chExt cx="0" cy="0"/>
+        </a:xfrm>
+      </p:grpSpPr>
+      <p:sp>
+        <p:nvSpPr>
+          <p:cNvPr id="2" name="Title 1">
+            <a:extLst>
+              <a:ext uri="{FF2B5EF4-FFF2-40B4-BE49-F238E27FC236}">
+                <a16:creationId xmlns:a16="http://schemas.microsoft.com/office/drawing/2014/main" id="{90C2622C-7CE8-D379-34F5-01FB34424AA2}"/>
+              </a:ext>
+            </a:extLst>
+          </p:cNvPr>
+          <p:cNvSpPr>
+            <a:spLocks noGrp="1"/>
+          </p:cNvSpPr>
+          <p:nvPr>
+            <p:ph type="title"/>
+          </p:nvPr>
+        </p:nvSpPr>
+        <p:spPr/>
+        <p:txBody>
+          <a:bodyPr/>
+          <a:lstStyle/>
+          <a:p>
+            <a:endParaRPr lang="en-GB"/>
           </a:p>
         </p:txBody>
       </p:sp>
@@ -3491,7 +8858,7 @@
           <p:cNvPr id="3" name="Content Placeholder 2">
             <a:extLst>
               <a:ext uri="{FF2B5EF4-FFF2-40B4-BE49-F238E27FC236}">
-                <a16:creationId xmlns:a16="http://schemas.microsoft.com/office/drawing/2014/main" id="{A9937FF9-A908-F137-2268-13BA66EC2203}"/>
+                <a16:creationId xmlns:a16="http://schemas.microsoft.com/office/drawing/2014/main" id="{074A9962-BDF3-A52B-9FC3-DC7A2CC4F7CC}"/>
               </a:ext>
             </a:extLst>
           </p:cNvPr>
@@ -3506,6 +8873,500 @@
         <p:txBody>
           <a:bodyPr/>
           <a:lstStyle/>
+          <a:p>
+            <a:endParaRPr lang="en-GB"/>
+          </a:p>
+        </p:txBody>
+      </p:sp>
+      <p:sp>
+        <p:nvSpPr>
+          <p:cNvPr id="64" name="Google Shape;64;p14"/>
+          <p:cNvSpPr txBox="1"/>
+          <p:nvPr/>
+        </p:nvSpPr>
+        <p:spPr>
+          <a:xfrm>
+            <a:off x="406400" y="406400"/>
+            <a:ext cx="4000000" cy="4000000"/>
+          </a:xfrm>
+          <a:prstGeom prst="rect">
+            <a:avLst/>
+          </a:prstGeom>
+          <a:noFill/>
+          <a:ln>
+            <a:noFill/>
+          </a:ln>
+        </p:spPr>
+        <p:txBody>
+          <a:bodyPr spcFirstLastPara="1" wrap="square" lIns="121900" tIns="121900" rIns="121900" bIns="121900" anchor="ctr" anchorCtr="0">
+            <a:noAutofit/>
+          </a:bodyPr>
+          <a:lstStyle>
+            <a:defPPr marR="0" lvl="0" algn="l" rtl="0">
+              <a:lnSpc>
+                <a:spcPct val="100000"/>
+              </a:lnSpc>
+              <a:spcBef>
+                <a:spcPts val="0"/>
+              </a:spcBef>
+              <a:spcAft>
+                <a:spcPts val="0"/>
+              </a:spcAft>
+            </a:defPPr>
+            <a:lvl1pPr marR="0" lvl="0" algn="l" rtl="0">
+              <a:lnSpc>
+                <a:spcPct val="100000"/>
+              </a:lnSpc>
+              <a:spcBef>
+                <a:spcPts val="0"/>
+              </a:spcBef>
+              <a:spcAft>
+                <a:spcPts val="0"/>
+              </a:spcAft>
+              <a:buClr>
+                <a:srgbClr val="000000"/>
+              </a:buClr>
+              <a:buFont typeface="Arial"/>
+              <a:defRPr sz="1867" b="0" i="0" u="none" strike="noStrike" cap="none">
+                <a:solidFill>
+                  <a:srgbClr val="000000"/>
+                </a:solidFill>
+                <a:latin typeface="Arial"/>
+                <a:ea typeface="Arial"/>
+                <a:cs typeface="Arial"/>
+                <a:sym typeface="Arial"/>
+              </a:defRPr>
+            </a:lvl1pPr>
+            <a:lvl2pPr marR="0" lvl="1" algn="l" rtl="0">
+              <a:lnSpc>
+                <a:spcPct val="100000"/>
+              </a:lnSpc>
+              <a:spcBef>
+                <a:spcPts val="0"/>
+              </a:spcBef>
+              <a:spcAft>
+                <a:spcPts val="0"/>
+              </a:spcAft>
+              <a:buClr>
+                <a:srgbClr val="000000"/>
+              </a:buClr>
+              <a:buFont typeface="Arial"/>
+              <a:defRPr sz="1867" b="0" i="0" u="none" strike="noStrike" cap="none">
+                <a:solidFill>
+                  <a:srgbClr val="000000"/>
+                </a:solidFill>
+                <a:latin typeface="Arial"/>
+                <a:ea typeface="Arial"/>
+                <a:cs typeface="Arial"/>
+                <a:sym typeface="Arial"/>
+              </a:defRPr>
+            </a:lvl2pPr>
+            <a:lvl3pPr marR="0" lvl="2" algn="l" rtl="0">
+              <a:lnSpc>
+                <a:spcPct val="100000"/>
+              </a:lnSpc>
+              <a:spcBef>
+                <a:spcPts val="0"/>
+              </a:spcBef>
+              <a:spcAft>
+                <a:spcPts val="0"/>
+              </a:spcAft>
+              <a:buClr>
+                <a:srgbClr val="000000"/>
+              </a:buClr>
+              <a:buFont typeface="Arial"/>
+              <a:defRPr sz="1867" b="0" i="0" u="none" strike="noStrike" cap="none">
+                <a:solidFill>
+                  <a:srgbClr val="000000"/>
+                </a:solidFill>
+                <a:latin typeface="Arial"/>
+                <a:ea typeface="Arial"/>
+                <a:cs typeface="Arial"/>
+                <a:sym typeface="Arial"/>
+              </a:defRPr>
+            </a:lvl3pPr>
+            <a:lvl4pPr marR="0" lvl="3" algn="l" rtl="0">
+              <a:lnSpc>
+                <a:spcPct val="100000"/>
+              </a:lnSpc>
+              <a:spcBef>
+                <a:spcPts val="0"/>
+              </a:spcBef>
+              <a:spcAft>
+                <a:spcPts val="0"/>
+              </a:spcAft>
+              <a:buClr>
+                <a:srgbClr val="000000"/>
+              </a:buClr>
+              <a:buFont typeface="Arial"/>
+              <a:defRPr sz="1867" b="0" i="0" u="none" strike="noStrike" cap="none">
+                <a:solidFill>
+                  <a:srgbClr val="000000"/>
+                </a:solidFill>
+                <a:latin typeface="Arial"/>
+                <a:ea typeface="Arial"/>
+                <a:cs typeface="Arial"/>
+                <a:sym typeface="Arial"/>
+              </a:defRPr>
+            </a:lvl4pPr>
+            <a:lvl5pPr marR="0" lvl="4" algn="l" rtl="0">
+              <a:lnSpc>
+                <a:spcPct val="100000"/>
+              </a:lnSpc>
+              <a:spcBef>
+                <a:spcPts val="0"/>
+              </a:spcBef>
+              <a:spcAft>
+                <a:spcPts val="0"/>
+              </a:spcAft>
+              <a:buClr>
+                <a:srgbClr val="000000"/>
+              </a:buClr>
+              <a:buFont typeface="Arial"/>
+              <a:defRPr sz="1867" b="0" i="0" u="none" strike="noStrike" cap="none">
+                <a:solidFill>
+                  <a:srgbClr val="000000"/>
+                </a:solidFill>
+                <a:latin typeface="Arial"/>
+                <a:ea typeface="Arial"/>
+                <a:cs typeface="Arial"/>
+                <a:sym typeface="Arial"/>
+              </a:defRPr>
+            </a:lvl5pPr>
+            <a:lvl6pPr marR="0" lvl="5" algn="l" rtl="0">
+              <a:lnSpc>
+                <a:spcPct val="100000"/>
+              </a:lnSpc>
+              <a:spcBef>
+                <a:spcPts val="0"/>
+              </a:spcBef>
+              <a:spcAft>
+                <a:spcPts val="0"/>
+              </a:spcAft>
+              <a:buClr>
+                <a:srgbClr val="000000"/>
+              </a:buClr>
+              <a:buFont typeface="Arial"/>
+              <a:defRPr sz="1867" b="0" i="0" u="none" strike="noStrike" cap="none">
+                <a:solidFill>
+                  <a:srgbClr val="000000"/>
+                </a:solidFill>
+                <a:latin typeface="Arial"/>
+                <a:ea typeface="Arial"/>
+                <a:cs typeface="Arial"/>
+                <a:sym typeface="Arial"/>
+              </a:defRPr>
+            </a:lvl6pPr>
+            <a:lvl7pPr marR="0" lvl="6" algn="l" rtl="0">
+              <a:lnSpc>
+                <a:spcPct val="100000"/>
+              </a:lnSpc>
+              <a:spcBef>
+                <a:spcPts val="0"/>
+              </a:spcBef>
+              <a:spcAft>
+                <a:spcPts val="0"/>
+              </a:spcAft>
+              <a:buClr>
+                <a:srgbClr val="000000"/>
+              </a:buClr>
+              <a:buFont typeface="Arial"/>
+              <a:defRPr sz="1867" b="0" i="0" u="none" strike="noStrike" cap="none">
+                <a:solidFill>
+                  <a:srgbClr val="000000"/>
+                </a:solidFill>
+                <a:latin typeface="Arial"/>
+                <a:ea typeface="Arial"/>
+                <a:cs typeface="Arial"/>
+                <a:sym typeface="Arial"/>
+              </a:defRPr>
+            </a:lvl7pPr>
+            <a:lvl8pPr marR="0" lvl="7" algn="l" rtl="0">
+              <a:lnSpc>
+                <a:spcPct val="100000"/>
+              </a:lnSpc>
+              <a:spcBef>
+                <a:spcPts val="0"/>
+              </a:spcBef>
+              <a:spcAft>
+                <a:spcPts val="0"/>
+              </a:spcAft>
+              <a:buClr>
+                <a:srgbClr val="000000"/>
+              </a:buClr>
+              <a:buFont typeface="Arial"/>
+              <a:defRPr sz="1867" b="0" i="0" u="none" strike="noStrike" cap="none">
+                <a:solidFill>
+                  <a:srgbClr val="000000"/>
+                </a:solidFill>
+                <a:latin typeface="Arial"/>
+                <a:ea typeface="Arial"/>
+                <a:cs typeface="Arial"/>
+                <a:sym typeface="Arial"/>
+              </a:defRPr>
+            </a:lvl8pPr>
+            <a:lvl9pPr marR="0" lvl="8" algn="l" rtl="0">
+              <a:lnSpc>
+                <a:spcPct val="100000"/>
+              </a:lnSpc>
+              <a:spcBef>
+                <a:spcPts val="0"/>
+              </a:spcBef>
+              <a:spcAft>
+                <a:spcPts val="0"/>
+              </a:spcAft>
+              <a:buClr>
+                <a:srgbClr val="000000"/>
+              </a:buClr>
+              <a:buFont typeface="Arial"/>
+              <a:defRPr sz="1867" b="0" i="0" u="none" strike="noStrike" cap="none">
+                <a:solidFill>
+                  <a:srgbClr val="000000"/>
+                </a:solidFill>
+                <a:latin typeface="Arial"/>
+                <a:ea typeface="Arial"/>
+                <a:cs typeface="Arial"/>
+                <a:sym typeface="Arial"/>
+              </a:defRPr>
+            </a:lvl9pPr>
+          </a:lstStyle>
+          <a:p>
+            <a:pPr marL="0" lvl="0" indent="0" algn="l" rtl="0">
+              <a:spcBef>
+                <a:spcPts val="0"/>
+              </a:spcBef>
+              <a:spcAft>
+                <a:spcPts val="0"/>
+              </a:spcAft>
+              <a:buNone/>
+            </a:pPr>
+            <a:r>
+              <a:rPr lang="en" sz="2489"/>
+              <a:t> </a:t>
+            </a:r>
+            <a:endParaRPr sz="2489"/>
+          </a:p>
+        </p:txBody>
+      </p:sp>
+      <p:pic>
+        <p:nvPicPr>
+          <p:cNvPr id="65" name="Google Shape;65;p14"/>
+          <p:cNvPicPr preferRelativeResize="0"/>
+          <p:nvPr/>
+        </p:nvPicPr>
+        <p:blipFill>
+          <a:blip r:embed="rId3">
+            <a:alphaModFix/>
+          </a:blip>
+          <a:stretch>
+            <a:fillRect/>
+          </a:stretch>
+        </p:blipFill>
+        <p:spPr>
+          <a:xfrm>
+            <a:off x="0" y="0"/>
+            <a:ext cx="12192000" cy="6858000"/>
+          </a:xfrm>
+          <a:prstGeom prst="rect">
+            <a:avLst/>
+          </a:prstGeom>
+          <a:noFill/>
+          <a:ln>
+            <a:noFill/>
+          </a:ln>
+        </p:spPr>
+      </p:pic>
+      <p:sp>
+        <p:nvSpPr>
+          <p:cNvPr id="4" name="Content Placeholder 2">
+            <a:extLst>
+              <a:ext uri="{FF2B5EF4-FFF2-40B4-BE49-F238E27FC236}">
+                <a16:creationId xmlns:a16="http://schemas.microsoft.com/office/drawing/2014/main" id="{C168B69E-0732-3C4A-DD73-9C7537849FB4}"/>
+              </a:ext>
+            </a:extLst>
+          </p:cNvPr>
+          <p:cNvSpPr txBox="1">
+            <a:spLocks/>
+          </p:cNvSpPr>
+          <p:nvPr/>
+        </p:nvSpPr>
+        <p:spPr>
+          <a:xfrm>
+            <a:off x="990600" y="1978025"/>
+            <a:ext cx="10515600" cy="4351338"/>
+          </a:xfrm>
+          <a:prstGeom prst="rect">
+            <a:avLst/>
+          </a:prstGeom>
+        </p:spPr>
+        <p:txBody>
+          <a:bodyPr vert="horz" lIns="91440" tIns="45720" rIns="91440" bIns="45720" rtlCol="0">
+            <a:normAutofit/>
+          </a:bodyPr>
+          <a:lstStyle>
+            <a:lvl1pPr marL="228600" indent="-228600" algn="l" defTabSz="914400" rtl="0" eaLnBrk="1" latinLnBrk="0" hangingPunct="1">
+              <a:lnSpc>
+                <a:spcPct val="90000"/>
+              </a:lnSpc>
+              <a:spcBef>
+                <a:spcPts val="1000"/>
+              </a:spcBef>
+              <a:buFont typeface="Arial" panose="020B0604020202020204" pitchFamily="34" charset="0"/>
+              <a:buChar char="•"/>
+              <a:defRPr sz="2800" kern="1200">
+                <a:solidFill>
+                  <a:schemeClr val="tx1"/>
+                </a:solidFill>
+                <a:latin typeface="+mn-lt"/>
+                <a:ea typeface="+mn-ea"/>
+                <a:cs typeface="+mn-cs"/>
+              </a:defRPr>
+            </a:lvl1pPr>
+            <a:lvl2pPr marL="685800" indent="-228600" algn="l" defTabSz="914400" rtl="0" eaLnBrk="1" latinLnBrk="0" hangingPunct="1">
+              <a:lnSpc>
+                <a:spcPct val="90000"/>
+              </a:lnSpc>
+              <a:spcBef>
+                <a:spcPts val="500"/>
+              </a:spcBef>
+              <a:buFont typeface="Arial" panose="020B0604020202020204" pitchFamily="34" charset="0"/>
+              <a:buChar char="•"/>
+              <a:defRPr sz="2400" kern="1200">
+                <a:solidFill>
+                  <a:schemeClr val="tx1"/>
+                </a:solidFill>
+                <a:latin typeface="+mn-lt"/>
+                <a:ea typeface="+mn-ea"/>
+                <a:cs typeface="+mn-cs"/>
+              </a:defRPr>
+            </a:lvl2pPr>
+            <a:lvl3pPr marL="1143000" indent="-228600" algn="l" defTabSz="914400" rtl="0" eaLnBrk="1" latinLnBrk="0" hangingPunct="1">
+              <a:lnSpc>
+                <a:spcPct val="90000"/>
+              </a:lnSpc>
+              <a:spcBef>
+                <a:spcPts val="500"/>
+              </a:spcBef>
+              <a:buFont typeface="Arial" panose="020B0604020202020204" pitchFamily="34" charset="0"/>
+              <a:buChar char="•"/>
+              <a:defRPr sz="2000" kern="1200">
+                <a:solidFill>
+                  <a:schemeClr val="tx1"/>
+                </a:solidFill>
+                <a:latin typeface="+mn-lt"/>
+                <a:ea typeface="+mn-ea"/>
+                <a:cs typeface="+mn-cs"/>
+              </a:defRPr>
+            </a:lvl3pPr>
+            <a:lvl4pPr marL="1600200" indent="-228600" algn="l" defTabSz="914400" rtl="0" eaLnBrk="1" latinLnBrk="0" hangingPunct="1">
+              <a:lnSpc>
+                <a:spcPct val="90000"/>
+              </a:lnSpc>
+              <a:spcBef>
+                <a:spcPts val="500"/>
+              </a:spcBef>
+              <a:buFont typeface="Arial" panose="020B0604020202020204" pitchFamily="34" charset="0"/>
+              <a:buChar char="•"/>
+              <a:defRPr sz="1800" kern="1200">
+                <a:solidFill>
+                  <a:schemeClr val="tx1"/>
+                </a:solidFill>
+                <a:latin typeface="+mn-lt"/>
+                <a:ea typeface="+mn-ea"/>
+                <a:cs typeface="+mn-cs"/>
+              </a:defRPr>
+            </a:lvl4pPr>
+            <a:lvl5pPr marL="2057400" indent="-228600" algn="l" defTabSz="914400" rtl="0" eaLnBrk="1" latinLnBrk="0" hangingPunct="1">
+              <a:lnSpc>
+                <a:spcPct val="90000"/>
+              </a:lnSpc>
+              <a:spcBef>
+                <a:spcPts val="500"/>
+              </a:spcBef>
+              <a:buFont typeface="Arial" panose="020B0604020202020204" pitchFamily="34" charset="0"/>
+              <a:buChar char="•"/>
+              <a:defRPr sz="1800" kern="1200">
+                <a:solidFill>
+                  <a:schemeClr val="tx1"/>
+                </a:solidFill>
+                <a:latin typeface="+mn-lt"/>
+                <a:ea typeface="+mn-ea"/>
+                <a:cs typeface="+mn-cs"/>
+              </a:defRPr>
+            </a:lvl5pPr>
+            <a:lvl6pPr marL="2514600" indent="-228600" algn="l" defTabSz="914400" rtl="0" eaLnBrk="1" latinLnBrk="0" hangingPunct="1">
+              <a:lnSpc>
+                <a:spcPct val="90000"/>
+              </a:lnSpc>
+              <a:spcBef>
+                <a:spcPts val="500"/>
+              </a:spcBef>
+              <a:buFont typeface="Arial" panose="020B0604020202020204" pitchFamily="34" charset="0"/>
+              <a:buChar char="•"/>
+              <a:defRPr sz="1800" kern="1200">
+                <a:solidFill>
+                  <a:schemeClr val="tx1"/>
+                </a:solidFill>
+                <a:latin typeface="+mn-lt"/>
+                <a:ea typeface="+mn-ea"/>
+                <a:cs typeface="+mn-cs"/>
+              </a:defRPr>
+            </a:lvl6pPr>
+            <a:lvl7pPr marL="2971800" indent="-228600" algn="l" defTabSz="914400" rtl="0" eaLnBrk="1" latinLnBrk="0" hangingPunct="1">
+              <a:lnSpc>
+                <a:spcPct val="90000"/>
+              </a:lnSpc>
+              <a:spcBef>
+                <a:spcPts val="500"/>
+              </a:spcBef>
+              <a:buFont typeface="Arial" panose="020B0604020202020204" pitchFamily="34" charset="0"/>
+              <a:buChar char="•"/>
+              <a:defRPr sz="1800" kern="1200">
+                <a:solidFill>
+                  <a:schemeClr val="tx1"/>
+                </a:solidFill>
+                <a:latin typeface="+mn-lt"/>
+                <a:ea typeface="+mn-ea"/>
+                <a:cs typeface="+mn-cs"/>
+              </a:defRPr>
+            </a:lvl7pPr>
+            <a:lvl8pPr marL="3429000" indent="-228600" algn="l" defTabSz="914400" rtl="0" eaLnBrk="1" latinLnBrk="0" hangingPunct="1">
+              <a:lnSpc>
+                <a:spcPct val="90000"/>
+              </a:lnSpc>
+              <a:spcBef>
+                <a:spcPts val="500"/>
+              </a:spcBef>
+              <a:buFont typeface="Arial" panose="020B0604020202020204" pitchFamily="34" charset="0"/>
+              <a:buChar char="•"/>
+              <a:defRPr sz="1800" kern="1200">
+                <a:solidFill>
+                  <a:schemeClr val="tx1"/>
+                </a:solidFill>
+                <a:latin typeface="+mn-lt"/>
+                <a:ea typeface="+mn-ea"/>
+                <a:cs typeface="+mn-cs"/>
+              </a:defRPr>
+            </a:lvl8pPr>
+            <a:lvl9pPr marL="3886200" indent="-228600" algn="l" defTabSz="914400" rtl="0" eaLnBrk="1" latinLnBrk="0" hangingPunct="1">
+              <a:lnSpc>
+                <a:spcPct val="90000"/>
+              </a:lnSpc>
+              <a:spcBef>
+                <a:spcPts val="500"/>
+              </a:spcBef>
+              <a:buFont typeface="Arial" panose="020B0604020202020204" pitchFamily="34" charset="0"/>
+              <a:buChar char="•"/>
+              <a:defRPr sz="1800" kern="1200">
+                <a:solidFill>
+                  <a:schemeClr val="tx1"/>
+                </a:solidFill>
+                <a:latin typeface="+mn-lt"/>
+                <a:ea typeface="+mn-ea"/>
+                <a:cs typeface="+mn-cs"/>
+              </a:defRPr>
+            </a:lvl9pPr>
+          </a:lstStyle>
           <a:p>
             <a:pPr marL="514350" indent="-514350">
               <a:buFont typeface="+mj-lt"/>
@@ -3529,30 +9390,6 @@
               </a:rPr>
               <a:t>? </a:t>
             </a:r>
-            <a:r>
-              <a:rPr lang="en-GB" dirty="0">
-                <a:effectLst/>
-                <a:latin typeface="+mj-lt"/>
-                <a:ea typeface="Times New Roman" panose="02020603050405020304" pitchFamily="18" charset="0"/>
-              </a:rPr>
-              <a:t>Differences with other data repositories like </a:t>
-            </a:r>
-            <a:r>
-              <a:rPr lang="en-GB" dirty="0" err="1">
-                <a:effectLst/>
-                <a:latin typeface="+mj-lt"/>
-                <a:ea typeface="Times New Roman" panose="02020603050405020304" pitchFamily="18" charset="0"/>
-              </a:rPr>
-              <a:t>Zenodo</a:t>
-            </a:r>
-            <a:r>
-              <a:rPr lang="en-GB" dirty="0">
-                <a:effectLst/>
-                <a:latin typeface="+mj-lt"/>
-                <a:ea typeface="Times New Roman" panose="02020603050405020304" pitchFamily="18" charset="0"/>
-              </a:rPr>
-              <a:t> </a:t>
-            </a:r>
             <a:endParaRPr lang="en-GB" dirty="0">
               <a:latin typeface="+mj-lt"/>
               <a:ea typeface="Times New Roman" panose="02020603050405020304" pitchFamily="18" charset="0"/>
@@ -3565,7 +9402,6 @@
             </a:pPr>
             <a:r>
               <a:rPr lang="en-GB" b="1" dirty="0">
-                <a:effectLst/>
                 <a:latin typeface="+mj-lt"/>
                 <a:ea typeface="Times New Roman" panose="02020603050405020304" pitchFamily="18" charset="0"/>
               </a:rPr>
@@ -3573,16 +9409,11 @@
             </a:r>
             <a:r>
               <a:rPr lang="en-GB" dirty="0">
-                <a:effectLst/>
                 <a:latin typeface="+mj-lt"/>
                 <a:ea typeface="Times New Roman" panose="02020603050405020304" pitchFamily="18" charset="0"/>
               </a:rPr>
-              <a:t> would you upload a dataset to 4TU? Are there some restrictions to upload a specific dataset/software at 4TU? </a:t>
-            </a:r>
-            <a:endParaRPr lang="en-GB" dirty="0">
-              <a:latin typeface="+mj-lt"/>
-              <a:ea typeface="Times New Roman" panose="02020603050405020304" pitchFamily="18" charset="0"/>
-            </a:endParaRPr>
+              <a:t> would you archive your data and use 4TU for that? </a:t>
+            </a:r>
           </a:p>
           <a:p>
             <a:pPr marL="514350" indent="-514350">
@@ -3591,7 +9422,6 @@
             </a:pPr>
             <a:r>
               <a:rPr lang="en-GB" b="1" dirty="0">
-                <a:effectLst/>
                 <a:latin typeface="+mj-lt"/>
                 <a:ea typeface="Times New Roman" panose="02020603050405020304" pitchFamily="18" charset="0"/>
               </a:rPr>
@@ -3599,16 +9429,11 @@
             </a:r>
             <a:r>
               <a:rPr lang="en-GB" dirty="0">
-                <a:effectLst/>
                 <a:latin typeface="+mj-lt"/>
                 <a:ea typeface="Times New Roman" panose="02020603050405020304" pitchFamily="18" charset="0"/>
               </a:rPr>
               <a:t>a software/dataset to 4TU</a:t>
             </a:r>
-            <a:endParaRPr lang="en-GB" dirty="0">
-              <a:latin typeface="+mj-lt"/>
-              <a:ea typeface="Times New Roman" panose="02020603050405020304" pitchFamily="18" charset="0"/>
-            </a:endParaRPr>
           </a:p>
           <a:p>
             <a:pPr marL="514350" indent="-514350">
@@ -3617,7 +9442,6 @@
             </a:pPr>
             <a:r>
               <a:rPr lang="en-GB" b="1" dirty="0">
-                <a:effectLst/>
                 <a:latin typeface="+mj-lt"/>
                 <a:ea typeface="Times New Roman" panose="02020603050405020304" pitchFamily="18" charset="0"/>
               </a:rPr>
@@ -3625,14 +9449,12 @@
             </a:r>
             <a:r>
               <a:rPr lang="en-GB" dirty="0">
-                <a:effectLst/>
                 <a:latin typeface="+mj-lt"/>
                 <a:ea typeface="Times New Roman" panose="02020603050405020304" pitchFamily="18" charset="0"/>
               </a:rPr>
               <a:t>. How does it work? </a:t>
             </a:r>
             <a:endParaRPr lang="en-GB" dirty="0">
-              <a:effectLst/>
               <a:latin typeface="+mj-lt"/>
               <a:ea typeface="Calibri" panose="020F0502020204030204" pitchFamily="34" charset="0"/>
             </a:endParaRPr>
@@ -3649,10 +9471,163 @@
           </a:p>
         </p:txBody>
       </p:sp>
+      <p:sp>
+        <p:nvSpPr>
+          <p:cNvPr id="5" name="Title 1">
+            <a:extLst>
+              <a:ext uri="{FF2B5EF4-FFF2-40B4-BE49-F238E27FC236}">
+                <a16:creationId xmlns:a16="http://schemas.microsoft.com/office/drawing/2014/main" id="{58C552C3-9FB0-9C21-24E5-1A3CAFB8EDCC}"/>
+              </a:ext>
+            </a:extLst>
+          </p:cNvPr>
+          <p:cNvSpPr txBox="1">
+            <a:spLocks/>
+          </p:cNvSpPr>
+          <p:nvPr/>
+        </p:nvSpPr>
+        <p:spPr>
+          <a:xfrm>
+            <a:off x="990600" y="517525"/>
+            <a:ext cx="10515600" cy="1325563"/>
+          </a:xfrm>
+          <a:prstGeom prst="rect">
+            <a:avLst/>
+          </a:prstGeom>
+        </p:spPr>
+        <p:txBody>
+          <a:bodyPr vert="horz" lIns="91440" tIns="45720" rIns="91440" bIns="45720" rtlCol="0" anchor="ctr">
+            <a:normAutofit/>
+          </a:bodyPr>
+          <a:lstStyle>
+            <a:lvl1pPr algn="l" defTabSz="914400" rtl="0" eaLnBrk="1" latinLnBrk="0" hangingPunct="1">
+              <a:lnSpc>
+                <a:spcPct val="90000"/>
+              </a:lnSpc>
+              <a:spcBef>
+                <a:spcPct val="0"/>
+              </a:spcBef>
+              <a:buNone/>
+              <a:defRPr sz="4400" kern="1200">
+                <a:solidFill>
+                  <a:schemeClr val="tx1"/>
+                </a:solidFill>
+                <a:latin typeface="+mj-lt"/>
+                <a:ea typeface="+mj-ea"/>
+                <a:cs typeface="+mj-cs"/>
+              </a:defRPr>
+            </a:lvl1pPr>
+          </a:lstStyle>
+          <a:p>
+            <a:r>
+              <a:rPr lang="en-GB" dirty="0"/>
+              <a:t>Schedule</a:t>
+            </a:r>
+          </a:p>
+        </p:txBody>
+      </p:sp>
     </p:spTree>
     <p:extLst>
       <p:ext uri="{BB962C8B-B14F-4D97-AF65-F5344CB8AC3E}">
-        <p14:creationId xmlns:p14="http://schemas.microsoft.com/office/powerpoint/2010/main" val="854803850"/>
+        <p14:creationId xmlns:p14="http://schemas.microsoft.com/office/powerpoint/2010/main" val="2692059098"/>
+      </p:ext>
+    </p:extLst>
+  </p:cSld>
+  <p:clrMapOvr>
+    <a:masterClrMapping/>
+  </p:clrMapOvr>
+</p:sld>
+</file>
+
+<file path=ppt/slides/slide20.xml><?xml version="1.0" encoding="utf-8"?>
+<p:sld xmlns:a="http://schemas.openxmlformats.org/drawingml/2006/main" xmlns:r="http://schemas.openxmlformats.org/officeDocument/2006/relationships" xmlns:p="http://schemas.openxmlformats.org/presentationml/2006/main">
+  <p:cSld>
+    <p:spTree>
+      <p:nvGrpSpPr>
+        <p:cNvPr id="1" name=""/>
+        <p:cNvGrpSpPr/>
+        <p:nvPr/>
+      </p:nvGrpSpPr>
+      <p:grpSpPr>
+        <a:xfrm>
+          <a:off x="0" y="0"/>
+          <a:ext cx="0" cy="0"/>
+          <a:chOff x="0" y="0"/>
+          <a:chExt cx="0" cy="0"/>
+        </a:xfrm>
+      </p:grpSpPr>
+      <p:pic>
+        <p:nvPicPr>
+          <p:cNvPr id="2" name="Google Shape;56;p13">
+            <a:extLst>
+              <a:ext uri="{FF2B5EF4-FFF2-40B4-BE49-F238E27FC236}">
+                <a16:creationId xmlns:a16="http://schemas.microsoft.com/office/drawing/2014/main" id="{B4618658-0C4F-87EC-5138-EE7FA2C7C29E}"/>
+              </a:ext>
+            </a:extLst>
+          </p:cNvPr>
+          <p:cNvPicPr preferRelativeResize="0"/>
+          <p:nvPr/>
+        </p:nvPicPr>
+        <p:blipFill>
+          <a:blip r:embed="rId3">
+            <a:alphaModFix/>
+          </a:blip>
+          <a:stretch>
+            <a:fillRect/>
+          </a:stretch>
+        </p:blipFill>
+        <p:spPr>
+          <a:xfrm>
+            <a:off x="0" y="0"/>
+            <a:ext cx="12192000" cy="6858000"/>
+          </a:xfrm>
+          <a:prstGeom prst="rect">
+            <a:avLst/>
+          </a:prstGeom>
+          <a:noFill/>
+          <a:ln>
+            <a:noFill/>
+          </a:ln>
+        </p:spPr>
+      </p:pic>
+      <p:sp>
+        <p:nvSpPr>
+          <p:cNvPr id="3" name="TextBox 2">
+            <a:extLst>
+              <a:ext uri="{FF2B5EF4-FFF2-40B4-BE49-F238E27FC236}">
+                <a16:creationId xmlns:a16="http://schemas.microsoft.com/office/drawing/2014/main" id="{F24BFD9B-C4F7-31EB-D1D6-76D640D9C265}"/>
+              </a:ext>
+            </a:extLst>
+          </p:cNvPr>
+          <p:cNvSpPr txBox="1"/>
+          <p:nvPr/>
+        </p:nvSpPr>
+        <p:spPr>
+          <a:xfrm>
+            <a:off x="3578942" y="2281084"/>
+            <a:ext cx="5081519" cy="1323439"/>
+          </a:xfrm>
+          <a:prstGeom prst="rect">
+            <a:avLst/>
+          </a:prstGeom>
+          <a:noFill/>
+        </p:spPr>
+        <p:txBody>
+          <a:bodyPr wrap="none" rtlCol="0">
+            <a:spAutoFit/>
+          </a:bodyPr>
+          <a:lstStyle/>
+          <a:p>
+            <a:r>
+              <a:rPr lang="en-GB" sz="8000" dirty="0"/>
+              <a:t>Questions? </a:t>
+            </a:r>
+          </a:p>
+        </p:txBody>
+      </p:sp>
+    </p:spTree>
+    <p:extLst>
+      <p:ext uri="{BB962C8B-B14F-4D97-AF65-F5344CB8AC3E}">
+        <p14:creationId xmlns:p14="http://schemas.microsoft.com/office/powerpoint/2010/main" val="2700474318"/>
       </p:ext>
     </p:extLst>
   </p:cSld>
@@ -3865,6 +9840,1122 @@
   <p:cSld>
     <p:spTree>
       <p:nvGrpSpPr>
+        <p:cNvPr id="1" name="Shape 70"/>
+        <p:cNvGrpSpPr/>
+        <p:nvPr/>
+      </p:nvGrpSpPr>
+      <p:grpSpPr>
+        <a:xfrm>
+          <a:off x="0" y="0"/>
+          <a:ext cx="0" cy="0"/>
+          <a:chOff x="0" y="0"/>
+          <a:chExt cx="0" cy="0"/>
+        </a:xfrm>
+      </p:grpSpPr>
+      <p:sp>
+        <p:nvSpPr>
+          <p:cNvPr id="2" name="Title 1">
+            <a:extLst>
+              <a:ext uri="{FF2B5EF4-FFF2-40B4-BE49-F238E27FC236}">
+                <a16:creationId xmlns:a16="http://schemas.microsoft.com/office/drawing/2014/main" id="{D04833EB-4253-33B4-B40E-6FFDFC90E4FF}"/>
+              </a:ext>
+            </a:extLst>
+          </p:cNvPr>
+          <p:cNvSpPr>
+            <a:spLocks noGrp="1"/>
+          </p:cNvSpPr>
+          <p:nvPr>
+            <p:ph type="title"/>
+          </p:nvPr>
+        </p:nvSpPr>
+        <p:spPr>
+          <a:xfrm>
+            <a:off x="609600" y="496400"/>
+            <a:ext cx="10515600" cy="1325563"/>
+          </a:xfrm>
+        </p:spPr>
+        <p:txBody>
+          <a:bodyPr/>
+          <a:lstStyle/>
+          <a:p>
+            <a:r>
+              <a:rPr lang="en-GB" sz="4400" b="1" dirty="0">
+                <a:latin typeface="+mj-lt"/>
+              </a:rPr>
+              <a:t>What is 4TU.Research Data? </a:t>
+            </a:r>
+            <a:endParaRPr lang="en-GB" dirty="0"/>
+          </a:p>
+        </p:txBody>
+      </p:sp>
+      <p:sp>
+        <p:nvSpPr>
+          <p:cNvPr id="74" name="Google Shape;74;p15"/>
+          <p:cNvSpPr txBox="1"/>
+          <p:nvPr/>
+        </p:nvSpPr>
+        <p:spPr>
+          <a:xfrm>
+            <a:off x="415600" y="203200"/>
+            <a:ext cx="4000000" cy="586400"/>
+          </a:xfrm>
+          <a:prstGeom prst="rect">
+            <a:avLst/>
+          </a:prstGeom>
+          <a:noFill/>
+          <a:ln>
+            <a:noFill/>
+          </a:ln>
+        </p:spPr>
+        <p:txBody>
+          <a:bodyPr spcFirstLastPara="1" wrap="square" lIns="121900" tIns="121900" rIns="121900" bIns="121900" anchor="ctr" anchorCtr="0">
+            <a:noAutofit/>
+          </a:bodyPr>
+          <a:lstStyle/>
+          <a:p>
+            <a:r>
+              <a:rPr lang="en" sz="2400"/>
+              <a:t> </a:t>
+            </a:r>
+            <a:endParaRPr sz="2400"/>
+          </a:p>
+        </p:txBody>
+      </p:sp>
+      <p:sp>
+        <p:nvSpPr>
+          <p:cNvPr id="6" name="TextBox 5">
+            <a:extLst>
+              <a:ext uri="{FF2B5EF4-FFF2-40B4-BE49-F238E27FC236}">
+                <a16:creationId xmlns:a16="http://schemas.microsoft.com/office/drawing/2014/main" id="{2C683AFA-AF21-7801-FF39-1625AC88E3E3}"/>
+              </a:ext>
+            </a:extLst>
+          </p:cNvPr>
+          <p:cNvSpPr txBox="1"/>
+          <p:nvPr/>
+        </p:nvSpPr>
+        <p:spPr>
+          <a:xfrm>
+            <a:off x="299453" y="2055813"/>
+            <a:ext cx="11321047" cy="2246769"/>
+          </a:xfrm>
+          <a:prstGeom prst="rect">
+            <a:avLst/>
+          </a:prstGeom>
+          <a:noFill/>
+        </p:spPr>
+        <p:txBody>
+          <a:bodyPr wrap="square" rtlCol="0">
+            <a:spAutoFit/>
+          </a:bodyPr>
+          <a:lstStyle/>
+          <a:p>
+            <a:pPr marL="457200" indent="-457200">
+              <a:buFont typeface="Arial" panose="020B0604020202020204" pitchFamily="34" charset="0"/>
+              <a:buChar char="•"/>
+            </a:pPr>
+            <a:r>
+              <a:rPr lang="en-GB" sz="2800" b="1" dirty="0">
+                <a:latin typeface="+mj-lt"/>
+              </a:rPr>
+              <a:t>Curated</a:t>
+            </a:r>
+            <a:r>
+              <a:rPr lang="en-GB" sz="2800" dirty="0">
+                <a:latin typeface="+mj-lt"/>
+              </a:rPr>
+              <a:t> data and software depository for science, engineering and design. </a:t>
+            </a:r>
+          </a:p>
+          <a:p>
+            <a:pPr marL="457200" indent="-457200">
+              <a:buFont typeface="Arial" panose="020B0604020202020204" pitchFamily="34" charset="0"/>
+              <a:buChar char="•"/>
+            </a:pPr>
+            <a:r>
+              <a:rPr lang="en-GB" sz="2800" dirty="0">
+                <a:latin typeface="+mj-lt"/>
+              </a:rPr>
+              <a:t>Supports publishing and “</a:t>
+            </a:r>
+            <a:r>
+              <a:rPr lang="en-GB" sz="2800" b="1" dirty="0">
+                <a:latin typeface="+mj-lt"/>
+              </a:rPr>
+              <a:t>long-term</a:t>
+            </a:r>
+            <a:r>
+              <a:rPr lang="en-GB" sz="2800" dirty="0">
+                <a:latin typeface="+mj-lt"/>
+              </a:rPr>
+              <a:t>” preservation. </a:t>
+            </a:r>
+          </a:p>
+          <a:p>
+            <a:pPr marL="457200" indent="-457200">
+              <a:buFont typeface="Arial" panose="020B0604020202020204" pitchFamily="34" charset="0"/>
+              <a:buChar char="•"/>
+            </a:pPr>
+            <a:r>
+              <a:rPr lang="en-GB" sz="2800" dirty="0">
+                <a:latin typeface="+mj-lt"/>
+              </a:rPr>
+              <a:t>Expands the ability to re-use (collaborate) your data </a:t>
+            </a:r>
+          </a:p>
+          <a:p>
+            <a:pPr marL="914400" lvl="1" indent="-457200">
+              <a:buFont typeface="Arial" panose="020B0604020202020204" pitchFamily="34" charset="0"/>
+              <a:buChar char="•"/>
+            </a:pPr>
+            <a:r>
+              <a:rPr lang="en-GB" sz="2800" dirty="0">
+                <a:latin typeface="+mj-lt"/>
+              </a:rPr>
+              <a:t>Link the data metadata to </a:t>
+            </a:r>
+            <a:r>
+              <a:rPr lang="en-GB" sz="2800" dirty="0" err="1">
+                <a:latin typeface="+mj-lt"/>
+                <a:hlinkClick r:id="rId3"/>
+              </a:rPr>
+              <a:t>Datacite</a:t>
+            </a:r>
+            <a:r>
+              <a:rPr lang="en-GB" sz="2800" dirty="0">
+                <a:latin typeface="+mj-lt"/>
+              </a:rPr>
+              <a:t> which ensures your data is findable across other website services like Google scholar for papers.</a:t>
+            </a:r>
+          </a:p>
+        </p:txBody>
+      </p:sp>
+    </p:spTree>
+  </p:cSld>
+  <p:clrMapOvr>
+    <a:masterClrMapping/>
+  </p:clrMapOvr>
+</p:sld>
+</file>
+
+<file path=ppt/slides/slide5.xml><?xml version="1.0" encoding="utf-8"?>
+<p:sld xmlns:a="http://schemas.openxmlformats.org/drawingml/2006/main" xmlns:r="http://schemas.openxmlformats.org/officeDocument/2006/relationships" xmlns:p="http://schemas.openxmlformats.org/presentationml/2006/main">
+  <p:cSld>
+    <p:spTree>
+      <p:nvGrpSpPr>
+        <p:cNvPr id="1" name="Shape 70"/>
+        <p:cNvGrpSpPr/>
+        <p:nvPr/>
+      </p:nvGrpSpPr>
+      <p:grpSpPr>
+        <a:xfrm>
+          <a:off x="0" y="0"/>
+          <a:ext cx="0" cy="0"/>
+          <a:chOff x="0" y="0"/>
+          <a:chExt cx="0" cy="0"/>
+        </a:xfrm>
+      </p:grpSpPr>
+      <p:sp>
+        <p:nvSpPr>
+          <p:cNvPr id="2" name="Title 1">
+            <a:extLst>
+              <a:ext uri="{FF2B5EF4-FFF2-40B4-BE49-F238E27FC236}">
+                <a16:creationId xmlns:a16="http://schemas.microsoft.com/office/drawing/2014/main" id="{D04833EB-4253-33B4-B40E-6FFDFC90E4FF}"/>
+              </a:ext>
+            </a:extLst>
+          </p:cNvPr>
+          <p:cNvSpPr>
+            <a:spLocks noGrp="1"/>
+          </p:cNvSpPr>
+          <p:nvPr>
+            <p:ph type="title"/>
+          </p:nvPr>
+        </p:nvSpPr>
+        <p:spPr>
+          <a:xfrm>
+            <a:off x="1162780" y="250436"/>
+            <a:ext cx="8991600" cy="1704763"/>
+          </a:xfrm>
+        </p:spPr>
+        <p:txBody>
+          <a:bodyPr>
+            <a:noAutofit/>
+          </a:bodyPr>
+          <a:lstStyle/>
+          <a:p>
+            <a:pPr algn="ctr"/>
+            <a:r>
+              <a:rPr lang="en-GB" sz="3600" b="1" dirty="0">
+                <a:latin typeface="+mj-lt"/>
+              </a:rPr>
+              <a:t>4TU.Research Data role within the research life cycle</a:t>
+            </a:r>
+            <a:endParaRPr lang="en-GB" sz="3600" dirty="0"/>
+          </a:p>
+        </p:txBody>
+      </p:sp>
+      <p:sp>
+        <p:nvSpPr>
+          <p:cNvPr id="74" name="Google Shape;74;p15"/>
+          <p:cNvSpPr txBox="1"/>
+          <p:nvPr/>
+        </p:nvSpPr>
+        <p:spPr>
+          <a:xfrm>
+            <a:off x="415600" y="203200"/>
+            <a:ext cx="4000000" cy="586400"/>
+          </a:xfrm>
+          <a:prstGeom prst="rect">
+            <a:avLst/>
+          </a:prstGeom>
+          <a:noFill/>
+          <a:ln>
+            <a:noFill/>
+          </a:ln>
+        </p:spPr>
+        <p:txBody>
+          <a:bodyPr spcFirstLastPara="1" wrap="square" lIns="121900" tIns="121900" rIns="121900" bIns="121900" anchor="ctr" anchorCtr="0">
+            <a:noAutofit/>
+          </a:bodyPr>
+          <a:lstStyle/>
+          <a:p>
+            <a:r>
+              <a:rPr lang="en" sz="2400"/>
+              <a:t> </a:t>
+            </a:r>
+            <a:endParaRPr sz="2400"/>
+          </a:p>
+        </p:txBody>
+      </p:sp>
+      <p:sp>
+        <p:nvSpPr>
+          <p:cNvPr id="24" name="Oval 23">
+            <a:extLst>
+              <a:ext uri="{FF2B5EF4-FFF2-40B4-BE49-F238E27FC236}">
+                <a16:creationId xmlns:a16="http://schemas.microsoft.com/office/drawing/2014/main" id="{F5B26145-9470-3291-B1AB-25206301850A}"/>
+              </a:ext>
+            </a:extLst>
+          </p:cNvPr>
+          <p:cNvSpPr/>
+          <p:nvPr/>
+        </p:nvSpPr>
+        <p:spPr>
+          <a:xfrm>
+            <a:off x="2701100" y="3797078"/>
+            <a:ext cx="1714500" cy="1608619"/>
+          </a:xfrm>
+          <a:prstGeom prst="ellipse">
+            <a:avLst/>
+          </a:prstGeom>
+          <a:solidFill>
+            <a:schemeClr val="accent2"/>
+          </a:solidFill>
+          <a:ln w="9525" cap="flat" cmpd="sng" algn="ctr">
+            <a:solidFill>
+              <a:schemeClr val="dk1"/>
+            </a:solidFill>
+            <a:prstDash val="solid"/>
+            <a:round/>
+            <a:headEnd type="none" w="med" len="med"/>
+            <a:tailEnd type="none" w="med" len="med"/>
+          </a:ln>
+          <a:effectLst>
+            <a:glow>
+              <a:schemeClr val="tx1">
+                <a:lumMod val="50000"/>
+                <a:lumOff val="50000"/>
+                <a:alpha val="66000"/>
+              </a:schemeClr>
+            </a:glow>
+          </a:effectLst>
+        </p:spPr>
+        <p:style>
+          <a:lnRef idx="0">
+            <a:scrgbClr r="0" g="0" b="0"/>
+          </a:lnRef>
+          <a:fillRef idx="0">
+            <a:scrgbClr r="0" g="0" b="0"/>
+          </a:fillRef>
+          <a:effectRef idx="0">
+            <a:scrgbClr r="0" g="0" b="0"/>
+          </a:effectRef>
+          <a:fontRef idx="minor">
+            <a:schemeClr val="dk1"/>
+          </a:fontRef>
+        </p:style>
+        <p:txBody>
+          <a:bodyPr rtlCol="0" anchor="ctr"/>
+          <a:lstStyle/>
+          <a:p>
+            <a:pPr algn="ctr"/>
+            <a:r>
+              <a:rPr lang="en-GB" dirty="0"/>
+              <a:t>Data collection</a:t>
+            </a:r>
+          </a:p>
+        </p:txBody>
+      </p:sp>
+      <p:sp>
+        <p:nvSpPr>
+          <p:cNvPr id="25" name="Oval 24">
+            <a:extLst>
+              <a:ext uri="{FF2B5EF4-FFF2-40B4-BE49-F238E27FC236}">
+                <a16:creationId xmlns:a16="http://schemas.microsoft.com/office/drawing/2014/main" id="{B3642EA5-60D4-F074-762C-8AB758B14A71}"/>
+              </a:ext>
+            </a:extLst>
+          </p:cNvPr>
+          <p:cNvSpPr/>
+          <p:nvPr/>
+        </p:nvSpPr>
+        <p:spPr>
+          <a:xfrm>
+            <a:off x="8762232" y="1563844"/>
+            <a:ext cx="1714500" cy="1608619"/>
+          </a:xfrm>
+          <a:prstGeom prst="ellipse">
+            <a:avLst/>
+          </a:prstGeom>
+          <a:solidFill>
+            <a:srgbClr val="993366"/>
+          </a:solidFill>
+          <a:ln w="9525" cap="flat" cmpd="sng" algn="ctr">
+            <a:solidFill>
+              <a:schemeClr val="dk1"/>
+            </a:solidFill>
+            <a:prstDash val="solid"/>
+            <a:round/>
+            <a:headEnd type="none" w="med" len="med"/>
+            <a:tailEnd type="none" w="med" len="med"/>
+          </a:ln>
+          <a:effectLst>
+            <a:glow>
+              <a:schemeClr val="tx1">
+                <a:lumMod val="50000"/>
+                <a:lumOff val="50000"/>
+                <a:alpha val="66000"/>
+              </a:schemeClr>
+            </a:glow>
+          </a:effectLst>
+        </p:spPr>
+        <p:style>
+          <a:lnRef idx="0">
+            <a:scrgbClr r="0" g="0" b="0"/>
+          </a:lnRef>
+          <a:fillRef idx="0">
+            <a:scrgbClr r="0" g="0" b="0"/>
+          </a:fillRef>
+          <a:effectRef idx="0">
+            <a:scrgbClr r="0" g="0" b="0"/>
+          </a:effectRef>
+          <a:fontRef idx="minor">
+            <a:schemeClr val="dk1"/>
+          </a:fontRef>
+        </p:style>
+        <p:txBody>
+          <a:bodyPr rtlCol="0" anchor="ctr"/>
+          <a:lstStyle/>
+          <a:p>
+            <a:pPr algn="ctr"/>
+            <a:r>
+              <a:rPr lang="en-GB" dirty="0"/>
+              <a:t>Publishing</a:t>
+            </a:r>
+          </a:p>
+        </p:txBody>
+      </p:sp>
+      <p:sp>
+        <p:nvSpPr>
+          <p:cNvPr id="26" name="Oval 25">
+            <a:extLst>
+              <a:ext uri="{FF2B5EF4-FFF2-40B4-BE49-F238E27FC236}">
+                <a16:creationId xmlns:a16="http://schemas.microsoft.com/office/drawing/2014/main" id="{7D6609E3-2E71-3E06-8FDF-CFA105BF8429}"/>
+              </a:ext>
+            </a:extLst>
+          </p:cNvPr>
+          <p:cNvSpPr/>
+          <p:nvPr/>
+        </p:nvSpPr>
+        <p:spPr>
+          <a:xfrm>
+            <a:off x="853315" y="4601388"/>
+            <a:ext cx="1714500" cy="1608619"/>
+          </a:xfrm>
+          <a:prstGeom prst="ellipse">
+            <a:avLst/>
+          </a:prstGeom>
+          <a:solidFill>
+            <a:srgbClr val="3333CC"/>
+          </a:solidFill>
+          <a:ln w="9525" cap="flat" cmpd="sng" algn="ctr">
+            <a:solidFill>
+              <a:schemeClr val="dk1"/>
+            </a:solidFill>
+            <a:prstDash val="solid"/>
+            <a:round/>
+            <a:headEnd type="none" w="med" len="med"/>
+            <a:tailEnd type="none" w="med" len="med"/>
+          </a:ln>
+        </p:spPr>
+        <p:style>
+          <a:lnRef idx="0">
+            <a:scrgbClr r="0" g="0" b="0"/>
+          </a:lnRef>
+          <a:fillRef idx="0">
+            <a:scrgbClr r="0" g="0" b="0"/>
+          </a:fillRef>
+          <a:effectRef idx="0">
+            <a:scrgbClr r="0" g="0" b="0"/>
+          </a:effectRef>
+          <a:fontRef idx="minor">
+            <a:schemeClr val="dk1"/>
+          </a:fontRef>
+        </p:style>
+        <p:txBody>
+          <a:bodyPr rtlCol="0" anchor="ctr"/>
+          <a:lstStyle/>
+          <a:p>
+            <a:pPr algn="ctr"/>
+            <a:r>
+              <a:rPr lang="en-GB" dirty="0"/>
+              <a:t>Plan</a:t>
+            </a:r>
+          </a:p>
+        </p:txBody>
+      </p:sp>
+      <p:sp>
+        <p:nvSpPr>
+          <p:cNvPr id="28" name="Oval 27">
+            <a:extLst>
+              <a:ext uri="{FF2B5EF4-FFF2-40B4-BE49-F238E27FC236}">
+                <a16:creationId xmlns:a16="http://schemas.microsoft.com/office/drawing/2014/main" id="{75CB9569-FE12-FD6E-9604-E34BB81B3B3D}"/>
+              </a:ext>
+            </a:extLst>
+          </p:cNvPr>
+          <p:cNvSpPr/>
+          <p:nvPr/>
+        </p:nvSpPr>
+        <p:spPr>
+          <a:xfrm>
+            <a:off x="4686262" y="3159617"/>
+            <a:ext cx="1714500" cy="1608619"/>
+          </a:xfrm>
+          <a:prstGeom prst="ellipse">
+            <a:avLst/>
+          </a:prstGeom>
+          <a:solidFill>
+            <a:srgbClr val="00B050"/>
+          </a:solidFill>
+          <a:ln w="9525" cap="flat" cmpd="sng" algn="ctr">
+            <a:solidFill>
+              <a:schemeClr val="dk1"/>
+            </a:solidFill>
+            <a:prstDash val="solid"/>
+            <a:round/>
+            <a:headEnd type="none" w="med" len="med"/>
+            <a:tailEnd type="none" w="med" len="med"/>
+          </a:ln>
+        </p:spPr>
+        <p:style>
+          <a:lnRef idx="0">
+            <a:scrgbClr r="0" g="0" b="0"/>
+          </a:lnRef>
+          <a:fillRef idx="0">
+            <a:scrgbClr r="0" g="0" b="0"/>
+          </a:fillRef>
+          <a:effectRef idx="0">
+            <a:scrgbClr r="0" g="0" b="0"/>
+          </a:effectRef>
+          <a:fontRef idx="minor">
+            <a:schemeClr val="dk1"/>
+          </a:fontRef>
+        </p:style>
+        <p:txBody>
+          <a:bodyPr rtlCol="0" anchor="ctr"/>
+          <a:lstStyle/>
+          <a:p>
+            <a:pPr algn="ctr"/>
+            <a:r>
+              <a:rPr lang="en-GB" dirty="0"/>
+              <a:t>Analyse</a:t>
+            </a:r>
+          </a:p>
+        </p:txBody>
+      </p:sp>
+      <p:sp>
+        <p:nvSpPr>
+          <p:cNvPr id="29" name="Oval 28">
+            <a:extLst>
+              <a:ext uri="{FF2B5EF4-FFF2-40B4-BE49-F238E27FC236}">
+                <a16:creationId xmlns:a16="http://schemas.microsoft.com/office/drawing/2014/main" id="{AE35D452-1792-6D18-9324-6F863F23D286}"/>
+              </a:ext>
+            </a:extLst>
+          </p:cNvPr>
+          <p:cNvSpPr/>
+          <p:nvPr/>
+        </p:nvSpPr>
+        <p:spPr>
+          <a:xfrm>
+            <a:off x="6563361" y="2355307"/>
+            <a:ext cx="1714500" cy="1608619"/>
+          </a:xfrm>
+          <a:prstGeom prst="ellipse">
+            <a:avLst/>
+          </a:prstGeom>
+          <a:solidFill>
+            <a:srgbClr val="92D050"/>
+          </a:solidFill>
+          <a:ln w="9525" cap="flat" cmpd="sng" algn="ctr">
+            <a:solidFill>
+              <a:schemeClr val="dk1"/>
+            </a:solidFill>
+            <a:prstDash val="solid"/>
+            <a:round/>
+            <a:headEnd type="none" w="med" len="med"/>
+            <a:tailEnd type="none" w="med" len="med"/>
+          </a:ln>
+        </p:spPr>
+        <p:style>
+          <a:lnRef idx="0">
+            <a:scrgbClr r="0" g="0" b="0"/>
+          </a:lnRef>
+          <a:fillRef idx="0">
+            <a:scrgbClr r="0" g="0" b="0"/>
+          </a:fillRef>
+          <a:effectRef idx="0">
+            <a:scrgbClr r="0" g="0" b="0"/>
+          </a:effectRef>
+          <a:fontRef idx="minor">
+            <a:schemeClr val="dk1"/>
+          </a:fontRef>
+        </p:style>
+        <p:txBody>
+          <a:bodyPr rtlCol="0" anchor="ctr"/>
+          <a:lstStyle/>
+          <a:p>
+            <a:pPr algn="ctr"/>
+            <a:r>
+              <a:rPr lang="en-GB" dirty="0"/>
+              <a:t>Report</a:t>
+            </a:r>
+          </a:p>
+        </p:txBody>
+      </p:sp>
+      <p:cxnSp>
+        <p:nvCxnSpPr>
+          <p:cNvPr id="46" name="Straight Arrow Connector 45">
+            <a:extLst>
+              <a:ext uri="{FF2B5EF4-FFF2-40B4-BE49-F238E27FC236}">
+                <a16:creationId xmlns:a16="http://schemas.microsoft.com/office/drawing/2014/main" id="{65849BBE-18E5-44F9-8338-266C49B17174}"/>
+              </a:ext>
+            </a:extLst>
+          </p:cNvPr>
+          <p:cNvCxnSpPr/>
+          <p:nvPr/>
+        </p:nvCxnSpPr>
+        <p:spPr>
+          <a:xfrm flipV="1">
+            <a:off x="3067665" y="3429000"/>
+            <a:ext cx="6813754" cy="2893142"/>
+          </a:xfrm>
+          <a:prstGeom prst="straightConnector1">
+            <a:avLst/>
+          </a:prstGeom>
+          <a:ln w="38100">
+            <a:tailEnd type="triangle"/>
+          </a:ln>
+        </p:spPr>
+        <p:style>
+          <a:lnRef idx="1">
+            <a:schemeClr val="dk1"/>
+          </a:lnRef>
+          <a:fillRef idx="0">
+            <a:schemeClr val="dk1"/>
+          </a:fillRef>
+          <a:effectRef idx="0">
+            <a:schemeClr val="dk1"/>
+          </a:effectRef>
+          <a:fontRef idx="minor">
+            <a:schemeClr val="tx1"/>
+          </a:fontRef>
+        </p:style>
+      </p:cxnSp>
+    </p:spTree>
+    <p:extLst>
+      <p:ext uri="{BB962C8B-B14F-4D97-AF65-F5344CB8AC3E}">
+        <p14:creationId xmlns:p14="http://schemas.microsoft.com/office/powerpoint/2010/main" val="1915389870"/>
+      </p:ext>
+    </p:extLst>
+  </p:cSld>
+  <p:clrMapOvr>
+    <a:masterClrMapping/>
+  </p:clrMapOvr>
+</p:sld>
+</file>
+
+<file path=ppt/slides/slide6.xml><?xml version="1.0" encoding="utf-8"?>
+<p:sld xmlns:a="http://schemas.openxmlformats.org/drawingml/2006/main" xmlns:r="http://schemas.openxmlformats.org/officeDocument/2006/relationships" xmlns:p="http://schemas.openxmlformats.org/presentationml/2006/main">
+  <p:cSld>
+    <p:spTree>
+      <p:nvGrpSpPr>
+        <p:cNvPr id="1" name="Shape 70"/>
+        <p:cNvGrpSpPr/>
+        <p:nvPr/>
+      </p:nvGrpSpPr>
+      <p:grpSpPr>
+        <a:xfrm>
+          <a:off x="0" y="0"/>
+          <a:ext cx="0" cy="0"/>
+          <a:chOff x="0" y="0"/>
+          <a:chExt cx="0" cy="0"/>
+        </a:xfrm>
+      </p:grpSpPr>
+      <p:sp>
+        <p:nvSpPr>
+          <p:cNvPr id="2" name="Title 1">
+            <a:extLst>
+              <a:ext uri="{FF2B5EF4-FFF2-40B4-BE49-F238E27FC236}">
+                <a16:creationId xmlns:a16="http://schemas.microsoft.com/office/drawing/2014/main" id="{D04833EB-4253-33B4-B40E-6FFDFC90E4FF}"/>
+              </a:ext>
+            </a:extLst>
+          </p:cNvPr>
+          <p:cNvSpPr>
+            <a:spLocks noGrp="1"/>
+          </p:cNvSpPr>
+          <p:nvPr>
+            <p:ph type="title"/>
+          </p:nvPr>
+        </p:nvSpPr>
+        <p:spPr>
+          <a:xfrm>
+            <a:off x="1162780" y="250436"/>
+            <a:ext cx="8991600" cy="1704763"/>
+          </a:xfrm>
+        </p:spPr>
+        <p:txBody>
+          <a:bodyPr>
+            <a:noAutofit/>
+          </a:bodyPr>
+          <a:lstStyle/>
+          <a:p>
+            <a:pPr algn="ctr"/>
+            <a:r>
+              <a:rPr lang="en-GB" sz="3600" b="1" dirty="0">
+                <a:latin typeface="+mj-lt"/>
+              </a:rPr>
+              <a:t>4TU.Research Data role within the research life cycle</a:t>
+            </a:r>
+            <a:endParaRPr lang="en-GB" sz="3600" dirty="0"/>
+          </a:p>
+        </p:txBody>
+      </p:sp>
+      <p:sp>
+        <p:nvSpPr>
+          <p:cNvPr id="74" name="Google Shape;74;p15"/>
+          <p:cNvSpPr txBox="1"/>
+          <p:nvPr/>
+        </p:nvSpPr>
+        <p:spPr>
+          <a:xfrm>
+            <a:off x="415600" y="203200"/>
+            <a:ext cx="4000000" cy="586400"/>
+          </a:xfrm>
+          <a:prstGeom prst="rect">
+            <a:avLst/>
+          </a:prstGeom>
+          <a:noFill/>
+          <a:ln>
+            <a:noFill/>
+          </a:ln>
+        </p:spPr>
+        <p:txBody>
+          <a:bodyPr spcFirstLastPara="1" wrap="square" lIns="121900" tIns="121900" rIns="121900" bIns="121900" anchor="ctr" anchorCtr="0">
+            <a:noAutofit/>
+          </a:bodyPr>
+          <a:lstStyle/>
+          <a:p>
+            <a:r>
+              <a:rPr lang="en" sz="2400"/>
+              <a:t> </a:t>
+            </a:r>
+            <a:endParaRPr sz="2400"/>
+          </a:p>
+        </p:txBody>
+      </p:sp>
+      <p:sp>
+        <p:nvSpPr>
+          <p:cNvPr id="24" name="Oval 23">
+            <a:extLst>
+              <a:ext uri="{FF2B5EF4-FFF2-40B4-BE49-F238E27FC236}">
+                <a16:creationId xmlns:a16="http://schemas.microsoft.com/office/drawing/2014/main" id="{F5B26145-9470-3291-B1AB-25206301850A}"/>
+              </a:ext>
+            </a:extLst>
+          </p:cNvPr>
+          <p:cNvSpPr/>
+          <p:nvPr/>
+        </p:nvSpPr>
+        <p:spPr>
+          <a:xfrm>
+            <a:off x="2701100" y="3797078"/>
+            <a:ext cx="1714500" cy="1608619"/>
+          </a:xfrm>
+          <a:prstGeom prst="ellipse">
+            <a:avLst/>
+          </a:prstGeom>
+          <a:solidFill>
+            <a:schemeClr val="accent2"/>
+          </a:solidFill>
+          <a:ln w="9525" cap="flat" cmpd="sng" algn="ctr">
+            <a:solidFill>
+              <a:schemeClr val="dk1"/>
+            </a:solidFill>
+            <a:prstDash val="solid"/>
+            <a:round/>
+            <a:headEnd type="none" w="med" len="med"/>
+            <a:tailEnd type="none" w="med" len="med"/>
+          </a:ln>
+          <a:effectLst>
+            <a:glow rad="723900">
+              <a:schemeClr val="accent3">
+                <a:satMod val="175000"/>
+                <a:alpha val="72000"/>
+              </a:schemeClr>
+            </a:glow>
+          </a:effectLst>
+        </p:spPr>
+        <p:style>
+          <a:lnRef idx="0">
+            <a:scrgbClr r="0" g="0" b="0"/>
+          </a:lnRef>
+          <a:fillRef idx="0">
+            <a:scrgbClr r="0" g="0" b="0"/>
+          </a:fillRef>
+          <a:effectRef idx="0">
+            <a:scrgbClr r="0" g="0" b="0"/>
+          </a:effectRef>
+          <a:fontRef idx="minor">
+            <a:schemeClr val="dk1"/>
+          </a:fontRef>
+        </p:style>
+        <p:txBody>
+          <a:bodyPr rtlCol="0" anchor="ctr"/>
+          <a:lstStyle/>
+          <a:p>
+            <a:pPr algn="ctr"/>
+            <a:r>
+              <a:rPr lang="en-GB" dirty="0"/>
+              <a:t>Data collection</a:t>
+            </a:r>
+          </a:p>
+        </p:txBody>
+      </p:sp>
+      <p:sp>
+        <p:nvSpPr>
+          <p:cNvPr id="25" name="Oval 24">
+            <a:extLst>
+              <a:ext uri="{FF2B5EF4-FFF2-40B4-BE49-F238E27FC236}">
+                <a16:creationId xmlns:a16="http://schemas.microsoft.com/office/drawing/2014/main" id="{B3642EA5-60D4-F074-762C-8AB758B14A71}"/>
+              </a:ext>
+            </a:extLst>
+          </p:cNvPr>
+          <p:cNvSpPr/>
+          <p:nvPr/>
+        </p:nvSpPr>
+        <p:spPr>
+          <a:xfrm>
+            <a:off x="8762232" y="1563844"/>
+            <a:ext cx="1714500" cy="1608619"/>
+          </a:xfrm>
+          <a:prstGeom prst="ellipse">
+            <a:avLst/>
+          </a:prstGeom>
+          <a:solidFill>
+            <a:srgbClr val="993366"/>
+          </a:solidFill>
+          <a:ln w="9525" cap="flat" cmpd="sng" algn="ctr">
+            <a:solidFill>
+              <a:schemeClr val="dk1"/>
+            </a:solidFill>
+            <a:prstDash val="solid"/>
+            <a:round/>
+            <a:headEnd type="none" w="med" len="med"/>
+            <a:tailEnd type="none" w="med" len="med"/>
+          </a:ln>
+          <a:effectLst>
+            <a:glow rad="723900">
+              <a:schemeClr val="accent3">
+                <a:satMod val="175000"/>
+                <a:alpha val="72000"/>
+              </a:schemeClr>
+            </a:glow>
+          </a:effectLst>
+        </p:spPr>
+        <p:style>
+          <a:lnRef idx="0">
+            <a:scrgbClr r="0" g="0" b="0"/>
+          </a:lnRef>
+          <a:fillRef idx="0">
+            <a:scrgbClr r="0" g="0" b="0"/>
+          </a:fillRef>
+          <a:effectRef idx="0">
+            <a:scrgbClr r="0" g="0" b="0"/>
+          </a:effectRef>
+          <a:fontRef idx="minor">
+            <a:schemeClr val="dk1"/>
+          </a:fontRef>
+        </p:style>
+        <p:txBody>
+          <a:bodyPr rtlCol="0" anchor="ctr"/>
+          <a:lstStyle/>
+          <a:p>
+            <a:pPr algn="ctr"/>
+            <a:r>
+              <a:rPr lang="en-GB" dirty="0"/>
+              <a:t>Publishing</a:t>
+            </a:r>
+          </a:p>
+        </p:txBody>
+      </p:sp>
+      <p:sp>
+        <p:nvSpPr>
+          <p:cNvPr id="26" name="Oval 25">
+            <a:extLst>
+              <a:ext uri="{FF2B5EF4-FFF2-40B4-BE49-F238E27FC236}">
+                <a16:creationId xmlns:a16="http://schemas.microsoft.com/office/drawing/2014/main" id="{7D6609E3-2E71-3E06-8FDF-CFA105BF8429}"/>
+              </a:ext>
+            </a:extLst>
+          </p:cNvPr>
+          <p:cNvSpPr/>
+          <p:nvPr/>
+        </p:nvSpPr>
+        <p:spPr>
+          <a:xfrm>
+            <a:off x="853315" y="4601388"/>
+            <a:ext cx="1714500" cy="1608619"/>
+          </a:xfrm>
+          <a:prstGeom prst="ellipse">
+            <a:avLst/>
+          </a:prstGeom>
+          <a:solidFill>
+            <a:srgbClr val="3333CC"/>
+          </a:solidFill>
+          <a:ln w="9525" cap="flat" cmpd="sng" algn="ctr">
+            <a:solidFill>
+              <a:schemeClr val="dk1"/>
+            </a:solidFill>
+            <a:prstDash val="solid"/>
+            <a:round/>
+            <a:headEnd type="none" w="med" len="med"/>
+            <a:tailEnd type="none" w="med" len="med"/>
+          </a:ln>
+        </p:spPr>
+        <p:style>
+          <a:lnRef idx="0">
+            <a:scrgbClr r="0" g="0" b="0"/>
+          </a:lnRef>
+          <a:fillRef idx="0">
+            <a:scrgbClr r="0" g="0" b="0"/>
+          </a:fillRef>
+          <a:effectRef idx="0">
+            <a:scrgbClr r="0" g="0" b="0"/>
+          </a:effectRef>
+          <a:fontRef idx="minor">
+            <a:schemeClr val="dk1"/>
+          </a:fontRef>
+        </p:style>
+        <p:txBody>
+          <a:bodyPr rtlCol="0" anchor="ctr"/>
+          <a:lstStyle/>
+          <a:p>
+            <a:pPr algn="ctr"/>
+            <a:r>
+              <a:rPr lang="en-GB" dirty="0"/>
+              <a:t>Plan</a:t>
+            </a:r>
+          </a:p>
+        </p:txBody>
+      </p:sp>
+      <p:sp>
+        <p:nvSpPr>
+          <p:cNvPr id="28" name="Oval 27">
+            <a:extLst>
+              <a:ext uri="{FF2B5EF4-FFF2-40B4-BE49-F238E27FC236}">
+                <a16:creationId xmlns:a16="http://schemas.microsoft.com/office/drawing/2014/main" id="{75CB9569-FE12-FD6E-9604-E34BB81B3B3D}"/>
+              </a:ext>
+            </a:extLst>
+          </p:cNvPr>
+          <p:cNvSpPr/>
+          <p:nvPr/>
+        </p:nvSpPr>
+        <p:spPr>
+          <a:xfrm>
+            <a:off x="4686262" y="3159617"/>
+            <a:ext cx="1714500" cy="1608619"/>
+          </a:xfrm>
+          <a:prstGeom prst="ellipse">
+            <a:avLst/>
+          </a:prstGeom>
+          <a:solidFill>
+            <a:srgbClr val="00B050"/>
+          </a:solidFill>
+          <a:ln w="9525" cap="flat" cmpd="sng" algn="ctr">
+            <a:solidFill>
+              <a:schemeClr val="dk1"/>
+            </a:solidFill>
+            <a:prstDash val="solid"/>
+            <a:round/>
+            <a:headEnd type="none" w="med" len="med"/>
+            <a:tailEnd type="none" w="med" len="med"/>
+          </a:ln>
+        </p:spPr>
+        <p:style>
+          <a:lnRef idx="0">
+            <a:scrgbClr r="0" g="0" b="0"/>
+          </a:lnRef>
+          <a:fillRef idx="0">
+            <a:scrgbClr r="0" g="0" b="0"/>
+          </a:fillRef>
+          <a:effectRef idx="0">
+            <a:scrgbClr r="0" g="0" b="0"/>
+          </a:effectRef>
+          <a:fontRef idx="minor">
+            <a:schemeClr val="dk1"/>
+          </a:fontRef>
+        </p:style>
+        <p:txBody>
+          <a:bodyPr rtlCol="0" anchor="ctr"/>
+          <a:lstStyle/>
+          <a:p>
+            <a:pPr algn="ctr"/>
+            <a:r>
+              <a:rPr lang="en-GB" dirty="0"/>
+              <a:t>Analyse</a:t>
+            </a:r>
+          </a:p>
+        </p:txBody>
+      </p:sp>
+      <p:sp>
+        <p:nvSpPr>
+          <p:cNvPr id="29" name="Oval 28">
+            <a:extLst>
+              <a:ext uri="{FF2B5EF4-FFF2-40B4-BE49-F238E27FC236}">
+                <a16:creationId xmlns:a16="http://schemas.microsoft.com/office/drawing/2014/main" id="{AE35D452-1792-6D18-9324-6F863F23D286}"/>
+              </a:ext>
+            </a:extLst>
+          </p:cNvPr>
+          <p:cNvSpPr/>
+          <p:nvPr/>
+        </p:nvSpPr>
+        <p:spPr>
+          <a:xfrm>
+            <a:off x="6563361" y="2355307"/>
+            <a:ext cx="1714500" cy="1608619"/>
+          </a:xfrm>
+          <a:prstGeom prst="ellipse">
+            <a:avLst/>
+          </a:prstGeom>
+          <a:solidFill>
+            <a:srgbClr val="92D050"/>
+          </a:solidFill>
+          <a:ln w="9525" cap="flat" cmpd="sng" algn="ctr">
+            <a:solidFill>
+              <a:schemeClr val="dk1"/>
+            </a:solidFill>
+            <a:prstDash val="solid"/>
+            <a:round/>
+            <a:headEnd type="none" w="med" len="med"/>
+            <a:tailEnd type="none" w="med" len="med"/>
+          </a:ln>
+        </p:spPr>
+        <p:style>
+          <a:lnRef idx="0">
+            <a:scrgbClr r="0" g="0" b="0"/>
+          </a:lnRef>
+          <a:fillRef idx="0">
+            <a:scrgbClr r="0" g="0" b="0"/>
+          </a:fillRef>
+          <a:effectRef idx="0">
+            <a:scrgbClr r="0" g="0" b="0"/>
+          </a:effectRef>
+          <a:fontRef idx="minor">
+            <a:schemeClr val="dk1"/>
+          </a:fontRef>
+        </p:style>
+        <p:txBody>
+          <a:bodyPr rtlCol="0" anchor="ctr"/>
+          <a:lstStyle/>
+          <a:p>
+            <a:pPr algn="ctr"/>
+            <a:r>
+              <a:rPr lang="en-GB" dirty="0"/>
+              <a:t>Report</a:t>
+            </a:r>
+          </a:p>
+        </p:txBody>
+      </p:sp>
+      <p:cxnSp>
+        <p:nvCxnSpPr>
+          <p:cNvPr id="46" name="Straight Arrow Connector 45">
+            <a:extLst>
+              <a:ext uri="{FF2B5EF4-FFF2-40B4-BE49-F238E27FC236}">
+                <a16:creationId xmlns:a16="http://schemas.microsoft.com/office/drawing/2014/main" id="{65849BBE-18E5-44F9-8338-266C49B17174}"/>
+              </a:ext>
+            </a:extLst>
+          </p:cNvPr>
+          <p:cNvCxnSpPr/>
+          <p:nvPr/>
+        </p:nvCxnSpPr>
+        <p:spPr>
+          <a:xfrm flipV="1">
+            <a:off x="3067665" y="3429000"/>
+            <a:ext cx="6813754" cy="2893142"/>
+          </a:xfrm>
+          <a:prstGeom prst="straightConnector1">
+            <a:avLst/>
+          </a:prstGeom>
+          <a:ln w="38100">
+            <a:tailEnd type="triangle"/>
+          </a:ln>
+        </p:spPr>
+        <p:style>
+          <a:lnRef idx="1">
+            <a:schemeClr val="dk1"/>
+          </a:lnRef>
+          <a:fillRef idx="0">
+            <a:schemeClr val="dk1"/>
+          </a:fillRef>
+          <a:effectRef idx="0">
+            <a:schemeClr val="dk1"/>
+          </a:effectRef>
+          <a:fontRef idx="minor">
+            <a:schemeClr val="tx1"/>
+          </a:fontRef>
+        </p:style>
+      </p:cxnSp>
+    </p:spTree>
+    <p:extLst>
+      <p:ext uri="{BB962C8B-B14F-4D97-AF65-F5344CB8AC3E}">
+        <p14:creationId xmlns:p14="http://schemas.microsoft.com/office/powerpoint/2010/main" val="803469344"/>
+      </p:ext>
+    </p:extLst>
+  </p:cSld>
+  <p:clrMapOvr>
+    <a:masterClrMapping/>
+  </p:clrMapOvr>
+</p:sld>
+</file>
+
+<file path=ppt/slides/slide7.xml><?xml version="1.0" encoding="utf-8"?>
+<p:sld xmlns:a="http://schemas.openxmlformats.org/drawingml/2006/main" xmlns:r="http://schemas.openxmlformats.org/officeDocument/2006/relationships" xmlns:p="http://schemas.openxmlformats.org/presentationml/2006/main">
+  <p:cSld>
+    <p:bg>
+      <p:bgPr>
+        <a:solidFill>
+          <a:schemeClr val="bg1"/>
+        </a:solidFill>
+        <a:effectLst/>
+      </p:bgPr>
+    </p:bg>
+    <p:spTree>
+      <p:nvGrpSpPr>
         <p:cNvPr id="1" name=""/>
         <p:cNvGrpSpPr/>
         <p:nvPr/>
@@ -3877,6 +10968,66 @@
           <a:chExt cx="0" cy="0"/>
         </a:xfrm>
       </p:grpSpPr>
+      <p:sp useBgFill="1">
+        <p:nvSpPr>
+          <p:cNvPr id="11" name="Rectangle 10">
+            <a:extLst>
+              <a:ext uri="{FF2B5EF4-FFF2-40B4-BE49-F238E27FC236}">
+                <a16:creationId xmlns:a16="http://schemas.microsoft.com/office/drawing/2014/main" id="{955A2079-FA98-4876-80F0-72364A7D2EA4}"/>
+              </a:ext>
+              <a:ext uri="{C183D7F6-B498-43B3-948B-1728B52AA6E4}">
+                <adec:decorative xmlns:adec="http://schemas.microsoft.com/office/drawing/2017/decorative" val="1"/>
+              </a:ext>
+            </a:extLst>
+          </p:cNvPr>
+          <p:cNvSpPr>
+            <a:spLocks noGrp="1" noRot="1" noChangeAspect="1" noMove="1" noResize="1" noEditPoints="1" noAdjustHandles="1" noChangeArrowheads="1" noChangeShapeType="1" noTextEdit="1"/>
+          </p:cNvSpPr>
+          <p:nvPr>
+            <p:extLst>
+              <p:ext uri="{386F3935-93C4-4BCD-93E2-E3B085C9AB24}">
+                <p16:designElem xmlns:p16="http://schemas.microsoft.com/office/powerpoint/2015/main" val="1"/>
+              </p:ext>
+            </p:extLst>
+          </p:nvPr>
+        </p:nvSpPr>
+        <p:spPr>
+          <a:xfrm>
+            <a:off x="-1" y="0"/>
+            <a:ext cx="12188952" cy="6858000"/>
+          </a:xfrm>
+          <a:prstGeom prst="rect">
+            <a:avLst/>
+          </a:prstGeom>
+          <a:ln>
+            <a:noFill/>
+          </a:ln>
+        </p:spPr>
+        <p:style>
+          <a:lnRef idx="2">
+            <a:schemeClr val="accent1">
+              <a:shade val="50000"/>
+            </a:schemeClr>
+          </a:lnRef>
+          <a:fillRef idx="1">
+            <a:schemeClr val="accent1"/>
+          </a:fillRef>
+          <a:effectRef idx="0">
+            <a:schemeClr val="accent1"/>
+          </a:effectRef>
+          <a:fontRef idx="minor">
+            <a:schemeClr val="lt1"/>
+          </a:fontRef>
+        </p:style>
+        <p:txBody>
+          <a:bodyPr rtlCol="0" anchor="ctr"/>
+          <a:lstStyle/>
+          <a:p>
+            <a:pPr algn="ctr"/>
+            <a:endParaRPr lang="en-US"/>
+          </a:p>
+        </p:txBody>
+      </p:sp>
       <p:sp>
         <p:nvSpPr>
           <p:cNvPr id="2" name="Title 1">
@@ -3893,314 +11044,132 @@
             <p:ph type="title"/>
           </p:nvPr>
         </p:nvSpPr>
-        <p:spPr/>
-        <p:txBody>
-          <a:bodyPr/>
-          <a:lstStyle/>
-          <a:p>
-            <a:r>
-              <a:rPr lang="en-GB" dirty="0"/>
-              <a:t>Why </a:t>
-            </a:r>
-          </a:p>
-        </p:txBody>
-      </p:sp>
-      <p:sp>
-        <p:nvSpPr>
-          <p:cNvPr id="3" name="Content Placeholder 2">
+        <p:spPr>
+          <a:xfrm>
+            <a:off x="838200" y="557188"/>
+            <a:ext cx="10515600" cy="1133499"/>
+          </a:xfrm>
+        </p:spPr>
+        <p:txBody>
+          <a:bodyPr>
+            <a:normAutofit/>
+          </a:bodyPr>
+          <a:lstStyle/>
+          <a:p>
+            <a:pPr algn="ctr"/>
+            <a:r>
+              <a:rPr lang="en-GB" sz="5200" dirty="0"/>
+              <a:t>In the context of FAIR</a:t>
+            </a:r>
+          </a:p>
+        </p:txBody>
+      </p:sp>
+      <p:sp>
+        <p:nvSpPr>
+          <p:cNvPr id="7" name="TextBox 6">
             <a:extLst>
               <a:ext uri="{FF2B5EF4-FFF2-40B4-BE49-F238E27FC236}">
-                <a16:creationId xmlns:a16="http://schemas.microsoft.com/office/drawing/2014/main" id="{1040E704-C91B-CA32-434E-7C3B97D54046}"/>
+                <a16:creationId xmlns:a16="http://schemas.microsoft.com/office/drawing/2014/main" id="{180415DE-6ED1-D626-595B-FA1B14766BC3}"/>
               </a:ext>
             </a:extLst>
           </p:cNvPr>
-          <p:cNvSpPr>
-            <a:spLocks noGrp="1"/>
-          </p:cNvSpPr>
-          <p:nvPr>
-            <p:ph idx="1"/>
-          </p:nvPr>
+          <p:cNvSpPr txBox="1"/>
+          <p:nvPr/>
         </p:nvSpPr>
         <p:spPr>
           <a:xfrm>
-            <a:off x="838200" y="1825625"/>
-            <a:ext cx="10515600" cy="1018243"/>
-          </a:xfrm>
-        </p:spPr>
-        <p:txBody>
-          <a:bodyPr/>
-          <a:lstStyle/>
-          <a:p>
-            <a:r>
-              <a:rPr lang="en-GB" dirty="0"/>
-              <a:t>Long term preservation</a:t>
-            </a:r>
-          </a:p>
-          <a:p>
-            <a:r>
-              <a:rPr lang="en-GB" dirty="0"/>
-              <a:t>FAIR compliant</a:t>
-            </a:r>
-          </a:p>
-        </p:txBody>
-      </p:sp>
-      <p:sp>
-        <p:nvSpPr>
-          <p:cNvPr id="4" name="Title 1">
-            <a:extLst>
-              <a:ext uri="{FF2B5EF4-FFF2-40B4-BE49-F238E27FC236}">
-                <a16:creationId xmlns:a16="http://schemas.microsoft.com/office/drawing/2014/main" id="{843104AD-13E6-F861-6021-6199BE4D8413}"/>
-              </a:ext>
-            </a:extLst>
-          </p:cNvPr>
-          <p:cNvSpPr txBox="1">
-            <a:spLocks/>
-          </p:cNvSpPr>
-          <p:nvPr/>
-        </p:nvSpPr>
-        <p:spPr>
-          <a:xfrm>
-            <a:off x="722152" y="2916777"/>
-            <a:ext cx="10515600" cy="1325563"/>
+            <a:off x="838200" y="2335351"/>
+            <a:ext cx="11036300" cy="1938992"/>
           </a:xfrm>
           <a:prstGeom prst="rect">
             <a:avLst/>
           </a:prstGeom>
+          <a:noFill/>
         </p:spPr>
         <p:txBody>
-          <a:bodyPr vert="horz" lIns="91440" tIns="45720" rIns="91440" bIns="45720" rtlCol="0" anchor="ctr">
-            <a:normAutofit/>
+          <a:bodyPr wrap="square" rtlCol="0">
+            <a:spAutoFit/>
           </a:bodyPr>
-          <a:lstStyle>
-            <a:lvl1pPr algn="l" defTabSz="914400" rtl="0" eaLnBrk="1" latinLnBrk="0" hangingPunct="1">
-              <a:lnSpc>
-                <a:spcPct val="90000"/>
-              </a:lnSpc>
-              <a:spcBef>
-                <a:spcPct val="0"/>
-              </a:spcBef>
-              <a:buNone/>
-              <a:defRPr sz="4400" kern="1200">
-                <a:solidFill>
-                  <a:schemeClr val="tx1"/>
-                </a:solidFill>
-                <a:latin typeface="+mj-lt"/>
-                <a:ea typeface="+mj-ea"/>
-                <a:cs typeface="+mj-cs"/>
-              </a:defRPr>
-            </a:lvl1pPr>
-          </a:lstStyle>
-          <a:p>
-            <a:r>
-              <a:rPr lang="en-GB" dirty="0"/>
-              <a:t>Restrictions </a:t>
-            </a:r>
-          </a:p>
-        </p:txBody>
-      </p:sp>
-      <p:sp>
-        <p:nvSpPr>
-          <p:cNvPr id="5" name="Content Placeholder 2">
-            <a:extLst>
-              <a:ext uri="{FF2B5EF4-FFF2-40B4-BE49-F238E27FC236}">
-                <a16:creationId xmlns:a16="http://schemas.microsoft.com/office/drawing/2014/main" id="{D04EB28C-159D-7E3F-B4D0-D9FA832D7570}"/>
-              </a:ext>
-            </a:extLst>
-          </p:cNvPr>
-          <p:cNvSpPr txBox="1">
-            <a:spLocks/>
-          </p:cNvSpPr>
-          <p:nvPr/>
-        </p:nvSpPr>
-        <p:spPr>
-          <a:xfrm>
-            <a:off x="579540" y="4242340"/>
-            <a:ext cx="10515600" cy="1018243"/>
-          </a:xfrm>
-          <a:prstGeom prst="rect">
-            <a:avLst/>
-          </a:prstGeom>
-        </p:spPr>
-        <p:txBody>
-          <a:bodyPr vert="horz" lIns="91440" tIns="45720" rIns="91440" bIns="45720" rtlCol="0">
-            <a:normAutofit/>
-          </a:bodyPr>
-          <a:lstStyle>
-            <a:lvl1pPr marL="228600" indent="-228600" algn="l" defTabSz="914400" rtl="0" eaLnBrk="1" latinLnBrk="0" hangingPunct="1">
-              <a:lnSpc>
-                <a:spcPct val="90000"/>
-              </a:lnSpc>
-              <a:spcBef>
-                <a:spcPts val="1000"/>
-              </a:spcBef>
-              <a:buFont typeface="Arial" panose="020B0604020202020204" pitchFamily="34" charset="0"/>
-              <a:buChar char="•"/>
-              <a:defRPr sz="2800" kern="1200">
-                <a:solidFill>
-                  <a:schemeClr val="tx1"/>
-                </a:solidFill>
-                <a:latin typeface="+mn-lt"/>
-                <a:ea typeface="+mn-ea"/>
-                <a:cs typeface="+mn-cs"/>
-              </a:defRPr>
-            </a:lvl1pPr>
-            <a:lvl2pPr marL="685800" indent="-228600" algn="l" defTabSz="914400" rtl="0" eaLnBrk="1" latinLnBrk="0" hangingPunct="1">
-              <a:lnSpc>
-                <a:spcPct val="90000"/>
-              </a:lnSpc>
-              <a:spcBef>
-                <a:spcPts val="500"/>
-              </a:spcBef>
-              <a:buFont typeface="Arial" panose="020B0604020202020204" pitchFamily="34" charset="0"/>
-              <a:buChar char="•"/>
-              <a:defRPr sz="2400" kern="1200">
-                <a:solidFill>
-                  <a:schemeClr val="tx1"/>
-                </a:solidFill>
-                <a:latin typeface="+mn-lt"/>
-                <a:ea typeface="+mn-ea"/>
-                <a:cs typeface="+mn-cs"/>
-              </a:defRPr>
-            </a:lvl2pPr>
-            <a:lvl3pPr marL="1143000" indent="-228600" algn="l" defTabSz="914400" rtl="0" eaLnBrk="1" latinLnBrk="0" hangingPunct="1">
-              <a:lnSpc>
-                <a:spcPct val="90000"/>
-              </a:lnSpc>
-              <a:spcBef>
-                <a:spcPts val="500"/>
-              </a:spcBef>
-              <a:buFont typeface="Arial" panose="020B0604020202020204" pitchFamily="34" charset="0"/>
-              <a:buChar char="•"/>
-              <a:defRPr sz="2000" kern="1200">
-                <a:solidFill>
-                  <a:schemeClr val="tx1"/>
-                </a:solidFill>
-                <a:latin typeface="+mn-lt"/>
-                <a:ea typeface="+mn-ea"/>
-                <a:cs typeface="+mn-cs"/>
-              </a:defRPr>
-            </a:lvl3pPr>
-            <a:lvl4pPr marL="1600200" indent="-228600" algn="l" defTabSz="914400" rtl="0" eaLnBrk="1" latinLnBrk="0" hangingPunct="1">
-              <a:lnSpc>
-                <a:spcPct val="90000"/>
-              </a:lnSpc>
-              <a:spcBef>
-                <a:spcPts val="500"/>
-              </a:spcBef>
-              <a:buFont typeface="Arial" panose="020B0604020202020204" pitchFamily="34" charset="0"/>
-              <a:buChar char="•"/>
-              <a:defRPr sz="1800" kern="1200">
-                <a:solidFill>
-                  <a:schemeClr val="tx1"/>
-                </a:solidFill>
-                <a:latin typeface="+mn-lt"/>
-                <a:ea typeface="+mn-ea"/>
-                <a:cs typeface="+mn-cs"/>
-              </a:defRPr>
-            </a:lvl4pPr>
-            <a:lvl5pPr marL="2057400" indent="-228600" algn="l" defTabSz="914400" rtl="0" eaLnBrk="1" latinLnBrk="0" hangingPunct="1">
-              <a:lnSpc>
-                <a:spcPct val="90000"/>
-              </a:lnSpc>
-              <a:spcBef>
-                <a:spcPts val="500"/>
-              </a:spcBef>
-              <a:buFont typeface="Arial" panose="020B0604020202020204" pitchFamily="34" charset="0"/>
-              <a:buChar char="•"/>
-              <a:defRPr sz="1800" kern="1200">
-                <a:solidFill>
-                  <a:schemeClr val="tx1"/>
-                </a:solidFill>
-                <a:latin typeface="+mn-lt"/>
-                <a:ea typeface="+mn-ea"/>
-                <a:cs typeface="+mn-cs"/>
-              </a:defRPr>
-            </a:lvl5pPr>
-            <a:lvl6pPr marL="2514600" indent="-228600" algn="l" defTabSz="914400" rtl="0" eaLnBrk="1" latinLnBrk="0" hangingPunct="1">
-              <a:lnSpc>
-                <a:spcPct val="90000"/>
-              </a:lnSpc>
-              <a:spcBef>
-                <a:spcPts val="500"/>
-              </a:spcBef>
-              <a:buFont typeface="Arial" panose="020B0604020202020204" pitchFamily="34" charset="0"/>
-              <a:buChar char="•"/>
-              <a:defRPr sz="1800" kern="1200">
-                <a:solidFill>
-                  <a:schemeClr val="tx1"/>
-                </a:solidFill>
-                <a:latin typeface="+mn-lt"/>
-                <a:ea typeface="+mn-ea"/>
-                <a:cs typeface="+mn-cs"/>
-              </a:defRPr>
-            </a:lvl6pPr>
-            <a:lvl7pPr marL="2971800" indent="-228600" algn="l" defTabSz="914400" rtl="0" eaLnBrk="1" latinLnBrk="0" hangingPunct="1">
-              <a:lnSpc>
-                <a:spcPct val="90000"/>
-              </a:lnSpc>
-              <a:spcBef>
-                <a:spcPts val="500"/>
-              </a:spcBef>
-              <a:buFont typeface="Arial" panose="020B0604020202020204" pitchFamily="34" charset="0"/>
-              <a:buChar char="•"/>
-              <a:defRPr sz="1800" kern="1200">
-                <a:solidFill>
-                  <a:schemeClr val="tx1"/>
-                </a:solidFill>
-                <a:latin typeface="+mn-lt"/>
-                <a:ea typeface="+mn-ea"/>
-                <a:cs typeface="+mn-cs"/>
-              </a:defRPr>
-            </a:lvl7pPr>
-            <a:lvl8pPr marL="3429000" indent="-228600" algn="l" defTabSz="914400" rtl="0" eaLnBrk="1" latinLnBrk="0" hangingPunct="1">
-              <a:lnSpc>
-                <a:spcPct val="90000"/>
-              </a:lnSpc>
-              <a:spcBef>
-                <a:spcPts val="500"/>
-              </a:spcBef>
-              <a:buFont typeface="Arial" panose="020B0604020202020204" pitchFamily="34" charset="0"/>
-              <a:buChar char="•"/>
-              <a:defRPr sz="1800" kern="1200">
-                <a:solidFill>
-                  <a:schemeClr val="tx1"/>
-                </a:solidFill>
-                <a:latin typeface="+mn-lt"/>
-                <a:ea typeface="+mn-ea"/>
-                <a:cs typeface="+mn-cs"/>
-              </a:defRPr>
-            </a:lvl8pPr>
-            <a:lvl9pPr marL="3886200" indent="-228600" algn="l" defTabSz="914400" rtl="0" eaLnBrk="1" latinLnBrk="0" hangingPunct="1">
-              <a:lnSpc>
-                <a:spcPct val="90000"/>
-              </a:lnSpc>
-              <a:spcBef>
-                <a:spcPts val="500"/>
-              </a:spcBef>
-              <a:buFont typeface="Arial" panose="020B0604020202020204" pitchFamily="34" charset="0"/>
-              <a:buChar char="•"/>
-              <a:defRPr sz="1800" kern="1200">
-                <a:solidFill>
-                  <a:schemeClr val="tx1"/>
-                </a:solidFill>
-                <a:latin typeface="+mn-lt"/>
-                <a:ea typeface="+mn-ea"/>
-                <a:cs typeface="+mn-cs"/>
-              </a:defRPr>
-            </a:lvl9pPr>
-          </a:lstStyle>
-          <a:p>
-            <a:r>
-              <a:rPr lang="en-GB"/>
-              <a:t>Long term preservation</a:t>
-            </a:r>
-          </a:p>
-          <a:p>
-            <a:r>
-              <a:rPr lang="en-GB"/>
-              <a:t>FAIR compliant</a:t>
-            </a:r>
-            <a:endParaRPr lang="en-GB" dirty="0"/>
+          <a:lstStyle/>
+          <a:p>
+            <a:pPr marL="285750" indent="-285750">
+              <a:buFont typeface="Wingdings" panose="05000000000000000000" pitchFamily="2" charset="2"/>
+              <a:buChar char="§"/>
+            </a:pPr>
+            <a:r>
+              <a:rPr lang="en-GB" sz="2400" b="1" dirty="0"/>
+              <a:t>Findable</a:t>
+            </a:r>
+            <a:r>
+              <a:rPr lang="en-GB" sz="2400" dirty="0"/>
+              <a:t>: DOIs, landing page, curated metadata export to aggregators</a:t>
+            </a:r>
+          </a:p>
+          <a:p>
+            <a:pPr marL="285750" indent="-285750">
+              <a:buFont typeface="Wingdings" panose="05000000000000000000" pitchFamily="2" charset="2"/>
+              <a:buChar char="§"/>
+            </a:pPr>
+            <a:r>
+              <a:rPr lang="en-GB" sz="2400" b="1" dirty="0" err="1"/>
+              <a:t>Accesible</a:t>
+            </a:r>
+            <a:r>
+              <a:rPr lang="en-GB" sz="2400" dirty="0"/>
+              <a:t>: Access control, format specific optimizations (like Git and </a:t>
+            </a:r>
+            <a:r>
+              <a:rPr lang="en-GB" sz="2400" dirty="0" err="1">
+                <a:hlinkClick r:id="rId3"/>
+              </a:rPr>
+              <a:t>NetCDF</a:t>
+            </a:r>
+            <a:r>
+              <a:rPr lang="en-GB" sz="2400" dirty="0">
+                <a:hlinkClick r:id="rId3"/>
+              </a:rPr>
+              <a:t>-network common data form</a:t>
+            </a:r>
+            <a:r>
+              <a:rPr lang="en-GB" sz="2400" dirty="0"/>
+              <a:t>)</a:t>
+            </a:r>
+          </a:p>
+          <a:p>
+            <a:pPr marL="285750" indent="-285750">
+              <a:buFont typeface="Wingdings" panose="05000000000000000000" pitchFamily="2" charset="2"/>
+              <a:buChar char="§"/>
+            </a:pPr>
+            <a:r>
+              <a:rPr lang="en-GB" sz="2400" b="1" dirty="0"/>
+              <a:t>Interoperable</a:t>
+            </a:r>
+            <a:r>
+              <a:rPr lang="en-GB" sz="2400" dirty="0"/>
+              <a:t>: Git, </a:t>
+            </a:r>
+            <a:r>
+              <a:rPr lang="en-GB" sz="2400" dirty="0" err="1"/>
+              <a:t>NetCDF</a:t>
+            </a:r>
+            <a:r>
+              <a:rPr lang="en-GB" sz="2400" dirty="0"/>
+              <a:t>, recommended file formats</a:t>
+            </a:r>
+          </a:p>
+          <a:p>
+            <a:pPr marL="285750" indent="-285750">
+              <a:buFont typeface="Wingdings" panose="05000000000000000000" pitchFamily="2" charset="2"/>
+              <a:buChar char="§"/>
+            </a:pPr>
+            <a:r>
+              <a:rPr lang="en-GB" sz="2400" b="1" dirty="0"/>
+              <a:t>Reusable</a:t>
+            </a:r>
+            <a:r>
+              <a:rPr lang="en-GB" sz="2400" dirty="0"/>
+              <a:t>: File download, licensing options</a:t>
+            </a:r>
           </a:p>
         </p:txBody>
       </p:sp>
@@ -4214,10 +11183,284 @@
   <p:clrMapOvr>
     <a:masterClrMapping/>
   </p:clrMapOvr>
+  <p:timing>
+    <p:tnLst>
+      <p:par>
+        <p:cTn id="1" dur="indefinite" restart="never" nodeType="tmRoot">
+          <p:childTnLst>
+            <p:seq concurrent="1" nextAc="seek">
+              <p:cTn id="2" dur="indefinite" nodeType="mainSeq">
+                <p:childTnLst>
+                  <p:par>
+                    <p:cTn id="3" fill="hold">
+                      <p:stCondLst>
+                        <p:cond delay="indefinite"/>
+                      </p:stCondLst>
+                      <p:childTnLst>
+                        <p:par>
+                          <p:cTn id="4" fill="hold">
+                            <p:stCondLst>
+                              <p:cond delay="0"/>
+                            </p:stCondLst>
+                            <p:childTnLst>
+                              <p:par>
+                                <p:cTn id="5" presetID="10" presetClass="entr" presetSubtype="0" fill="hold" nodeType="clickEffect">
+                                  <p:stCondLst>
+                                    <p:cond delay="0"/>
+                                  </p:stCondLst>
+                                  <p:childTnLst>
+                                    <p:set>
+                                      <p:cBhvr>
+                                        <p:cTn id="6" dur="1" fill="hold">
+                                          <p:stCondLst>
+                                            <p:cond delay="0"/>
+                                          </p:stCondLst>
+                                        </p:cTn>
+                                        <p:tgtEl>
+                                          <p:spTgt spid="7">
+                                            <p:txEl>
+                                              <p:pRg st="0" end="0"/>
+                                            </p:txEl>
+                                          </p:spTgt>
+                                        </p:tgtEl>
+                                        <p:attrNameLst>
+                                          <p:attrName>style.visibility</p:attrName>
+                                        </p:attrNameLst>
+                                      </p:cBhvr>
+                                      <p:to>
+                                        <p:strVal val="visible"/>
+                                      </p:to>
+                                    </p:set>
+                                    <p:animEffect transition="in" filter="fade">
+                                      <p:cBhvr>
+                                        <p:cTn id="7" dur="500"/>
+                                        <p:tgtEl>
+                                          <p:spTgt spid="7">
+                                            <p:txEl>
+                                              <p:pRg st="0" end="0"/>
+                                            </p:txEl>
+                                          </p:spTgt>
+                                        </p:tgtEl>
+                                      </p:cBhvr>
+                                    </p:animEffect>
+                                  </p:childTnLst>
+                                </p:cTn>
+                              </p:par>
+                            </p:childTnLst>
+                          </p:cTn>
+                        </p:par>
+                      </p:childTnLst>
+                    </p:cTn>
+                  </p:par>
+                  <p:par>
+                    <p:cTn id="8" fill="hold">
+                      <p:stCondLst>
+                        <p:cond delay="indefinite"/>
+                      </p:stCondLst>
+                      <p:childTnLst>
+                        <p:par>
+                          <p:cTn id="9" fill="hold">
+                            <p:stCondLst>
+                              <p:cond delay="0"/>
+                            </p:stCondLst>
+                            <p:childTnLst>
+                              <p:par>
+                                <p:cTn id="10" presetID="10" presetClass="entr" presetSubtype="0" fill="hold" nodeType="clickEffect">
+                                  <p:stCondLst>
+                                    <p:cond delay="0"/>
+                                  </p:stCondLst>
+                                  <p:childTnLst>
+                                    <p:set>
+                                      <p:cBhvr>
+                                        <p:cTn id="11" dur="1" fill="hold">
+                                          <p:stCondLst>
+                                            <p:cond delay="0"/>
+                                          </p:stCondLst>
+                                        </p:cTn>
+                                        <p:tgtEl>
+                                          <p:spTgt spid="7">
+                                            <p:txEl>
+                                              <p:pRg st="1" end="1"/>
+                                            </p:txEl>
+                                          </p:spTgt>
+                                        </p:tgtEl>
+                                        <p:attrNameLst>
+                                          <p:attrName>style.visibility</p:attrName>
+                                        </p:attrNameLst>
+                                      </p:cBhvr>
+                                      <p:to>
+                                        <p:strVal val="visible"/>
+                                      </p:to>
+                                    </p:set>
+                                    <p:animEffect transition="in" filter="fade">
+                                      <p:cBhvr>
+                                        <p:cTn id="12" dur="500"/>
+                                        <p:tgtEl>
+                                          <p:spTgt spid="7">
+                                            <p:txEl>
+                                              <p:pRg st="1" end="1"/>
+                                            </p:txEl>
+                                          </p:spTgt>
+                                        </p:tgtEl>
+                                      </p:cBhvr>
+                                    </p:animEffect>
+                                  </p:childTnLst>
+                                </p:cTn>
+                              </p:par>
+                            </p:childTnLst>
+                          </p:cTn>
+                        </p:par>
+                      </p:childTnLst>
+                    </p:cTn>
+                  </p:par>
+                  <p:par>
+                    <p:cTn id="13" fill="hold">
+                      <p:stCondLst>
+                        <p:cond delay="indefinite"/>
+                      </p:stCondLst>
+                      <p:childTnLst>
+                        <p:par>
+                          <p:cTn id="14" fill="hold">
+                            <p:stCondLst>
+                              <p:cond delay="0"/>
+                            </p:stCondLst>
+                            <p:childTnLst>
+                              <p:par>
+                                <p:cTn id="15" presetID="10" presetClass="entr" presetSubtype="0" fill="hold" nodeType="clickEffect">
+                                  <p:stCondLst>
+                                    <p:cond delay="0"/>
+                                  </p:stCondLst>
+                                  <p:childTnLst>
+                                    <p:set>
+                                      <p:cBhvr>
+                                        <p:cTn id="16" dur="1" fill="hold">
+                                          <p:stCondLst>
+                                            <p:cond delay="0"/>
+                                          </p:stCondLst>
+                                        </p:cTn>
+                                        <p:tgtEl>
+                                          <p:spTgt spid="7">
+                                            <p:txEl>
+                                              <p:pRg st="2" end="2"/>
+                                            </p:txEl>
+                                          </p:spTgt>
+                                        </p:tgtEl>
+                                        <p:attrNameLst>
+                                          <p:attrName>style.visibility</p:attrName>
+                                        </p:attrNameLst>
+                                      </p:cBhvr>
+                                      <p:to>
+                                        <p:strVal val="visible"/>
+                                      </p:to>
+                                    </p:set>
+                                    <p:animEffect transition="in" filter="fade">
+                                      <p:cBhvr>
+                                        <p:cTn id="17" dur="500"/>
+                                        <p:tgtEl>
+                                          <p:spTgt spid="7">
+                                            <p:txEl>
+                                              <p:pRg st="2" end="2"/>
+                                            </p:txEl>
+                                          </p:spTgt>
+                                        </p:tgtEl>
+                                      </p:cBhvr>
+                                    </p:animEffect>
+                                  </p:childTnLst>
+                                </p:cTn>
+                              </p:par>
+                            </p:childTnLst>
+                          </p:cTn>
+                        </p:par>
+                      </p:childTnLst>
+                    </p:cTn>
+                  </p:par>
+                  <p:par>
+                    <p:cTn id="18" fill="hold">
+                      <p:stCondLst>
+                        <p:cond delay="indefinite"/>
+                      </p:stCondLst>
+                      <p:childTnLst>
+                        <p:par>
+                          <p:cTn id="19" fill="hold">
+                            <p:stCondLst>
+                              <p:cond delay="0"/>
+                            </p:stCondLst>
+                            <p:childTnLst>
+                              <p:par>
+                                <p:cTn id="20" presetID="10" presetClass="entr" presetSubtype="0" fill="hold" nodeType="clickEffect">
+                                  <p:stCondLst>
+                                    <p:cond delay="0"/>
+                                  </p:stCondLst>
+                                  <p:childTnLst>
+                                    <p:set>
+                                      <p:cBhvr>
+                                        <p:cTn id="21" dur="1" fill="hold">
+                                          <p:stCondLst>
+                                            <p:cond delay="0"/>
+                                          </p:stCondLst>
+                                        </p:cTn>
+                                        <p:tgtEl>
+                                          <p:spTgt spid="7">
+                                            <p:txEl>
+                                              <p:pRg st="3" end="3"/>
+                                            </p:txEl>
+                                          </p:spTgt>
+                                        </p:tgtEl>
+                                        <p:attrNameLst>
+                                          <p:attrName>style.visibility</p:attrName>
+                                        </p:attrNameLst>
+                                      </p:cBhvr>
+                                      <p:to>
+                                        <p:strVal val="visible"/>
+                                      </p:to>
+                                    </p:set>
+                                    <p:animEffect transition="in" filter="fade">
+                                      <p:cBhvr>
+                                        <p:cTn id="22" dur="500"/>
+                                        <p:tgtEl>
+                                          <p:spTgt spid="7">
+                                            <p:txEl>
+                                              <p:pRg st="3" end="3"/>
+                                            </p:txEl>
+                                          </p:spTgt>
+                                        </p:tgtEl>
+                                      </p:cBhvr>
+                                    </p:animEffect>
+                                  </p:childTnLst>
+                                </p:cTn>
+                              </p:par>
+                            </p:childTnLst>
+                          </p:cTn>
+                        </p:par>
+                      </p:childTnLst>
+                    </p:cTn>
+                  </p:par>
+                </p:childTnLst>
+              </p:cTn>
+              <p:prevCondLst>
+                <p:cond evt="onPrev" delay="0">
+                  <p:tgtEl>
+                    <p:sldTgt/>
+                  </p:tgtEl>
+                </p:cond>
+              </p:prevCondLst>
+              <p:nextCondLst>
+                <p:cond evt="onNext" delay="0">
+                  <p:tgtEl>
+                    <p:sldTgt/>
+                  </p:tgtEl>
+                </p:cond>
+              </p:nextCondLst>
+            </p:seq>
+          </p:childTnLst>
+        </p:cTn>
+      </p:par>
+    </p:tnLst>
+  </p:timing>
 </p:sld>
 </file>
 
-<file path=ppt/slides/slide5.xml><?xml version="1.0" encoding="utf-8"?>
+<file path=ppt/slides/slide8.xml><?xml version="1.0" encoding="utf-8"?>
 <p:sld xmlns:a="http://schemas.openxmlformats.org/drawingml/2006/main" xmlns:r="http://schemas.openxmlformats.org/officeDocument/2006/relationships" xmlns:p="http://schemas.openxmlformats.org/presentationml/2006/main">
   <p:cSld>
     <p:spTree>
@@ -4239,7 +11482,7 @@
           <p:cNvPr id="2" name="Title 1">
             <a:extLst>
               <a:ext uri="{FF2B5EF4-FFF2-40B4-BE49-F238E27FC236}">
-                <a16:creationId xmlns:a16="http://schemas.microsoft.com/office/drawing/2014/main" id="{3B8C0696-97E6-F251-5163-EEF8068DA893}"/>
+                <a16:creationId xmlns:a16="http://schemas.microsoft.com/office/drawing/2014/main" id="{F72FD868-5F5A-0805-8DC9-B0384DBD2A1F}"/>
               </a:ext>
             </a:extLst>
           </p:cNvPr>
@@ -4255,14 +11498,76 @@
           <a:bodyPr/>
           <a:lstStyle/>
           <a:p>
-            <a:endParaRPr lang="en-GB"/>
+            <a:r>
+              <a:rPr lang="en-GB" dirty="0"/>
+              <a:t>Why would you archive your data?</a:t>
+            </a:r>
+          </a:p>
+        </p:txBody>
+      </p:sp>
+      <p:sp>
+        <p:nvSpPr>
+          <p:cNvPr id="3" name="Content Placeholder 2">
+            <a:extLst>
+              <a:ext uri="{FF2B5EF4-FFF2-40B4-BE49-F238E27FC236}">
+                <a16:creationId xmlns:a16="http://schemas.microsoft.com/office/drawing/2014/main" id="{BD923E49-34EF-112C-0DAB-6AA918B46E09}"/>
+              </a:ext>
+            </a:extLst>
+          </p:cNvPr>
+          <p:cNvSpPr>
+            <a:spLocks noGrp="1"/>
+          </p:cNvSpPr>
+          <p:nvPr>
+            <p:ph idx="1"/>
+          </p:nvPr>
+        </p:nvSpPr>
+        <p:spPr>
+          <a:xfrm>
+            <a:off x="838200" y="1965325"/>
+            <a:ext cx="10515600" cy="4351338"/>
+          </a:xfrm>
+        </p:spPr>
+        <p:txBody>
+          <a:bodyPr/>
+          <a:lstStyle/>
+          <a:p>
+            <a:r>
+              <a:rPr lang="en-GB" dirty="0">
+                <a:latin typeface="+mj-lt"/>
+              </a:rPr>
+              <a:t>Your data is safe and readable in the long term</a:t>
+            </a:r>
+          </a:p>
+          <a:p>
+            <a:r>
+              <a:rPr lang="en-GB" dirty="0">
+                <a:latin typeface="+mj-lt"/>
+              </a:rPr>
+              <a:t>You can comply with funder requirements </a:t>
+            </a:r>
+          </a:p>
+          <a:p>
+            <a:r>
+              <a:rPr lang="en-GB" dirty="0">
+                <a:latin typeface="+mj-lt"/>
+              </a:rPr>
+              <a:t>It raises the impact of your research</a:t>
+            </a:r>
+          </a:p>
+          <a:p>
+            <a:r>
+              <a:rPr lang="en-GB" dirty="0">
+                <a:latin typeface="+mj-lt"/>
+              </a:rPr>
+              <a:t>It raises your research profile </a:t>
+            </a:r>
           </a:p>
         </p:txBody>
       </p:sp>
     </p:spTree>
     <p:extLst>
       <p:ext uri="{BB962C8B-B14F-4D97-AF65-F5344CB8AC3E}">
-        <p14:creationId xmlns:p14="http://schemas.microsoft.com/office/powerpoint/2010/main" val="3994739212"/>
+        <p14:creationId xmlns:p14="http://schemas.microsoft.com/office/powerpoint/2010/main" val="435740099"/>
       </p:ext>
     </p:extLst>
   </p:cSld>
@@ -4272,7 +11577,7 @@
 </p:sld>
 </file>
 
-<file path=ppt/slides/slide6.xml><?xml version="1.0" encoding="utf-8"?>
+<file path=ppt/slides/slide9.xml><?xml version="1.0" encoding="utf-8"?>
 <p:sld xmlns:a="http://schemas.openxmlformats.org/drawingml/2006/main" xmlns:r="http://schemas.openxmlformats.org/officeDocument/2006/relationships" xmlns:p="http://schemas.openxmlformats.org/presentationml/2006/main">
   <p:cSld>
     <p:spTree>
@@ -4294,7 +11599,7 @@
           <p:cNvPr id="2" name="Title 1">
             <a:extLst>
               <a:ext uri="{FF2B5EF4-FFF2-40B4-BE49-F238E27FC236}">
-                <a16:creationId xmlns:a16="http://schemas.microsoft.com/office/drawing/2014/main" id="{8AED416B-D0C1-2651-7ED6-8A554205480A}"/>
+                <a16:creationId xmlns:a16="http://schemas.microsoft.com/office/drawing/2014/main" id="{F72FD868-5F5A-0805-8DC9-B0384DBD2A1F}"/>
               </a:ext>
             </a:extLst>
           </p:cNvPr>
@@ -4312,7 +11617,7 @@
           <a:p>
             <a:r>
               <a:rPr lang="en-GB" dirty="0"/>
-              <a:t>Procedure to upload data </a:t>
+              <a:t>Why would you use 4TU.ResearchData?</a:t>
             </a:r>
           </a:p>
         </p:txBody>
@@ -4322,7 +11627,7 @@
           <p:cNvPr id="3" name="Content Placeholder 2">
             <a:extLst>
               <a:ext uri="{FF2B5EF4-FFF2-40B4-BE49-F238E27FC236}">
-                <a16:creationId xmlns:a16="http://schemas.microsoft.com/office/drawing/2014/main" id="{44E06A10-0123-793F-2D5D-B02500846218}"/>
+                <a16:creationId xmlns:a16="http://schemas.microsoft.com/office/drawing/2014/main" id="{BD923E49-34EF-112C-0DAB-6AA918B46E09}"/>
               </a:ext>
             </a:extLst>
           </p:cNvPr>
@@ -4333,19 +11638,100 @@
             <p:ph idx="1"/>
           </p:nvPr>
         </p:nvSpPr>
-        <p:spPr/>
-        <p:txBody>
-          <a:bodyPr/>
-          <a:lstStyle/>
-          <a:p>
-            <a:endParaRPr lang="en-GB"/>
+        <p:spPr>
+          <a:xfrm>
+            <a:off x="838200" y="1965325"/>
+            <a:ext cx="10515600" cy="4351338"/>
+          </a:xfrm>
+        </p:spPr>
+        <p:txBody>
+          <a:bodyPr>
+            <a:normAutofit/>
+          </a:bodyPr>
+          <a:lstStyle/>
+          <a:p>
+            <a:r>
+              <a:rPr lang="en-GB" dirty="0">
+                <a:latin typeface="+mj-lt"/>
+              </a:rPr>
+              <a:t>Up to 1TB storage per year for TUD and UT </a:t>
+            </a:r>
+          </a:p>
+          <a:p>
+            <a:r>
+              <a:rPr lang="en-GB" dirty="0">
+                <a:latin typeface="+mj-lt"/>
+              </a:rPr>
+              <a:t>Up to 100 GB storage for TU/e and WUR</a:t>
+            </a:r>
+          </a:p>
+          <a:p>
+            <a:r>
+              <a:rPr lang="en-GB" dirty="0">
+                <a:latin typeface="+mj-lt"/>
+              </a:rPr>
+              <a:t>The data is stored redundantly at three different locations in The Netherlands</a:t>
+            </a:r>
+          </a:p>
+          <a:p>
+            <a:r>
+              <a:rPr lang="en-GB" dirty="0">
+                <a:latin typeface="+mj-lt"/>
+              </a:rPr>
+              <a:t>Receive a persistent identifier for a published dataset</a:t>
+            </a:r>
+          </a:p>
+          <a:p>
+            <a:r>
+              <a:rPr lang="en-GB" dirty="0">
+                <a:latin typeface="+mj-lt"/>
+              </a:rPr>
+              <a:t>Find your dataset in aggregation services like </a:t>
+            </a:r>
+            <a:r>
+              <a:rPr lang="en-GB" dirty="0" err="1">
+                <a:latin typeface="+mj-lt"/>
+              </a:rPr>
+              <a:t>Datacite</a:t>
+            </a:r>
+            <a:endParaRPr lang="en-GB" dirty="0">
+              <a:latin typeface="+mj-lt"/>
+            </a:endParaRPr>
+          </a:p>
+          <a:p>
+            <a:r>
+              <a:rPr lang="en-GB" dirty="0">
+                <a:latin typeface="+mj-lt"/>
+              </a:rPr>
+              <a:t>Statistics on the re-use of your published data </a:t>
+            </a:r>
+          </a:p>
+          <a:p>
+            <a:r>
+              <a:rPr lang="en-GB" dirty="0">
+                <a:latin typeface="+mj-lt"/>
+              </a:rPr>
+              <a:t>Free and open source (</a:t>
+            </a:r>
+            <a:r>
+              <a:rPr lang="en-GB" dirty="0" err="1">
+                <a:latin typeface="+mj-lt"/>
+              </a:rPr>
+              <a:t>Djehuty</a:t>
+            </a:r>
+            <a:r>
+              <a:rPr lang="en-GB" dirty="0">
+                <a:latin typeface="+mj-lt"/>
+              </a:rPr>
+              <a:t>)</a:t>
+            </a:r>
           </a:p>
         </p:txBody>
       </p:sp>
     </p:spTree>
     <p:extLst>
       <p:ext uri="{BB962C8B-B14F-4D97-AF65-F5344CB8AC3E}">
-        <p14:creationId xmlns:p14="http://schemas.microsoft.com/office/powerpoint/2010/main" val="274154875"/>
+        <p14:creationId xmlns:p14="http://schemas.microsoft.com/office/powerpoint/2010/main" val="1688012275"/>
       </p:ext>
     </p:extLst>
   </p:cSld>
@@ -4648,4 +12034,580 @@
     </a:ext>
   </a:extLst>
 </a:theme>
+</file>
+
+<file path=ppt/theme/theme2.xml><?xml version="1.0" encoding="utf-8"?>
+<a:theme xmlns:a="http://schemas.openxmlformats.org/drawingml/2006/main" name="Simple Light">
+  <a:themeElements>
+    <a:clrScheme name="Simple Light">
+      <a:dk1>
+        <a:srgbClr val="000000"/>
+      </a:dk1>
+      <a:lt1>
+        <a:srgbClr val="FFFFFF"/>
+      </a:lt1>
+      <a:dk2>
+        <a:srgbClr val="595959"/>
+      </a:dk2>
+      <a:lt2>
+        <a:srgbClr val="EEEEEE"/>
+      </a:lt2>
+      <a:accent1>
+        <a:srgbClr val="4285F4"/>
+      </a:accent1>
+      <a:accent2>
+        <a:srgbClr val="212121"/>
+      </a:accent2>
+      <a:accent3>
+        <a:srgbClr val="78909C"/>
+      </a:accent3>
+      <a:accent4>
+        <a:srgbClr val="FFAB40"/>
+      </a:accent4>
+      <a:accent5>
+        <a:srgbClr val="0097A7"/>
+      </a:accent5>
+      <a:accent6>
+        <a:srgbClr val="EEFF41"/>
+      </a:accent6>
+      <a:hlink>
+        <a:srgbClr val="0097A7"/>
+      </a:hlink>
+      <a:folHlink>
+        <a:srgbClr val="0097A7"/>
+      </a:folHlink>
+    </a:clrScheme>
+    <a:fontScheme name="Office">
+      <a:majorFont>
+        <a:latin typeface="Arial"/>
+        <a:ea typeface=""/>
+        <a:cs typeface=""/>
+        <a:font script="Jpan" typeface="ＭＳ Ｐゴシック"/>
+        <a:font script="Hang" typeface="맑은 고딕"/>
+        <a:font script="Hans" typeface="宋体"/>
+        <a:font script="Hant" typeface="新細明體"/>
+        <a:font script="Arab" typeface="Times New Roman"/>
+        <a:font script="Hebr" typeface="Times New Roman"/>
+        <a:font script="Thai" typeface="Angsana New"/>
+        <a:font script="Ethi" typeface="Nyala"/>
+        <a:font script="Beng" typeface="Vrinda"/>
+        <a:font script="Gujr" typeface="Shruti"/>
+        <a:font script="Khmr" typeface="MoolBoran"/>
+        <a:font script="Knda" typeface="Tunga"/>
+        <a:font script="Guru" typeface="Raavi"/>
+        <a:font script="Cans" typeface="Euphemia"/>
+        <a:font script="Cher" typeface="Plantagenet Cherokee"/>
+        <a:font script="Yiii" typeface="Microsoft Yi Baiti"/>
+        <a:font script="Tibt" typeface="Microsoft Himalaya"/>
+        <a:font script="Thaa" typeface="MV Boli"/>
+        <a:font script="Deva" typeface="Mangal"/>
+        <a:font script="Telu" typeface="Gautami"/>
+        <a:font script="Taml" typeface="Latha"/>
+        <a:font script="Syrc" typeface="Estrangelo Edessa"/>
+        <a:font script="Orya" typeface="Kalinga"/>
+        <a:font script="Mlym" typeface="Kartika"/>
+        <a:font script="Laoo" typeface="DokChampa"/>
+        <a:font script="Sinh" typeface="Iskoola Pota"/>
+        <a:font script="Mong" typeface="Mongolian Baiti"/>
+        <a:font script="Viet" typeface="Times New Roman"/>
+        <a:font script="Uigh" typeface="Microsoft Uighur"/>
+        <a:font script="Geor" typeface="Sylfaen"/>
+      </a:majorFont>
+      <a:minorFont>
+        <a:latin typeface="Arial"/>
+        <a:ea typeface=""/>
+        <a:cs typeface=""/>
+        <a:font script="Jpan" typeface="ＭＳ Ｐゴシック"/>
+        <a:font script="Hang" typeface="맑은 고딕"/>
+        <a:font script="Hans" typeface="宋体"/>
+        <a:font script="Hant" typeface="新細明體"/>
+        <a:font script="Arab" typeface="Arial"/>
+        <a:font script="Hebr" typeface="Arial"/>
+        <a:font script="Thai" typeface="Cordia New"/>
+        <a:font script="Ethi" typeface="Nyala"/>
+        <a:font script="Beng" typeface="Vrinda"/>
+        <a:font script="Gujr" typeface="Shruti"/>
+        <a:font script="Khmr" typeface="DaunPenh"/>
+        <a:font script="Knda" typeface="Tunga"/>
+        <a:font script="Guru" typeface="Raavi"/>
+        <a:font script="Cans" typeface="Euphemia"/>
+        <a:font script="Cher" typeface="Plantagenet Cherokee"/>
+        <a:font script="Yiii" typeface="Microsoft Yi Baiti"/>
+        <a:font script="Tibt" typeface="Microsoft Himalaya"/>
+        <a:font script="Thaa" typeface="MV Boli"/>
+        <a:font script="Deva" typeface="Mangal"/>
+        <a:font script="Telu" typeface="Gautami"/>
+        <a:font script="Taml" typeface="Latha"/>
+        <a:font script="Syrc" typeface="Estrangelo Edessa"/>
+        <a:font script="Orya" typeface="Kalinga"/>
+        <a:font script="Mlym" typeface="Kartika"/>
+        <a:font script="Laoo" typeface="DokChampa"/>
+        <a:font script="Sinh" typeface="Iskoola Pota"/>
+        <a:font script="Mong" typeface="Mongolian Baiti"/>
+        <a:font script="Viet" typeface="Arial"/>
+        <a:font script="Uigh" typeface="Microsoft Uighur"/>
+        <a:font script="Geor" typeface="Sylfaen"/>
+      </a:minorFont>
+    </a:fontScheme>
+    <a:fmtScheme name="Office">
+      <a:fillStyleLst>
+        <a:solidFill>
+          <a:schemeClr val="phClr"/>
+        </a:solidFill>
+        <a:gradFill rotWithShape="1">
+          <a:gsLst>
+            <a:gs pos="0">
+              <a:schemeClr val="phClr">
+                <a:tint val="50000"/>
+                <a:satMod val="300000"/>
+              </a:schemeClr>
+            </a:gs>
+            <a:gs pos="35000">
+              <a:schemeClr val="phClr">
+                <a:tint val="37000"/>
+                <a:satMod val="300000"/>
+              </a:schemeClr>
+            </a:gs>
+            <a:gs pos="100000">
+              <a:schemeClr val="phClr">
+                <a:tint val="15000"/>
+                <a:satMod val="350000"/>
+              </a:schemeClr>
+            </a:gs>
+          </a:gsLst>
+          <a:lin ang="16200000" scaled="1"/>
+        </a:gradFill>
+        <a:gradFill rotWithShape="1">
+          <a:gsLst>
+            <a:gs pos="0">
+              <a:schemeClr val="phClr">
+                <a:tint val="100000"/>
+                <a:shade val="100000"/>
+                <a:satMod val="130000"/>
+              </a:schemeClr>
+            </a:gs>
+            <a:gs pos="100000">
+              <a:schemeClr val="phClr">
+                <a:tint val="50000"/>
+                <a:shade val="100000"/>
+                <a:satMod val="350000"/>
+              </a:schemeClr>
+            </a:gs>
+          </a:gsLst>
+          <a:lin ang="16200000" scaled="0"/>
+        </a:gradFill>
+      </a:fillStyleLst>
+      <a:lnStyleLst>
+        <a:ln w="9525" cap="flat" cmpd="sng" algn="ctr">
+          <a:solidFill>
+            <a:schemeClr val="phClr">
+              <a:shade val="95000"/>
+              <a:satMod val="105000"/>
+            </a:schemeClr>
+          </a:solidFill>
+          <a:prstDash val="solid"/>
+        </a:ln>
+        <a:ln w="25400" cap="flat" cmpd="sng" algn="ctr">
+          <a:solidFill>
+            <a:schemeClr val="phClr"/>
+          </a:solidFill>
+          <a:prstDash val="solid"/>
+        </a:ln>
+        <a:ln w="38100" cap="flat" cmpd="sng" algn="ctr">
+          <a:solidFill>
+            <a:schemeClr val="phClr"/>
+          </a:solidFill>
+          <a:prstDash val="solid"/>
+        </a:ln>
+      </a:lnStyleLst>
+      <a:effectStyleLst>
+        <a:effectStyle>
+          <a:effectLst>
+            <a:outerShdw blurRad="40000" dist="20000" dir="5400000" rotWithShape="0">
+              <a:srgbClr val="000000">
+                <a:alpha val="38000"/>
+              </a:srgbClr>
+            </a:outerShdw>
+          </a:effectLst>
+        </a:effectStyle>
+        <a:effectStyle>
+          <a:effectLst>
+            <a:outerShdw blurRad="40000" dist="23000" dir="5400000" rotWithShape="0">
+              <a:srgbClr val="000000">
+                <a:alpha val="35000"/>
+              </a:srgbClr>
+            </a:outerShdw>
+          </a:effectLst>
+        </a:effectStyle>
+        <a:effectStyle>
+          <a:effectLst>
+            <a:outerShdw blurRad="40000" dist="23000" dir="5400000" rotWithShape="0">
+              <a:srgbClr val="000000">
+                <a:alpha val="35000"/>
+              </a:srgbClr>
+            </a:outerShdw>
+          </a:effectLst>
+          <a:scene3d>
+            <a:camera prst="orthographicFront">
+              <a:rot lat="0" lon="0" rev="0"/>
+            </a:camera>
+            <a:lightRig rig="threePt" dir="t">
+              <a:rot lat="0" lon="0" rev="1200000"/>
+            </a:lightRig>
+          </a:scene3d>
+          <a:sp3d>
+            <a:bevelT w="63500" h="25400"/>
+          </a:sp3d>
+        </a:effectStyle>
+      </a:effectStyleLst>
+      <a:bgFillStyleLst>
+        <a:solidFill>
+          <a:schemeClr val="phClr"/>
+        </a:solidFill>
+        <a:gradFill rotWithShape="1">
+          <a:gsLst>
+            <a:gs pos="0">
+              <a:schemeClr val="phClr">
+                <a:tint val="40000"/>
+                <a:satMod val="350000"/>
+              </a:schemeClr>
+            </a:gs>
+            <a:gs pos="40000">
+              <a:schemeClr val="phClr">
+                <a:tint val="45000"/>
+                <a:shade val="99000"/>
+                <a:satMod val="350000"/>
+              </a:schemeClr>
+            </a:gs>
+            <a:gs pos="100000">
+              <a:schemeClr val="phClr">
+                <a:shade val="20000"/>
+                <a:satMod val="255000"/>
+              </a:schemeClr>
+            </a:gs>
+          </a:gsLst>
+          <a:path path="circle">
+            <a:fillToRect l="50000" t="-80000" r="50000" b="180000"/>
+          </a:path>
+        </a:gradFill>
+        <a:gradFill rotWithShape="1">
+          <a:gsLst>
+            <a:gs pos="0">
+              <a:schemeClr val="phClr">
+                <a:tint val="80000"/>
+                <a:satMod val="300000"/>
+              </a:schemeClr>
+            </a:gs>
+            <a:gs pos="100000">
+              <a:schemeClr val="phClr">
+                <a:shade val="30000"/>
+                <a:satMod val="200000"/>
+              </a:schemeClr>
+            </a:gs>
+          </a:gsLst>
+          <a:path path="circle">
+            <a:fillToRect l="50000" t="50000" r="50000" b="50000"/>
+          </a:path>
+        </a:gradFill>
+      </a:bgFillStyleLst>
+    </a:fmtScheme>
+  </a:themeElements>
+  <a:objectDefaults/>
+  <a:extraClrSchemeLst/>
+</a:theme>
+</file>
+
+<file path=ppt/theme/theme3.xml><?xml version="1.0" encoding="utf-8"?>
+<a:theme xmlns:a="http://schemas.openxmlformats.org/drawingml/2006/main" name="Office Theme">
+  <a:themeElements>
+    <a:clrScheme name="Office">
+      <a:dk1>
+        <a:sysClr val="windowText" lastClr="000000"/>
+      </a:dk1>
+      <a:lt1>
+        <a:sysClr val="window" lastClr="FFFFFF"/>
+      </a:lt1>
+      <a:dk2>
+        <a:srgbClr val="44546A"/>
+      </a:dk2>
+      <a:lt2>
+        <a:srgbClr val="E7E6E6"/>
+      </a:lt2>
+      <a:accent1>
+        <a:srgbClr val="4472C4"/>
+      </a:accent1>
+      <a:accent2>
+        <a:srgbClr val="ED7D31"/>
+      </a:accent2>
+      <a:accent3>
+        <a:srgbClr val="A5A5A5"/>
+      </a:accent3>
+      <a:accent4>
+        <a:srgbClr val="FFC000"/>
+      </a:accent4>
+      <a:accent5>
+        <a:srgbClr val="5B9BD5"/>
+      </a:accent5>
+      <a:accent6>
+        <a:srgbClr val="70AD47"/>
+      </a:accent6>
+      <a:hlink>
+        <a:srgbClr val="0563C1"/>
+      </a:hlink>
+      <a:folHlink>
+        <a:srgbClr val="954F72"/>
+      </a:folHlink>
+    </a:clrScheme>
+    <a:fontScheme name="Office">
+      <a:majorFont>
+        <a:latin typeface="Calibri Light" panose="020F0302020204030204"/>
+        <a:ea typeface=""/>
+        <a:cs typeface=""/>
+        <a:font script="Jpan" typeface="游ゴシック Light"/>
+        <a:font script="Hang" typeface="맑은 고딕"/>
+        <a:font script="Hans" typeface="等线 Light"/>
+        <a:font script="Hant" typeface="新細明體"/>
+        <a:font script="Arab" typeface="Times New Roman"/>
+        <a:font script="Hebr" typeface="Times New Roman"/>
+        <a:font script="Thai" typeface="Angsana New"/>
+        <a:font script="Ethi" typeface="Nyala"/>
+        <a:font script="Beng" typeface="Vrinda"/>
+        <a:font script="Gujr" typeface="Shruti"/>
+        <a:font script="Khmr" typeface="MoolBoran"/>
+        <a:font script="Knda" typeface="Tunga"/>
+        <a:font script="Guru" typeface="Raavi"/>
+        <a:font script="Cans" typeface="Euphemia"/>
+        <a:font script="Cher" typeface="Plantagenet Cherokee"/>
+        <a:font script="Yiii" typeface="Microsoft Yi Baiti"/>
+        <a:font script="Tibt" typeface="Microsoft Himalaya"/>
+        <a:font script="Thaa" typeface="MV Boli"/>
+        <a:font script="Deva" typeface="Mangal"/>
+        <a:font script="Telu" typeface="Gautami"/>
+        <a:font script="Taml" typeface="Latha"/>
+        <a:font script="Syrc" typeface="Estrangelo Edessa"/>
+        <a:font script="Orya" typeface="Kalinga"/>
+        <a:font script="Mlym" typeface="Kartika"/>
+        <a:font script="Laoo" typeface="DokChampa"/>
+        <a:font script="Sinh" typeface="Iskoola Pota"/>
+        <a:font script="Mong" typeface="Mongolian Baiti"/>
+        <a:font script="Viet" typeface="Times New Roman"/>
+        <a:font script="Uigh" typeface="Microsoft Uighur"/>
+        <a:font script="Geor" typeface="Sylfaen"/>
+        <a:font script="Armn" typeface="Arial"/>
+        <a:font script="Bugi" typeface="Leelawadee UI"/>
+        <a:font script="Bopo" typeface="Microsoft JhengHei"/>
+        <a:font script="Java" typeface="Javanese Text"/>
+        <a:font script="Lisu" typeface="Segoe UI"/>
+        <a:font script="Mymr" typeface="Myanmar Text"/>
+        <a:font script="Nkoo" typeface="Ebrima"/>
+        <a:font script="Olck" typeface="Nirmala UI"/>
+        <a:font script="Osma" typeface="Ebrima"/>
+        <a:font script="Phag" typeface="Phagspa"/>
+        <a:font script="Syrn" typeface="Estrangelo Edessa"/>
+        <a:font script="Syrj" typeface="Estrangelo Edessa"/>
+        <a:font script="Syre" typeface="Estrangelo Edessa"/>
+        <a:font script="Sora" typeface="Nirmala UI"/>
+        <a:font script="Tale" typeface="Microsoft Tai Le"/>
+        <a:font script="Talu" typeface="Microsoft New Tai Lue"/>
+        <a:font script="Tfng" typeface="Ebrima"/>
+      </a:majorFont>
+      <a:minorFont>
+        <a:latin typeface="Calibri" panose="020F0502020204030204"/>
+        <a:ea typeface=""/>
+        <a:cs typeface=""/>
+        <a:font script="Jpan" typeface="游ゴシック"/>
+        <a:font script="Hang" typeface="맑은 고딕"/>
+        <a:font script="Hans" typeface="等线"/>
+        <a:font script="Hant" typeface="新細明體"/>
+        <a:font script="Arab" typeface="Arial"/>
+        <a:font script="Hebr" typeface="Arial"/>
+        <a:font script="Thai" typeface="Cordia New"/>
+        <a:font script="Ethi" typeface="Nyala"/>
+        <a:font script="Beng" typeface="Vrinda"/>
+        <a:font script="Gujr" typeface="Shruti"/>
+        <a:font script="Khmr" typeface="DaunPenh"/>
+        <a:font script="Knda" typeface="Tunga"/>
+        <a:font script="Guru" typeface="Raavi"/>
+        <a:font script="Cans" typeface="Euphemia"/>
+        <a:font script="Cher" typeface="Plantagenet Cherokee"/>
+        <a:font script="Yiii" typeface="Microsoft Yi Baiti"/>
+        <a:font script="Tibt" typeface="Microsoft Himalaya"/>
+        <a:font script="Thaa" typeface="MV Boli"/>
+        <a:font script="Deva" typeface="Mangal"/>
+        <a:font script="Telu" typeface="Gautami"/>
+        <a:font script="Taml" typeface="Latha"/>
+        <a:font script="Syrc" typeface="Estrangelo Edessa"/>
+        <a:font script="Orya" typeface="Kalinga"/>
+        <a:font script="Mlym" typeface="Kartika"/>
+        <a:font script="Laoo" typeface="DokChampa"/>
+        <a:font script="Sinh" typeface="Iskoola Pota"/>
+        <a:font script="Mong" typeface="Mongolian Baiti"/>
+        <a:font script="Viet" typeface="Arial"/>
+        <a:font script="Uigh" typeface="Microsoft Uighur"/>
+        <a:font script="Geor" typeface="Sylfaen"/>
+        <a:font script="Armn" typeface="Arial"/>
+        <a:font script="Bugi" typeface="Leelawadee UI"/>
+        <a:font script="Bopo" typeface="Microsoft JhengHei"/>
+        <a:font script="Java" typeface="Javanese Text"/>
+        <a:font script="Lisu" typeface="Segoe UI"/>
+        <a:font script="Mymr" typeface="Myanmar Text"/>
+        <a:font script="Nkoo" typeface="Ebrima"/>
+        <a:font script="Olck" typeface="Nirmala UI"/>
+        <a:font script="Osma" typeface="Ebrima"/>
+        <a:font script="Phag" typeface="Phagspa"/>
+        <a:font script="Syrn" typeface="Estrangelo Edessa"/>
+        <a:font script="Syrj" typeface="Estrangelo Edessa"/>
+        <a:font script="Syre" typeface="Estrangelo Edessa"/>
+        <a:font script="Sora" typeface="Nirmala UI"/>
+        <a:font script="Tale" typeface="Microsoft Tai Le"/>
+        <a:font script="Talu" typeface="Microsoft New Tai Lue"/>
+        <a:font script="Tfng" typeface="Ebrima"/>
+      </a:minorFont>
+    </a:fontScheme>
+    <a:fmtScheme name="Office">
+      <a:fillStyleLst>
+        <a:solidFill>
+          <a:schemeClr val="phClr"/>
+        </a:solidFill>
+        <a:gradFill rotWithShape="1">
+          <a:gsLst>
+            <a:gs pos="0">
+              <a:schemeClr val="phClr">
+                <a:lumMod val="110000"/>
+                <a:satMod val="105000"/>
+                <a:tint val="67000"/>
+              </a:schemeClr>
+            </a:gs>
+            <a:gs pos="50000">
+              <a:schemeClr val="phClr">
+                <a:lumMod val="105000"/>
+                <a:satMod val="103000"/>
+                <a:tint val="73000"/>
+              </a:schemeClr>
+            </a:gs>
+            <a:gs pos="100000">
+              <a:schemeClr val="phClr">
+                <a:lumMod val="105000"/>
+                <a:satMod val="109000"/>
+                <a:tint val="81000"/>
+              </a:schemeClr>
+            </a:gs>
+          </a:gsLst>
+          <a:lin ang="5400000" scaled="0"/>
+        </a:gradFill>
+        <a:gradFill rotWithShape="1">
+          <a:gsLst>
+            <a:gs pos="0">
+              <a:schemeClr val="phClr">
+                <a:satMod val="103000"/>
+                <a:lumMod val="102000"/>
+                <a:tint val="94000"/>
+              </a:schemeClr>
+            </a:gs>
+            <a:gs pos="50000">
+              <a:schemeClr val="phClr">
+                <a:satMod val="110000"/>
+                <a:lumMod val="100000"/>
+                <a:shade val="100000"/>
+              </a:schemeClr>
+            </a:gs>
+            <a:gs pos="100000">
+              <a:schemeClr val="phClr">
+                <a:lumMod val="99000"/>
+                <a:satMod val="120000"/>
+                <a:shade val="78000"/>
+              </a:schemeClr>
+            </a:gs>
+          </a:gsLst>
+          <a:lin ang="5400000" scaled="0"/>
+        </a:gradFill>
+      </a:fillStyleLst>
+      <a:lnStyleLst>
+        <a:ln w="6350" cap="flat" cmpd="sng" algn="ctr">
+          <a:solidFill>
+            <a:schemeClr val="phClr"/>
+          </a:solidFill>
+          <a:prstDash val="solid"/>
+          <a:miter lim="800000"/>
+        </a:ln>
+        <a:ln w="12700" cap="flat" cmpd="sng" algn="ctr">
+          <a:solidFill>
+            <a:schemeClr val="phClr"/>
+          </a:solidFill>
+          <a:prstDash val="solid"/>
+          <a:miter lim="800000"/>
+        </a:ln>
+        <a:ln w="19050" cap="flat" cmpd="sng" algn="ctr">
+          <a:solidFill>
+            <a:schemeClr val="phClr"/>
+          </a:solidFill>
+          <a:prstDash val="solid"/>
+          <a:miter lim="800000"/>
+        </a:ln>
+      </a:lnStyleLst>
+      <a:effectStyleLst>
+        <a:effectStyle>
+          <a:effectLst/>
+        </a:effectStyle>
+        <a:effectStyle>
+          <a:effectLst/>
+        </a:effectStyle>
+        <a:effectStyle>
+          <a:effectLst>
+            <a:outerShdw blurRad="57150" dist="19050" dir="5400000" algn="ctr" rotWithShape="0">
+              <a:srgbClr val="000000">
+                <a:alpha val="63000"/>
+              </a:srgbClr>
+            </a:outerShdw>
+          </a:effectLst>
+        </a:effectStyle>
+      </a:effectStyleLst>
+      <a:bgFillStyleLst>
+        <a:solidFill>
+          <a:schemeClr val="phClr"/>
+        </a:solidFill>
+        <a:solidFill>
+          <a:schemeClr val="phClr">
+            <a:tint val="95000"/>
+            <a:satMod val="170000"/>
+          </a:schemeClr>
+        </a:solidFill>
+        <a:gradFill rotWithShape="1">
+          <a:gsLst>
+            <a:gs pos="0">
+              <a:schemeClr val="phClr">
+                <a:tint val="93000"/>
+                <a:satMod val="150000"/>
+                <a:shade val="98000"/>
+                <a:lumMod val="102000"/>
+              </a:schemeClr>
+            </a:gs>
+            <a:gs pos="50000">
+              <a:schemeClr val="phClr">
+                <a:tint val="98000"/>
+                <a:satMod val="130000"/>
+                <a:shade val="90000"/>
+                <a:lumMod val="103000"/>
+              </a:schemeClr>
+            </a:gs>
+            <a:gs pos="100000">
+              <a:schemeClr val="phClr">
+                <a:shade val="63000"/>
+                <a:satMod val="120000"/>
+              </a:schemeClr>
+            </a:gs>
+          </a:gsLst>
+          <a:lin ang="5400000" scaled="0"/>
+        </a:gradFill>
+      </a:bgFillStyleLst>
+    </a:fmtScheme>
+  </a:themeElements>
+  <a:objectDefaults/>
+  <a:extraClrSchemeLst/>
+  <a:extLst>
+    <a:ext uri="{05A4C25C-085E-4340-85A3-A5531E510DB2}">
+      <thm15:themeFamily xmlns:thm15="http://schemas.microsoft.com/office/thememl/2012/main" name="Office Theme" id="{62F939B6-93AF-4DB8-9C6B-D6C7DFDC589F}" vid="{4A3C46E8-61CC-4603-A589-7422A47A8E4A}"/>
+    </a:ext>
+  </a:extLst>
+</a:theme>
 </file>
--- a/Get to know 4TU (day 2).pptx
+++ b/Get to know 4TU (day 2).pptx
@@ -217,7 +217,7 @@
           <a:p>
             <a:fld id="{C72E5348-1736-4861-B8B5-965F68D1D4D5}" type="datetimeFigureOut">
               <a:rPr lang="en-GB" smtClean="0"/>
-              <a:t>12/02/2024</a:t>
+              <a:t>22/02/2024</a:t>
             </a:fld>
             <a:endParaRPr lang="en-GB"/>
           </a:p>
@@ -2352,7 +2352,7 @@
           <a:p>
             <a:fld id="{D7C3DDD6-1E7D-4EBA-9AEE-2EB1D1BBE72D}" type="datetimeFigureOut">
               <a:rPr lang="en-GB" smtClean="0"/>
-              <a:t>12/02/2024</a:t>
+              <a:t>22/02/2024</a:t>
             </a:fld>
             <a:endParaRPr lang="en-GB"/>
           </a:p>
@@ -2552,7 +2552,7 @@
           <a:p>
             <a:fld id="{D7C3DDD6-1E7D-4EBA-9AEE-2EB1D1BBE72D}" type="datetimeFigureOut">
               <a:rPr lang="en-GB" smtClean="0"/>
-              <a:t>12/02/2024</a:t>
+              <a:t>22/02/2024</a:t>
             </a:fld>
             <a:endParaRPr lang="en-GB"/>
           </a:p>
@@ -2762,7 +2762,7 @@
           <a:p>
             <a:fld id="{D7C3DDD6-1E7D-4EBA-9AEE-2EB1D1BBE72D}" type="datetimeFigureOut">
               <a:rPr lang="en-GB" smtClean="0"/>
-              <a:t>12/02/2024</a:t>
+              <a:t>22/02/2024</a:t>
             </a:fld>
             <a:endParaRPr lang="en-GB"/>
           </a:p>
@@ -3333,7 +3333,7 @@
           <a:p>
             <a:fld id="{D7C3DDD6-1E7D-4EBA-9AEE-2EB1D1BBE72D}" type="datetimeFigureOut">
               <a:rPr lang="en-GB" smtClean="0"/>
-              <a:t>12/02/2024</a:t>
+              <a:t>22/02/2024</a:t>
             </a:fld>
             <a:endParaRPr lang="en-GB"/>
           </a:p>
@@ -3609,7 +3609,7 @@
           <a:p>
             <a:fld id="{D7C3DDD6-1E7D-4EBA-9AEE-2EB1D1BBE72D}" type="datetimeFigureOut">
               <a:rPr lang="en-GB" smtClean="0"/>
-              <a:t>12/02/2024</a:t>
+              <a:t>22/02/2024</a:t>
             </a:fld>
             <a:endParaRPr lang="en-GB"/>
           </a:p>
@@ -3877,7 +3877,7 @@
           <a:p>
             <a:fld id="{D7C3DDD6-1E7D-4EBA-9AEE-2EB1D1BBE72D}" type="datetimeFigureOut">
               <a:rPr lang="en-GB" smtClean="0"/>
-              <a:t>12/02/2024</a:t>
+              <a:t>22/02/2024</a:t>
             </a:fld>
             <a:endParaRPr lang="en-GB"/>
           </a:p>
@@ -4292,7 +4292,7 @@
           <a:p>
             <a:fld id="{D7C3DDD6-1E7D-4EBA-9AEE-2EB1D1BBE72D}" type="datetimeFigureOut">
               <a:rPr lang="en-GB" smtClean="0"/>
-              <a:t>12/02/2024</a:t>
+              <a:t>22/02/2024</a:t>
             </a:fld>
             <a:endParaRPr lang="en-GB"/>
           </a:p>
@@ -4434,7 +4434,7 @@
           <a:p>
             <a:fld id="{D7C3DDD6-1E7D-4EBA-9AEE-2EB1D1BBE72D}" type="datetimeFigureOut">
               <a:rPr lang="en-GB" smtClean="0"/>
-              <a:t>12/02/2024</a:t>
+              <a:t>22/02/2024</a:t>
             </a:fld>
             <a:endParaRPr lang="en-GB"/>
           </a:p>
@@ -4547,7 +4547,7 @@
           <a:p>
             <a:fld id="{D7C3DDD6-1E7D-4EBA-9AEE-2EB1D1BBE72D}" type="datetimeFigureOut">
               <a:rPr lang="en-GB" smtClean="0"/>
-              <a:t>12/02/2024</a:t>
+              <a:t>22/02/2024</a:t>
             </a:fld>
             <a:endParaRPr lang="en-GB"/>
           </a:p>
@@ -4860,7 +4860,7 @@
           <a:p>
             <a:fld id="{D7C3DDD6-1E7D-4EBA-9AEE-2EB1D1BBE72D}" type="datetimeFigureOut">
               <a:rPr lang="en-GB" smtClean="0"/>
-              <a:t>12/02/2024</a:t>
+              <a:t>22/02/2024</a:t>
             </a:fld>
             <a:endParaRPr lang="en-GB"/>
           </a:p>
@@ -5149,7 +5149,7 @@
           <a:p>
             <a:fld id="{D7C3DDD6-1E7D-4EBA-9AEE-2EB1D1BBE72D}" type="datetimeFigureOut">
               <a:rPr lang="en-GB" smtClean="0"/>
-              <a:t>12/02/2024</a:t>
+              <a:t>22/02/2024</a:t>
             </a:fld>
             <a:endParaRPr lang="en-GB"/>
           </a:p>
@@ -5392,7 +5392,7 @@
           <a:p>
             <a:fld id="{D7C3DDD6-1E7D-4EBA-9AEE-2EB1D1BBE72D}" type="datetimeFigureOut">
               <a:rPr lang="en-GB" smtClean="0"/>
-              <a:t>12/02/2024</a:t>
+              <a:t>22/02/2024</a:t>
             </a:fld>
             <a:endParaRPr lang="en-GB"/>
           </a:p>
@@ -11059,7 +11059,7 @@
             <a:pPr algn="ctr"/>
             <a:r>
               <a:rPr lang="en-GB" sz="5200" dirty="0"/>
-              <a:t>In the context of FAIR</a:t>
+              <a:t>In the context of FAIR data</a:t>
             </a:r>
           </a:p>
         </p:txBody>
